--- a/_PowerPoints/2nd Semester/Unit 9 Logarithms/Algebra_4_Day_076 7.5 Exponential and Log Equations.pptx
+++ b/_PowerPoints/2nd Semester/Unit 9 Logarithms/Algebra_4_Day_076 7.5 Exponential and Log Equations.pptx
@@ -291,7 +291,7 @@
             <a:fld id="{87DE6118-2437-4B30-8E3C-4D2BE6020583}" type="datetimeFigureOut">
               <a:rPr lang="en-US" dirty="0"/>
               <a:pPr/>
-              <a:t>4/17/2018</a:t>
+              <a:t>4/30/2018</a:t>
             </a:fld>
             <a:endParaRPr lang="en-US" dirty="0"/>
           </a:p>
@@ -617,7 +617,7 @@
           <a:p>
             <a:fld id="{87DE6118-2437-4B30-8E3C-4D2BE6020583}" type="datetimeFigureOut">
               <a:rPr lang="en-US" dirty="0"/>
-              <a:t>4/17/2018</a:t>
+              <a:t>4/30/2018</a:t>
             </a:fld>
             <a:endParaRPr lang="en-US" dirty="0"/>
           </a:p>
@@ -792,7 +792,7 @@
           <a:p>
             <a:fld id="{87DE6118-2437-4B30-8E3C-4D2BE6020583}" type="datetimeFigureOut">
               <a:rPr lang="en-US" dirty="0"/>
-              <a:t>4/17/2018</a:t>
+              <a:t>4/30/2018</a:t>
             </a:fld>
             <a:endParaRPr lang="en-US" dirty="0"/>
           </a:p>
@@ -957,7 +957,7 @@
           <a:p>
             <a:fld id="{87DE6118-2437-4B30-8E3C-4D2BE6020583}" type="datetimeFigureOut">
               <a:rPr lang="en-US" dirty="0"/>
-              <a:t>4/17/2018</a:t>
+              <a:t>4/30/2018</a:t>
             </a:fld>
             <a:endParaRPr lang="en-US" dirty="0"/>
           </a:p>
@@ -1230,7 +1230,7 @@
             <a:fld id="{87DE6118-2437-4B30-8E3C-4D2BE6020583}" type="datetimeFigureOut">
               <a:rPr lang="en-US" dirty="0"/>
               <a:pPr/>
-              <a:t>4/17/2018</a:t>
+              <a:t>4/30/2018</a:t>
             </a:fld>
             <a:endParaRPr lang="en-US" dirty="0"/>
           </a:p>
@@ -1620,7 +1620,7 @@
           <a:p>
             <a:fld id="{87DE6118-2437-4B30-8E3C-4D2BE6020583}" type="datetimeFigureOut">
               <a:rPr lang="en-US" dirty="0"/>
-              <a:t>4/17/2018</a:t>
+              <a:t>4/30/2018</a:t>
             </a:fld>
             <a:endParaRPr lang="en-US" dirty="0"/>
           </a:p>
@@ -2092,7 +2092,7 @@
           <a:p>
             <a:fld id="{87DE6118-2437-4B30-8E3C-4D2BE6020583}" type="datetimeFigureOut">
               <a:rPr lang="en-US" dirty="0"/>
-              <a:t>4/17/2018</a:t>
+              <a:t>4/30/2018</a:t>
             </a:fld>
             <a:endParaRPr lang="en-US" dirty="0"/>
           </a:p>
@@ -2205,7 +2205,7 @@
           <a:p>
             <a:fld id="{87DE6118-2437-4B30-8E3C-4D2BE6020583}" type="datetimeFigureOut">
               <a:rPr lang="en-US" dirty="0"/>
-              <a:t>4/17/2018</a:t>
+              <a:t>4/30/2018</a:t>
             </a:fld>
             <a:endParaRPr lang="en-US" dirty="0"/>
           </a:p>
@@ -2295,7 +2295,7 @@
           <a:p>
             <a:fld id="{87DE6118-2437-4B30-8E3C-4D2BE6020583}" type="datetimeFigureOut">
               <a:rPr lang="en-US" dirty="0"/>
-              <a:t>4/17/2018</a:t>
+              <a:t>4/30/2018</a:t>
             </a:fld>
             <a:endParaRPr lang="en-US" dirty="0"/>
           </a:p>
@@ -2637,7 +2637,7 @@
             <a:fld id="{87DE6118-2437-4B30-8E3C-4D2BE6020583}" type="datetimeFigureOut">
               <a:rPr lang="en-US" dirty="0"/>
               <a:pPr/>
-              <a:t>4/17/2018</a:t>
+              <a:t>4/30/2018</a:t>
             </a:fld>
             <a:endParaRPr lang="en-US" dirty="0"/>
           </a:p>
@@ -3022,7 +3022,7 @@
             <a:fld id="{87DE6118-2437-4B30-8E3C-4D2BE6020583}" type="datetimeFigureOut">
               <a:rPr lang="en-US" dirty="0"/>
               <a:pPr/>
-              <a:t>4/17/2018</a:t>
+              <a:t>4/30/2018</a:t>
             </a:fld>
             <a:endParaRPr lang="en-US" dirty="0"/>
           </a:p>
@@ -3297,7 +3297,7 @@
             <a:fld id="{87DE6118-2437-4B30-8E3C-4D2BE6020583}" type="datetimeFigureOut">
               <a:rPr lang="en-US" dirty="0"/>
               <a:pPr/>
-              <a:t>4/17/2018</a:t>
+              <a:t>4/30/2018</a:t>
             </a:fld>
             <a:endParaRPr lang="en-US" dirty="0"/>
           </a:p>
@@ -4026,17 +4026,28 @@
               <a:buNone/>
             </a:pPr>
             <a:r>
-              <a:rPr lang="en-US" sz="3400" dirty="0" smtClean="0"/>
-              <a:t>Page 457 # 1–9, 13–27(odd)</a:t>
-            </a:r>
-          </a:p>
-          <a:p>
-            <a:pPr marL="0" indent="0">
-              <a:buNone/>
-            </a:pPr>
+              <a:rPr lang="en-US" sz="3400" dirty="0"/>
+              <a:t>Page </a:t>
+            </a:r>
+            <a:r>
+              <a:rPr lang="en-US" sz="3400"/>
+              <a:t>473 </a:t>
+            </a:r>
             <a:r>
               <a:rPr lang="en-US" sz="3400" smtClean="0"/>
-              <a:t>Page 465 # 1–4, 30–33    </a:t>
+              <a:t>#10-14 (even), 18, 31–41 </a:t>
+            </a:r>
+            <a:r>
+              <a:rPr lang="en-US" sz="3400" dirty="0"/>
+              <a:t>(</a:t>
+            </a:r>
+            <a:r>
+              <a:rPr lang="en-US" sz="3400"/>
+              <a:t>odd</a:t>
+            </a:r>
+            <a:r>
+              <a:rPr lang="en-US" sz="3400" smtClean="0"/>
+              <a:t>), 49</a:t>
             </a:r>
             <a:endParaRPr lang="en-US" sz="3400" dirty="0"/>
           </a:p>

--- a/_PowerPoints/2nd Semester/Unit 9 Logarithms/Algebra_4_Day_076 7.5 Exponential and Log Equations.pptx
+++ b/_PowerPoints/2nd Semester/Unit 9 Logarithms/Algebra_4_Day_076 7.5 Exponential and Log Equations.pptx
@@ -6,15 +6,16 @@
   </p:sldMasterIdLst>
   <p:sldIdLst>
     <p:sldId id="256" r:id="rId2"/>
-    <p:sldId id="342" r:id="rId3"/>
-    <p:sldId id="324" r:id="rId4"/>
-    <p:sldId id="337" r:id="rId5"/>
-    <p:sldId id="334" r:id="rId6"/>
-    <p:sldId id="338" r:id="rId7"/>
-    <p:sldId id="335" r:id="rId8"/>
-    <p:sldId id="339" r:id="rId9"/>
-    <p:sldId id="340" r:id="rId10"/>
-    <p:sldId id="341" r:id="rId11"/>
+    <p:sldId id="343" r:id="rId3"/>
+    <p:sldId id="341" r:id="rId4"/>
+    <p:sldId id="324" r:id="rId5"/>
+    <p:sldId id="337" r:id="rId6"/>
+    <p:sldId id="334" r:id="rId7"/>
+    <p:sldId id="338" r:id="rId8"/>
+    <p:sldId id="335" r:id="rId9"/>
+    <p:sldId id="339" r:id="rId10"/>
+    <p:sldId id="340" r:id="rId11"/>
+    <p:sldId id="342" r:id="rId12"/>
   </p:sldIdLst>
   <p:sldSz cx="12192000" cy="6858000"/>
   <p:notesSz cx="7010400" cy="9296400"/>
@@ -291,7 +292,7 @@
             <a:fld id="{87DE6118-2437-4B30-8E3C-4D2BE6020583}" type="datetimeFigureOut">
               <a:rPr lang="en-US" dirty="0"/>
               <a:pPr/>
-              <a:t>4/30/2018</a:t>
+              <a:t>5/2/2018</a:t>
             </a:fld>
             <a:endParaRPr lang="en-US" dirty="0"/>
           </a:p>
@@ -617,7 +618,7 @@
           <a:p>
             <a:fld id="{87DE6118-2437-4B30-8E3C-4D2BE6020583}" type="datetimeFigureOut">
               <a:rPr lang="en-US" dirty="0"/>
-              <a:t>4/30/2018</a:t>
+              <a:t>5/2/2018</a:t>
             </a:fld>
             <a:endParaRPr lang="en-US" dirty="0"/>
           </a:p>
@@ -792,7 +793,7 @@
           <a:p>
             <a:fld id="{87DE6118-2437-4B30-8E3C-4D2BE6020583}" type="datetimeFigureOut">
               <a:rPr lang="en-US" dirty="0"/>
-              <a:t>4/30/2018</a:t>
+              <a:t>5/2/2018</a:t>
             </a:fld>
             <a:endParaRPr lang="en-US" dirty="0"/>
           </a:p>
@@ -957,7 +958,7 @@
           <a:p>
             <a:fld id="{87DE6118-2437-4B30-8E3C-4D2BE6020583}" type="datetimeFigureOut">
               <a:rPr lang="en-US" dirty="0"/>
-              <a:t>4/30/2018</a:t>
+              <a:t>5/2/2018</a:t>
             </a:fld>
             <a:endParaRPr lang="en-US" dirty="0"/>
           </a:p>
@@ -1230,7 +1231,7 @@
             <a:fld id="{87DE6118-2437-4B30-8E3C-4D2BE6020583}" type="datetimeFigureOut">
               <a:rPr lang="en-US" dirty="0"/>
               <a:pPr/>
-              <a:t>4/30/2018</a:t>
+              <a:t>5/2/2018</a:t>
             </a:fld>
             <a:endParaRPr lang="en-US" dirty="0"/>
           </a:p>
@@ -1620,7 +1621,7 @@
           <a:p>
             <a:fld id="{87DE6118-2437-4B30-8E3C-4D2BE6020583}" type="datetimeFigureOut">
               <a:rPr lang="en-US" dirty="0"/>
-              <a:t>4/30/2018</a:t>
+              <a:t>5/2/2018</a:t>
             </a:fld>
             <a:endParaRPr lang="en-US" dirty="0"/>
           </a:p>
@@ -2092,7 +2093,7 @@
           <a:p>
             <a:fld id="{87DE6118-2437-4B30-8E3C-4D2BE6020583}" type="datetimeFigureOut">
               <a:rPr lang="en-US" dirty="0"/>
-              <a:t>4/30/2018</a:t>
+              <a:t>5/2/2018</a:t>
             </a:fld>
             <a:endParaRPr lang="en-US" dirty="0"/>
           </a:p>
@@ -2205,7 +2206,7 @@
           <a:p>
             <a:fld id="{87DE6118-2437-4B30-8E3C-4D2BE6020583}" type="datetimeFigureOut">
               <a:rPr lang="en-US" dirty="0"/>
-              <a:t>4/30/2018</a:t>
+              <a:t>5/2/2018</a:t>
             </a:fld>
             <a:endParaRPr lang="en-US" dirty="0"/>
           </a:p>
@@ -2295,7 +2296,7 @@
           <a:p>
             <a:fld id="{87DE6118-2437-4B30-8E3C-4D2BE6020583}" type="datetimeFigureOut">
               <a:rPr lang="en-US" dirty="0"/>
-              <a:t>4/30/2018</a:t>
+              <a:t>5/2/2018</a:t>
             </a:fld>
             <a:endParaRPr lang="en-US" dirty="0"/>
           </a:p>
@@ -2637,7 +2638,7 @@
             <a:fld id="{87DE6118-2437-4B30-8E3C-4D2BE6020583}" type="datetimeFigureOut">
               <a:rPr lang="en-US" dirty="0"/>
               <a:pPr/>
-              <a:t>4/30/2018</a:t>
+              <a:t>5/2/2018</a:t>
             </a:fld>
             <a:endParaRPr lang="en-US" dirty="0"/>
           </a:p>
@@ -3022,7 +3023,7 @@
             <a:fld id="{87DE6118-2437-4B30-8E3C-4D2BE6020583}" type="datetimeFigureOut">
               <a:rPr lang="en-US" dirty="0"/>
               <a:pPr/>
-              <a:t>4/30/2018</a:t>
+              <a:t>5/2/2018</a:t>
             </a:fld>
             <a:endParaRPr lang="en-US" dirty="0"/>
           </a:p>
@@ -3297,7 +3298,7 @@
             <a:fld id="{87DE6118-2437-4B30-8E3C-4D2BE6020583}" type="datetimeFigureOut">
               <a:rPr lang="en-US" dirty="0"/>
               <a:pPr/>
-              <a:t>4/30/2018</a:t>
+              <a:t>5/2/2018</a:t>
             </a:fld>
             <a:endParaRPr lang="en-US" dirty="0"/>
           </a:p>
@@ -3905,2327 +3906,6 @@
           <a:p>
             <a:r>
               <a:rPr lang="en-US" dirty="0" smtClean="0"/>
-              <a:t>For Next Time</a:t>
-            </a:r>
-            <a:endParaRPr lang="en-US" dirty="0"/>
-          </a:p>
-        </p:txBody>
-      </p:sp>
-      <p:sp>
-        <p:nvSpPr>
-          <p:cNvPr id="3" name="Content Placeholder 2"/>
-          <p:cNvSpPr>
-            <a:spLocks noGrp="1"/>
-          </p:cNvSpPr>
-          <p:nvPr>
-            <p:ph idx="1"/>
-          </p:nvPr>
-        </p:nvSpPr>
-        <p:spPr/>
-        <p:txBody>
-          <a:bodyPr>
-            <a:normAutofit/>
-          </a:bodyPr>
-          <a:lstStyle/>
-          <a:p>
-            <a:pPr marL="0" indent="0">
-              <a:buNone/>
-            </a:pPr>
-            <a:r>
-              <a:rPr lang="en-US" sz="3400" dirty="0" smtClean="0"/>
-              <a:t>Page 473 #1–5,  7–23 (odd), 33–41 (odd)</a:t>
-            </a:r>
-            <a:endParaRPr lang="en-US" sz="3400" dirty="0"/>
-          </a:p>
-        </p:txBody>
-      </p:sp>
-    </p:spTree>
-    <p:extLst>
-      <p:ext uri="{BB962C8B-B14F-4D97-AF65-F5344CB8AC3E}">
-        <p14:creationId xmlns:p14="http://schemas.microsoft.com/office/powerpoint/2010/main" val="1909507285"/>
-      </p:ext>
-    </p:extLst>
-  </p:cSld>
-  <p:clrMapOvr>
-    <a:masterClrMapping/>
-  </p:clrMapOvr>
-</p:sld>
-</file>
-
-<file path=ppt/slides/slide2.xml><?xml version="1.0" encoding="utf-8"?>
-<p:sld xmlns:a="http://schemas.openxmlformats.org/drawingml/2006/main" xmlns:r="http://schemas.openxmlformats.org/officeDocument/2006/relationships" xmlns:p="http://schemas.openxmlformats.org/presentationml/2006/main">
-  <p:cSld>
-    <p:spTree>
-      <p:nvGrpSpPr>
-        <p:cNvPr id="1" name=""/>
-        <p:cNvGrpSpPr/>
-        <p:nvPr/>
-      </p:nvGrpSpPr>
-      <p:grpSpPr>
-        <a:xfrm>
-          <a:off x="0" y="0"/>
-          <a:ext cx="0" cy="0"/>
-          <a:chOff x="0" y="0"/>
-          <a:chExt cx="0" cy="0"/>
-        </a:xfrm>
-      </p:grpSpPr>
-      <p:sp>
-        <p:nvSpPr>
-          <p:cNvPr id="2" name="Title 1"/>
-          <p:cNvSpPr>
-            <a:spLocks noGrp="1"/>
-          </p:cNvSpPr>
-          <p:nvPr>
-            <p:ph type="title"/>
-          </p:nvPr>
-        </p:nvSpPr>
-        <p:spPr/>
-        <p:txBody>
-          <a:bodyPr/>
-          <a:lstStyle/>
-          <a:p>
-            <a:r>
-              <a:rPr lang="en-US" dirty="0" smtClean="0"/>
-              <a:t>From </a:t>
-            </a:r>
-            <a:r>
-              <a:rPr lang="en-US" dirty="0"/>
-              <a:t>L</a:t>
-            </a:r>
-            <a:r>
-              <a:rPr lang="en-US" dirty="0" smtClean="0"/>
-              <a:t>ast Time… </a:t>
-            </a:r>
-            <a:endParaRPr lang="en-US" dirty="0"/>
-          </a:p>
-        </p:txBody>
-      </p:sp>
-      <p:sp>
-        <p:nvSpPr>
-          <p:cNvPr id="3" name="Content Placeholder 2"/>
-          <p:cNvSpPr>
-            <a:spLocks noGrp="1"/>
-          </p:cNvSpPr>
-          <p:nvPr>
-            <p:ph idx="1"/>
-          </p:nvPr>
-        </p:nvSpPr>
-        <p:spPr>
-          <a:xfrm>
-            <a:off x="1371600" y="2286000"/>
-            <a:ext cx="10005934" cy="3581400"/>
-          </a:xfrm>
-        </p:spPr>
-        <p:txBody>
-          <a:bodyPr>
-            <a:normAutofit/>
-          </a:bodyPr>
-          <a:lstStyle/>
-          <a:p>
-            <a:pPr marL="0" indent="0">
-              <a:buNone/>
-            </a:pPr>
-            <a:r>
-              <a:rPr lang="en-US" sz="3400" dirty="0"/>
-              <a:t>Page </a:t>
-            </a:r>
-            <a:r>
-              <a:rPr lang="en-US" sz="3400"/>
-              <a:t>473 </a:t>
-            </a:r>
-            <a:r>
-              <a:rPr lang="en-US" sz="3400" smtClean="0"/>
-              <a:t>#10-14 (even), 18, 31–41 </a:t>
-            </a:r>
-            <a:r>
-              <a:rPr lang="en-US" sz="3400" dirty="0"/>
-              <a:t>(</a:t>
-            </a:r>
-            <a:r>
-              <a:rPr lang="en-US" sz="3400"/>
-              <a:t>odd</a:t>
-            </a:r>
-            <a:r>
-              <a:rPr lang="en-US" sz="3400" smtClean="0"/>
-              <a:t>), 49</a:t>
-            </a:r>
-            <a:endParaRPr lang="en-US" sz="3400" dirty="0"/>
-          </a:p>
-        </p:txBody>
-      </p:sp>
-    </p:spTree>
-    <p:extLst>
-      <p:ext uri="{BB962C8B-B14F-4D97-AF65-F5344CB8AC3E}">
-        <p14:creationId xmlns:p14="http://schemas.microsoft.com/office/powerpoint/2010/main" val="1691929216"/>
-      </p:ext>
-    </p:extLst>
-  </p:cSld>
-  <p:clrMapOvr>
-    <a:masterClrMapping/>
-  </p:clrMapOvr>
-</p:sld>
-</file>
-
-<file path=ppt/slides/slide3.xml><?xml version="1.0" encoding="utf-8"?>
-<p:sld xmlns:a="http://schemas.openxmlformats.org/drawingml/2006/main" xmlns:r="http://schemas.openxmlformats.org/officeDocument/2006/relationships" xmlns:p="http://schemas.openxmlformats.org/presentationml/2006/main">
-  <p:cSld>
-    <p:spTree>
-      <p:nvGrpSpPr>
-        <p:cNvPr id="1" name=""/>
-        <p:cNvGrpSpPr/>
-        <p:nvPr/>
-      </p:nvGrpSpPr>
-      <p:grpSpPr>
-        <a:xfrm>
-          <a:off x="0" y="0"/>
-          <a:ext cx="0" cy="0"/>
-          <a:chOff x="0" y="0"/>
-          <a:chExt cx="0" cy="0"/>
-        </a:xfrm>
-      </p:grpSpPr>
-      <p:sp>
-        <p:nvSpPr>
-          <p:cNvPr id="2" name="Title 1"/>
-          <p:cNvSpPr>
-            <a:spLocks noGrp="1"/>
-          </p:cNvSpPr>
-          <p:nvPr>
-            <p:ph type="title"/>
-          </p:nvPr>
-        </p:nvSpPr>
-        <p:spPr>
-          <a:xfrm>
-            <a:off x="1371599" y="407624"/>
-            <a:ext cx="10152043" cy="1764076"/>
-          </a:xfrm>
-        </p:spPr>
-        <p:txBody>
-          <a:bodyPr>
-            <a:normAutofit/>
-          </a:bodyPr>
-          <a:lstStyle/>
-          <a:p>
-            <a:r>
-              <a:rPr lang="en-US" sz="3600" b="1" u="sng" dirty="0" smtClean="0"/>
-              <a:t>7.5 Exponential and Log Equations</a:t>
-            </a:r>
-            <a:r>
-              <a:rPr lang="en-US" sz="3600" dirty="0"/>
-              <a:t/>
-            </a:r>
-            <a:br>
-              <a:rPr lang="en-US" sz="3600" dirty="0"/>
-            </a:br>
-            <a:r>
-              <a:rPr lang="en-US" sz="3400" dirty="0" smtClean="0"/>
-              <a:t> </a:t>
-            </a:r>
-            <a:endParaRPr lang="en-US" dirty="0"/>
-          </a:p>
-        </p:txBody>
-      </p:sp>
-      <p:sp>
-        <p:nvSpPr>
-          <p:cNvPr id="3" name="Content Placeholder 2"/>
-          <p:cNvSpPr>
-            <a:spLocks noGrp="1"/>
-          </p:cNvSpPr>
-          <p:nvPr>
-            <p:ph idx="1"/>
-          </p:nvPr>
-        </p:nvSpPr>
-        <p:spPr>
-          <a:xfrm>
-            <a:off x="1371599" y="1289662"/>
-            <a:ext cx="10425659" cy="4225741"/>
-          </a:xfrm>
-        </p:spPr>
-        <p:txBody>
-          <a:bodyPr>
-            <a:noAutofit/>
-          </a:bodyPr>
-          <a:lstStyle/>
-          <a:p>
-            <a:r>
-              <a:rPr lang="en-US" sz="3200" b="1" dirty="0"/>
-              <a:t>Objective: </a:t>
-            </a:r>
-            <a:endParaRPr lang="en-US" sz="3200" b="1" dirty="0" smtClean="0"/>
-          </a:p>
-          <a:p>
-            <a:pPr marL="0" indent="0">
-              <a:buNone/>
-            </a:pPr>
-            <a:r>
-              <a:rPr lang="en-US" sz="3400" b="1" dirty="0" smtClean="0"/>
-              <a:t>Solve </a:t>
-            </a:r>
-            <a:r>
-              <a:rPr lang="en-US" sz="3400" b="1" dirty="0"/>
-              <a:t>exponential and log equations</a:t>
-            </a:r>
-            <a:endParaRPr lang="en-US" sz="3400" dirty="0"/>
-          </a:p>
-        </p:txBody>
-      </p:sp>
-    </p:spTree>
-    <p:extLst>
-      <p:ext uri="{BB962C8B-B14F-4D97-AF65-F5344CB8AC3E}">
-        <p14:creationId xmlns:p14="http://schemas.microsoft.com/office/powerpoint/2010/main" val="4076360578"/>
-      </p:ext>
-    </p:extLst>
-  </p:cSld>
-  <p:clrMapOvr>
-    <a:masterClrMapping/>
-  </p:clrMapOvr>
-</p:sld>
-</file>
-
-<file path=ppt/slides/slide4.xml><?xml version="1.0" encoding="utf-8"?>
-<p:sld xmlns:a="http://schemas.openxmlformats.org/drawingml/2006/main" xmlns:r="http://schemas.openxmlformats.org/officeDocument/2006/relationships" xmlns:p="http://schemas.openxmlformats.org/presentationml/2006/main">
-  <p:cSld>
-    <p:spTree>
-      <p:nvGrpSpPr>
-        <p:cNvPr id="1" name=""/>
-        <p:cNvGrpSpPr/>
-        <p:nvPr/>
-      </p:nvGrpSpPr>
-      <p:grpSpPr>
-        <a:xfrm>
-          <a:off x="0" y="0"/>
-          <a:ext cx="0" cy="0"/>
-          <a:chOff x="0" y="0"/>
-          <a:chExt cx="0" cy="0"/>
-        </a:xfrm>
-      </p:grpSpPr>
-      <p:sp>
-        <p:nvSpPr>
-          <p:cNvPr id="2" name="Title 1"/>
-          <p:cNvSpPr>
-            <a:spLocks noGrp="1"/>
-          </p:cNvSpPr>
-          <p:nvPr>
-            <p:ph type="title"/>
-          </p:nvPr>
-        </p:nvSpPr>
-        <p:spPr>
-          <a:xfrm>
-            <a:off x="818002" y="685800"/>
-            <a:ext cx="9601200" cy="1485900"/>
-          </a:xfrm>
-        </p:spPr>
-        <p:txBody>
-          <a:bodyPr/>
-          <a:lstStyle/>
-          <a:p>
-            <a:r>
-              <a:rPr lang="en-US" b="1" u="sng" dirty="0"/>
-              <a:t>Strategies to Solve:</a:t>
-            </a:r>
-            <a:r>
-              <a:rPr lang="en-US" dirty="0"/>
-              <a:t/>
-            </a:r>
-            <a:br>
-              <a:rPr lang="en-US" dirty="0"/>
-            </a:br>
-            <a:endParaRPr lang="en-US" dirty="0"/>
-          </a:p>
-        </p:txBody>
-      </p:sp>
-      <p:sp>
-        <p:nvSpPr>
-          <p:cNvPr id="3" name="Content Placeholder 2"/>
-          <p:cNvSpPr>
-            <a:spLocks noGrp="1"/>
-          </p:cNvSpPr>
-          <p:nvPr>
-            <p:ph idx="1"/>
-          </p:nvPr>
-        </p:nvSpPr>
-        <p:spPr>
-          <a:xfrm>
-            <a:off x="818002" y="1636005"/>
-            <a:ext cx="10708395" cy="3581400"/>
-          </a:xfrm>
-        </p:spPr>
-        <p:txBody>
-          <a:bodyPr/>
-          <a:lstStyle/>
-          <a:p>
-            <a:pPr marL="0" lvl="0" indent="0">
-              <a:buNone/>
-            </a:pPr>
-            <a:r>
-              <a:rPr lang="en-US" sz="3000" dirty="0" smtClean="0"/>
-              <a:t>1.) One </a:t>
-            </a:r>
-            <a:r>
-              <a:rPr lang="en-US" sz="3000" dirty="0"/>
-              <a:t>to One: rewrite so the bases are the same and </a:t>
-            </a:r>
-            <a:r>
-              <a:rPr lang="en-US" sz="3000" dirty="0" smtClean="0"/>
-              <a:t>compare</a:t>
-            </a:r>
-          </a:p>
-          <a:p>
-            <a:pPr marL="0" lvl="0" indent="0">
-              <a:buNone/>
-            </a:pPr>
-            <a:endParaRPr lang="en-US" sz="3000" dirty="0"/>
-          </a:p>
-          <a:p>
-            <a:pPr marL="0" lvl="0" indent="0">
-              <a:buNone/>
-            </a:pPr>
-            <a:r>
-              <a:rPr lang="en-US" sz="3000" dirty="0" smtClean="0"/>
-              <a:t>2.) Rewrite </a:t>
-            </a:r>
-            <a:r>
-              <a:rPr lang="en-US" sz="3000" dirty="0"/>
-              <a:t>exponential in log form and apply the Inverse </a:t>
-            </a:r>
-            <a:r>
-              <a:rPr lang="en-US" sz="3000" dirty="0" smtClean="0"/>
-              <a:t>Property</a:t>
-            </a:r>
-          </a:p>
-          <a:p>
-            <a:pPr marL="0" lvl="0" indent="0">
-              <a:buNone/>
-            </a:pPr>
-            <a:endParaRPr lang="en-US" sz="3000" dirty="0" smtClean="0"/>
-          </a:p>
-          <a:p>
-            <a:pPr marL="0" lvl="0" indent="0">
-              <a:buNone/>
-            </a:pPr>
-            <a:r>
-              <a:rPr lang="en-US" sz="3000" dirty="0" smtClean="0"/>
-              <a:t>3.) Rewrite </a:t>
-            </a:r>
-            <a:r>
-              <a:rPr lang="en-US" sz="3000" dirty="0"/>
-              <a:t>log in exponential form and apply the Inverse Property</a:t>
-            </a:r>
-          </a:p>
-          <a:p>
-            <a:endParaRPr lang="en-US" dirty="0"/>
-          </a:p>
-        </p:txBody>
-      </p:sp>
-    </p:spTree>
-    <p:extLst>
-      <p:ext uri="{BB962C8B-B14F-4D97-AF65-F5344CB8AC3E}">
-        <p14:creationId xmlns:p14="http://schemas.microsoft.com/office/powerpoint/2010/main" val="1755549212"/>
-      </p:ext>
-    </p:extLst>
-  </p:cSld>
-  <p:clrMapOvr>
-    <a:masterClrMapping/>
-  </p:clrMapOvr>
-</p:sld>
-</file>
-
-<file path=ppt/slides/slide5.xml><?xml version="1.0" encoding="utf-8"?>
-<p:sld xmlns:a="http://schemas.openxmlformats.org/drawingml/2006/main" xmlns:r="http://schemas.openxmlformats.org/officeDocument/2006/relationships" xmlns:p="http://schemas.openxmlformats.org/presentationml/2006/main">
-  <p:cSld>
-    <p:spTree>
-      <p:nvGrpSpPr>
-        <p:cNvPr id="1" name=""/>
-        <p:cNvGrpSpPr/>
-        <p:nvPr/>
-      </p:nvGrpSpPr>
-      <p:grpSpPr>
-        <a:xfrm>
-          <a:off x="0" y="0"/>
-          <a:ext cx="0" cy="0"/>
-          <a:chOff x="0" y="0"/>
-          <a:chExt cx="0" cy="0"/>
-        </a:xfrm>
-      </p:grpSpPr>
-      <p:sp>
-        <p:nvSpPr>
-          <p:cNvPr id="2" name="Title 1"/>
-          <p:cNvSpPr>
-            <a:spLocks noGrp="1"/>
-          </p:cNvSpPr>
-          <p:nvPr>
-            <p:ph type="title"/>
-          </p:nvPr>
-        </p:nvSpPr>
-        <p:spPr/>
-        <p:txBody>
-          <a:bodyPr/>
-          <a:lstStyle/>
-          <a:p>
-            <a:r>
-              <a:rPr lang="en-US" dirty="0" smtClean="0"/>
-              <a:t>Examples: Solve</a:t>
-            </a:r>
-            <a:endParaRPr lang="en-US" dirty="0"/>
-          </a:p>
-        </p:txBody>
-      </p:sp>
-      <mc:AlternateContent xmlns:mc="http://schemas.openxmlformats.org/markup-compatibility/2006" xmlns:a14="http://schemas.microsoft.com/office/drawing/2010/main">
-        <mc:Choice Requires="a14">
-          <p:sp>
-            <p:nvSpPr>
-              <p:cNvPr id="3" name="Content Placeholder 2"/>
-              <p:cNvSpPr>
-                <a:spLocks noGrp="1"/>
-              </p:cNvSpPr>
-              <p:nvPr>
-                <p:ph idx="1"/>
-              </p:nvPr>
-            </p:nvSpPr>
-            <p:spPr>
-              <a:xfrm>
-                <a:off x="1371599" y="1469037"/>
-                <a:ext cx="10658819" cy="5231566"/>
-              </a:xfrm>
-            </p:spPr>
-            <p:txBody>
-              <a:bodyPr>
-                <a:normAutofit/>
-              </a:bodyPr>
-              <a:lstStyle/>
-              <a:p>
-                <a:pPr marL="0" indent="0">
-                  <a:buNone/>
-                </a:pPr>
-                <a14:m>
-                  <m:oMath xmlns:m="http://schemas.openxmlformats.org/officeDocument/2006/math">
-                    <m:sSup>
-                      <m:sSupPr>
-                        <m:ctrlPr>
-                          <a:rPr lang="en-US" sz="3600" i="1" smtClean="0">
-                            <a:latin typeface="Cambria Math" panose="02040503050406030204" pitchFamily="18" charset="0"/>
-                          </a:rPr>
-                        </m:ctrlPr>
-                      </m:sSupPr>
-                      <m:e>
-                        <m:r>
-                          <a:rPr lang="en-US" sz="3600" b="0" i="1" smtClean="0">
-                            <a:latin typeface="Cambria Math" panose="02040503050406030204" pitchFamily="18" charset="0"/>
-                          </a:rPr>
-                          <m:t>1.) </m:t>
-                        </m:r>
-                        <m:r>
-                          <a:rPr lang="en-US" sz="3600" i="1">
-                            <a:latin typeface="Cambria Math" panose="02040503050406030204" pitchFamily="18" charset="0"/>
-                          </a:rPr>
-                          <m:t>3</m:t>
-                        </m:r>
-                      </m:e>
-                      <m:sup>
-                        <m:r>
-                          <a:rPr lang="en-US" sz="3600" i="1">
-                            <a:latin typeface="Cambria Math" panose="02040503050406030204" pitchFamily="18" charset="0"/>
-                          </a:rPr>
-                          <m:t>𝑥</m:t>
-                        </m:r>
-                      </m:sup>
-                    </m:sSup>
-                    <m:r>
-                      <a:rPr lang="en-US" sz="3600" i="1">
-                        <a:latin typeface="Cambria Math" panose="02040503050406030204" pitchFamily="18" charset="0"/>
-                      </a:rPr>
-                      <m:t>=81</m:t>
-                    </m:r>
-                  </m:oMath>
-                </a14:m>
-                <a:r>
-                  <a:rPr lang="en-US" sz="3600" dirty="0"/>
-                  <a:t>	</a:t>
-                </a:r>
-                <a:endParaRPr lang="en-US" sz="3600" dirty="0" smtClean="0"/>
-              </a:p>
-              <a:p>
-                <a:pPr marL="0" indent="0">
-                  <a:buNone/>
-                </a:pPr>
-                <a:r>
-                  <a:rPr lang="en-US" sz="3600" dirty="0"/>
-                  <a:t>	 </a:t>
-                </a:r>
-              </a:p>
-              <a:p>
-                <a:pPr marL="0" indent="0">
-                  <a:buNone/>
-                </a:pPr>
-                <a:r>
-                  <a:rPr lang="en-US" sz="3600" dirty="0" smtClean="0"/>
-                  <a:t>2.) ln x–ln 2 = </a:t>
-                </a:r>
-                <a:r>
-                  <a:rPr lang="en-US" sz="3600" dirty="0"/>
-                  <a:t>0	</a:t>
-                </a:r>
-                <a:endParaRPr lang="en-US" sz="3600" dirty="0" smtClean="0"/>
-              </a:p>
-              <a:p>
-                <a:pPr marL="0" indent="0">
-                  <a:buNone/>
-                </a:pPr>
-                <a:r>
-                  <a:rPr lang="en-US" sz="3600" dirty="0"/>
-                  <a:t> </a:t>
-                </a:r>
-              </a:p>
-              <a:p>
-                <a:pPr marL="0" indent="0">
-                  <a:buNone/>
-                </a:pPr>
-                <a14:m>
-                  <m:oMath xmlns:m="http://schemas.openxmlformats.org/officeDocument/2006/math">
-                    <m:sSup>
-                      <m:sSupPr>
-                        <m:ctrlPr>
-                          <a:rPr lang="en-US" sz="3600" i="1">
-                            <a:latin typeface="Cambria Math" panose="02040503050406030204" pitchFamily="18" charset="0"/>
-                          </a:rPr>
-                        </m:ctrlPr>
-                      </m:sSupPr>
-                      <m:e>
-                        <m:r>
-                          <a:rPr lang="en-US" sz="3600" b="0" i="1" smtClean="0">
-                            <a:latin typeface="Cambria Math" panose="02040503050406030204" pitchFamily="18" charset="0"/>
-                          </a:rPr>
-                          <m:t>3.) </m:t>
-                        </m:r>
-                        <m:r>
-                          <a:rPr lang="en-US" sz="3600" i="1">
-                            <a:latin typeface="Cambria Math" panose="02040503050406030204" pitchFamily="18" charset="0"/>
-                          </a:rPr>
-                          <m:t>2</m:t>
-                        </m:r>
-                      </m:e>
-                      <m:sup>
-                        <m:r>
-                          <a:rPr lang="en-US" sz="3600" i="1">
-                            <a:latin typeface="Cambria Math" panose="02040503050406030204" pitchFamily="18" charset="0"/>
-                          </a:rPr>
-                          <m:t>𝑥</m:t>
-                        </m:r>
-                      </m:sup>
-                    </m:sSup>
-                    <m:r>
-                      <a:rPr lang="en-US" sz="3600" i="1">
-                        <a:latin typeface="Cambria Math" panose="02040503050406030204" pitchFamily="18" charset="0"/>
-                      </a:rPr>
-                      <m:t>=8</m:t>
-                    </m:r>
-                  </m:oMath>
-                </a14:m>
-                <a:r>
-                  <a:rPr lang="en-US" sz="3600" dirty="0"/>
-                  <a:t>	</a:t>
-                </a:r>
-              </a:p>
-              <a:p>
-                <a:pPr marL="0" indent="0">
-                  <a:buNone/>
-                </a:pPr>
-                <a:r>
-                  <a:rPr lang="en-US" sz="3600" b="1" dirty="0"/>
-                  <a:t> </a:t>
-                </a:r>
-                <a:endParaRPr lang="en-US" sz="3600" dirty="0"/>
-              </a:p>
-              <a:p>
-                <a:pPr marL="0" indent="0">
-                  <a:buNone/>
-                </a:pPr>
-                <a14:m>
-                  <m:oMath xmlns:m="http://schemas.openxmlformats.org/officeDocument/2006/math">
-                    <m:func>
-                      <m:funcPr>
-                        <m:ctrlPr>
-                          <a:rPr lang="en-US" sz="3600" i="1">
-                            <a:latin typeface="Cambria Math" panose="02040503050406030204" pitchFamily="18" charset="0"/>
-                          </a:rPr>
-                        </m:ctrlPr>
-                      </m:funcPr>
-                      <m:fName>
-                        <m:sSub>
-                          <m:sSubPr>
-                            <m:ctrlPr>
-                              <a:rPr lang="en-US" sz="3600" i="1">
-                                <a:latin typeface="Cambria Math" panose="02040503050406030204" pitchFamily="18" charset="0"/>
-                              </a:rPr>
-                            </m:ctrlPr>
-                          </m:sSubPr>
-                          <m:e>
-                            <m:r>
-                              <a:rPr lang="en-US" sz="3600" b="0" i="0" smtClean="0">
-                                <a:latin typeface="Cambria Math" panose="02040503050406030204" pitchFamily="18" charset="0"/>
-                              </a:rPr>
-                              <m:t>4.) </m:t>
-                            </m:r>
-                            <m:r>
-                              <m:rPr>
-                                <m:sty m:val="p"/>
-                              </m:rPr>
-                              <a:rPr lang="en-US" sz="3600">
-                                <a:latin typeface="Cambria Math" panose="02040503050406030204" pitchFamily="18" charset="0"/>
-                              </a:rPr>
-                              <m:t>log</m:t>
-                            </m:r>
-                          </m:e>
-                          <m:sub>
-                            <m:r>
-                              <a:rPr lang="en-US" sz="3600" i="1">
-                                <a:latin typeface="Cambria Math" panose="02040503050406030204" pitchFamily="18" charset="0"/>
-                              </a:rPr>
-                              <m:t>6</m:t>
-                            </m:r>
-                          </m:sub>
-                        </m:sSub>
-                      </m:fName>
-                      <m:e>
-                        <m:r>
-                          <a:rPr lang="en-US" sz="3600" i="1">
-                            <a:latin typeface="Cambria Math" panose="02040503050406030204" pitchFamily="18" charset="0"/>
-                          </a:rPr>
-                          <m:t>2</m:t>
-                        </m:r>
-                        <m:r>
-                          <a:rPr lang="en-US" sz="3600" i="1">
-                            <a:latin typeface="Cambria Math" panose="02040503050406030204" pitchFamily="18" charset="0"/>
-                          </a:rPr>
-                          <m:t>𝑥</m:t>
-                        </m:r>
-                        <m:r>
-                          <a:rPr lang="en-US" sz="3600" i="1">
-                            <a:latin typeface="Cambria Math" panose="02040503050406030204" pitchFamily="18" charset="0"/>
-                          </a:rPr>
-                          <m:t>=4</m:t>
-                        </m:r>
-                      </m:e>
-                    </m:func>
-                  </m:oMath>
-                </a14:m>
-                <a:r>
-                  <a:rPr lang="en-US" sz="3600" dirty="0"/>
-                  <a:t>	</a:t>
-                </a:r>
-                <a:r>
-                  <a:rPr lang="en-US" sz="3400" dirty="0" smtClean="0"/>
-                  <a:t>	</a:t>
-                </a:r>
-                <a:endParaRPr lang="en-US" sz="3400" dirty="0"/>
-              </a:p>
-            </p:txBody>
-          </p:sp>
-        </mc:Choice>
-        <mc:Fallback xmlns="">
-          <p:sp>
-            <p:nvSpPr>
-              <p:cNvPr id="3" name="Content Placeholder 2"/>
-              <p:cNvSpPr>
-                <a:spLocks noGrp="1" noRot="1" noChangeAspect="1" noMove="1" noResize="1" noEditPoints="1" noAdjustHandles="1" noChangeArrowheads="1" noChangeShapeType="1" noTextEdit="1"/>
-              </p:cNvSpPr>
-              <p:nvPr>
-                <p:ph idx="1"/>
-              </p:nvPr>
-            </p:nvSpPr>
-            <p:spPr>
-              <a:xfrm>
-                <a:off x="1371599" y="1469037"/>
-                <a:ext cx="10658819" cy="5231566"/>
-              </a:xfrm>
-              <a:blipFill rotWithShape="0">
-                <a:blip r:embed="rId2"/>
-                <a:stretch>
-                  <a:fillRect l="-1716"/>
-                </a:stretch>
-              </a:blipFill>
-            </p:spPr>
-            <p:txBody>
-              <a:bodyPr/>
-              <a:lstStyle/>
-              <a:p>
-                <a:r>
-                  <a:rPr lang="en-US">
-                    <a:noFill/>
-                  </a:rPr>
-                  <a:t> </a:t>
-                </a:r>
-              </a:p>
-            </p:txBody>
-          </p:sp>
-        </mc:Fallback>
-      </mc:AlternateContent>
-    </p:spTree>
-    <p:extLst>
-      <p:ext uri="{BB962C8B-B14F-4D97-AF65-F5344CB8AC3E}">
-        <p14:creationId xmlns:p14="http://schemas.microsoft.com/office/powerpoint/2010/main" val="568872886"/>
-      </p:ext>
-    </p:extLst>
-  </p:cSld>
-  <p:clrMapOvr>
-    <a:masterClrMapping/>
-  </p:clrMapOvr>
-</p:sld>
-</file>
-
-<file path=ppt/slides/slide6.xml><?xml version="1.0" encoding="utf-8"?>
-<p:sld xmlns:a="http://schemas.openxmlformats.org/drawingml/2006/main" xmlns:r="http://schemas.openxmlformats.org/officeDocument/2006/relationships" xmlns:p="http://schemas.openxmlformats.org/presentationml/2006/main">
-  <p:cSld>
-    <p:spTree>
-      <p:nvGrpSpPr>
-        <p:cNvPr id="1" name=""/>
-        <p:cNvGrpSpPr/>
-        <p:nvPr/>
-      </p:nvGrpSpPr>
-      <p:grpSpPr>
-        <a:xfrm>
-          <a:off x="0" y="0"/>
-          <a:ext cx="0" cy="0"/>
-          <a:chOff x="0" y="0"/>
-          <a:chExt cx="0" cy="0"/>
-        </a:xfrm>
-      </p:grpSpPr>
-      <p:sp>
-        <p:nvSpPr>
-          <p:cNvPr id="2" name="Title 1"/>
-          <p:cNvSpPr>
-            <a:spLocks noGrp="1"/>
-          </p:cNvSpPr>
-          <p:nvPr>
-            <p:ph type="title"/>
-          </p:nvPr>
-        </p:nvSpPr>
-        <p:spPr/>
-        <p:txBody>
-          <a:bodyPr/>
-          <a:lstStyle/>
-          <a:p>
-            <a:r>
-              <a:rPr lang="en-US" dirty="0" smtClean="0"/>
-              <a:t>Examples</a:t>
-            </a:r>
-            <a:endParaRPr lang="en-US" dirty="0"/>
-          </a:p>
-        </p:txBody>
-      </p:sp>
-      <mc:AlternateContent xmlns:mc="http://schemas.openxmlformats.org/markup-compatibility/2006" xmlns:a14="http://schemas.microsoft.com/office/drawing/2010/main">
-        <mc:Choice Requires="a14">
-          <p:sp>
-            <p:nvSpPr>
-              <p:cNvPr id="3" name="Content Placeholder 2"/>
-              <p:cNvSpPr>
-                <a:spLocks noGrp="1"/>
-              </p:cNvSpPr>
-              <p:nvPr>
-                <p:ph idx="1"/>
-              </p:nvPr>
-            </p:nvSpPr>
-            <p:spPr>
-              <a:xfrm>
-                <a:off x="760165" y="1469037"/>
-                <a:ext cx="11270254" cy="5231566"/>
-              </a:xfrm>
-            </p:spPr>
-            <p:txBody>
-              <a:bodyPr>
-                <a:normAutofit fontScale="92500"/>
-              </a:bodyPr>
-              <a:lstStyle/>
-              <a:p>
-                <a:pPr marL="0" indent="0">
-                  <a:buNone/>
-                </a:pPr>
-                <a14:m>
-                  <m:oMath xmlns:m="http://schemas.openxmlformats.org/officeDocument/2006/math">
-                    <m:sSup>
-                      <m:sSupPr>
-                        <m:ctrlPr>
-                          <a:rPr lang="en-US" sz="3600" i="1" smtClean="0">
-                            <a:latin typeface="Cambria Math" panose="02040503050406030204" pitchFamily="18" charset="0"/>
-                          </a:rPr>
-                        </m:ctrlPr>
-                      </m:sSupPr>
-                      <m:e>
-                        <m:r>
-                          <a:rPr lang="en-US" sz="3600" b="0" i="1" smtClean="0">
-                            <a:latin typeface="Cambria Math" panose="02040503050406030204" pitchFamily="18" charset="0"/>
-                          </a:rPr>
-                          <m:t>1.) </m:t>
-                        </m:r>
-                        <m:r>
-                          <a:rPr lang="en-US" sz="3600" i="1">
-                            <a:latin typeface="Cambria Math" panose="02040503050406030204" pitchFamily="18" charset="0"/>
-                          </a:rPr>
-                          <m:t>3</m:t>
-                        </m:r>
-                      </m:e>
-                      <m:sup>
-                        <m:r>
-                          <a:rPr lang="en-US" sz="3600" i="1">
-                            <a:latin typeface="Cambria Math" panose="02040503050406030204" pitchFamily="18" charset="0"/>
-                          </a:rPr>
-                          <m:t>𝑥</m:t>
-                        </m:r>
-                      </m:sup>
-                    </m:sSup>
-                    <m:r>
-                      <a:rPr lang="en-US" sz="3600" i="1">
-                        <a:latin typeface="Cambria Math" panose="02040503050406030204" pitchFamily="18" charset="0"/>
-                      </a:rPr>
-                      <m:t>=81</m:t>
-                    </m:r>
-                  </m:oMath>
-                </a14:m>
-                <a:r>
-                  <a:rPr lang="en-US" sz="3600" dirty="0"/>
-                  <a:t>		</a:t>
-                </a:r>
-                <a14:m>
-                  <m:oMath xmlns:m="http://schemas.openxmlformats.org/officeDocument/2006/math">
-                    <m:sSup>
-                      <m:sSupPr>
-                        <m:ctrlPr>
-                          <a:rPr lang="en-US" sz="3600" i="1">
-                            <a:latin typeface="Cambria Math" panose="02040503050406030204" pitchFamily="18" charset="0"/>
-                          </a:rPr>
-                        </m:ctrlPr>
-                      </m:sSupPr>
-                      <m:e>
-                        <m:r>
-                          <a:rPr lang="en-US" sz="3600" i="1">
-                            <a:latin typeface="Cambria Math" panose="02040503050406030204" pitchFamily="18" charset="0"/>
-                          </a:rPr>
-                          <m:t>3</m:t>
-                        </m:r>
-                      </m:e>
-                      <m:sup>
-                        <m:r>
-                          <a:rPr lang="en-US" sz="3600" i="1">
-                            <a:latin typeface="Cambria Math" panose="02040503050406030204" pitchFamily="18" charset="0"/>
-                          </a:rPr>
-                          <m:t>𝑥</m:t>
-                        </m:r>
-                      </m:sup>
-                    </m:sSup>
-                    <m:r>
-                      <a:rPr lang="en-US" sz="3600" i="1">
-                        <a:latin typeface="Cambria Math" panose="02040503050406030204" pitchFamily="18" charset="0"/>
-                      </a:rPr>
-                      <m:t>=</m:t>
-                    </m:r>
-                    <m:sSup>
-                      <m:sSupPr>
-                        <m:ctrlPr>
-                          <a:rPr lang="en-US" sz="3600" i="1">
-                            <a:latin typeface="Cambria Math" panose="02040503050406030204" pitchFamily="18" charset="0"/>
-                          </a:rPr>
-                        </m:ctrlPr>
-                      </m:sSupPr>
-                      <m:e>
-                        <m:r>
-                          <a:rPr lang="en-US" sz="3600" i="1">
-                            <a:latin typeface="Cambria Math" panose="02040503050406030204" pitchFamily="18" charset="0"/>
-                          </a:rPr>
-                          <m:t>3</m:t>
-                        </m:r>
-                      </m:e>
-                      <m:sup>
-                        <m:r>
-                          <a:rPr lang="en-US" sz="3600" i="1">
-                            <a:latin typeface="Cambria Math" panose="02040503050406030204" pitchFamily="18" charset="0"/>
-                          </a:rPr>
-                          <m:t>4</m:t>
-                        </m:r>
-                      </m:sup>
-                    </m:sSup>
-                  </m:oMath>
-                </a14:m>
-                <a:r>
-                  <a:rPr lang="en-US" sz="3600" dirty="0"/>
-                  <a:t>		</a:t>
-                </a:r>
-                <a:r>
-                  <a:rPr lang="en-US" sz="3600" dirty="0" smtClean="0"/>
-                  <a:t>	x </a:t>
-                </a:r>
-                <a:r>
-                  <a:rPr lang="en-US" sz="3600" dirty="0"/>
-                  <a:t>= 4	 </a:t>
-                </a:r>
-                <a:r>
-                  <a:rPr lang="en-US" sz="3600" dirty="0" smtClean="0"/>
-                  <a:t>       One </a:t>
-                </a:r>
-                <a:r>
-                  <a:rPr lang="en-US" sz="3600" dirty="0"/>
-                  <a:t>to One</a:t>
-                </a:r>
-              </a:p>
-              <a:p>
-                <a:pPr marL="0" indent="0">
-                  <a:buNone/>
-                </a:pPr>
-                <a:r>
-                  <a:rPr lang="en-US" sz="3600" dirty="0"/>
-                  <a:t> </a:t>
-                </a:r>
-              </a:p>
-              <a:p>
-                <a:pPr marL="0" indent="0">
-                  <a:buNone/>
-                </a:pPr>
-                <a:r>
-                  <a:rPr lang="en-US" sz="3600" dirty="0" smtClean="0"/>
-                  <a:t>2.) ln x–ln 2 = </a:t>
-                </a:r>
-                <a:r>
-                  <a:rPr lang="en-US" sz="3600" dirty="0"/>
-                  <a:t>0	ln x = ln 2		</a:t>
-                </a:r>
-                <a:r>
-                  <a:rPr lang="en-US" sz="3600" dirty="0" smtClean="0"/>
-                  <a:t>	x </a:t>
-                </a:r>
-                <a:r>
-                  <a:rPr lang="en-US" sz="3600" dirty="0"/>
-                  <a:t>= 2	</a:t>
-                </a:r>
-                <a:r>
-                  <a:rPr lang="en-US" sz="3600" dirty="0" smtClean="0"/>
-                  <a:t>        One </a:t>
-                </a:r>
-                <a:r>
-                  <a:rPr lang="en-US" sz="3600" dirty="0"/>
-                  <a:t>to One</a:t>
-                </a:r>
-              </a:p>
-              <a:p>
-                <a:pPr marL="0" indent="0">
-                  <a:buNone/>
-                </a:pPr>
-                <a:r>
-                  <a:rPr lang="en-US" sz="3600" dirty="0"/>
-                  <a:t> </a:t>
-                </a:r>
-              </a:p>
-              <a:p>
-                <a:pPr marL="0" indent="0">
-                  <a:buNone/>
-                </a:pPr>
-                <a14:m>
-                  <m:oMath xmlns:m="http://schemas.openxmlformats.org/officeDocument/2006/math">
-                    <m:sSup>
-                      <m:sSupPr>
-                        <m:ctrlPr>
-                          <a:rPr lang="en-US" sz="3600" i="1">
-                            <a:latin typeface="Cambria Math" panose="02040503050406030204" pitchFamily="18" charset="0"/>
-                          </a:rPr>
-                        </m:ctrlPr>
-                      </m:sSupPr>
-                      <m:e>
-                        <m:r>
-                          <a:rPr lang="en-US" sz="3600" b="0" i="1" smtClean="0">
-                            <a:latin typeface="Cambria Math" panose="02040503050406030204" pitchFamily="18" charset="0"/>
-                          </a:rPr>
-                          <m:t>3.) </m:t>
-                        </m:r>
-                        <m:r>
-                          <a:rPr lang="en-US" sz="3600" i="1">
-                            <a:latin typeface="Cambria Math" panose="02040503050406030204" pitchFamily="18" charset="0"/>
-                          </a:rPr>
-                          <m:t>2</m:t>
-                        </m:r>
-                      </m:e>
-                      <m:sup>
-                        <m:r>
-                          <a:rPr lang="en-US" sz="3600" i="1">
-                            <a:latin typeface="Cambria Math" panose="02040503050406030204" pitchFamily="18" charset="0"/>
-                          </a:rPr>
-                          <m:t>𝑥</m:t>
-                        </m:r>
-                      </m:sup>
-                    </m:sSup>
-                    <m:r>
-                      <a:rPr lang="en-US" sz="3600" i="1">
-                        <a:latin typeface="Cambria Math" panose="02040503050406030204" pitchFamily="18" charset="0"/>
-                      </a:rPr>
-                      <m:t>=8</m:t>
-                    </m:r>
-                  </m:oMath>
-                </a14:m>
-                <a:r>
-                  <a:rPr lang="en-US" sz="3600" dirty="0"/>
-                  <a:t>	</a:t>
-                </a:r>
-                <a:r>
-                  <a:rPr lang="en-US" sz="3600" dirty="0" smtClean="0"/>
-                  <a:t>	</a:t>
-                </a:r>
-                <a14:m>
-                  <m:oMath xmlns:m="http://schemas.openxmlformats.org/officeDocument/2006/math">
-                    <m:func>
-                      <m:funcPr>
-                        <m:ctrlPr>
-                          <a:rPr lang="en-US" sz="3600" i="1">
-                            <a:latin typeface="Cambria Math" panose="02040503050406030204" pitchFamily="18" charset="0"/>
-                          </a:rPr>
-                        </m:ctrlPr>
-                      </m:funcPr>
-                      <m:fName>
-                        <m:sSub>
-                          <m:sSubPr>
-                            <m:ctrlPr>
-                              <a:rPr lang="en-US" sz="3600" i="1">
-                                <a:latin typeface="Cambria Math" panose="02040503050406030204" pitchFamily="18" charset="0"/>
-                              </a:rPr>
-                            </m:ctrlPr>
-                          </m:sSubPr>
-                          <m:e>
-                            <m:r>
-                              <m:rPr>
-                                <m:sty m:val="p"/>
-                              </m:rPr>
-                              <a:rPr lang="en-US" sz="3600">
-                                <a:latin typeface="Cambria Math" panose="02040503050406030204" pitchFamily="18" charset="0"/>
-                              </a:rPr>
-                              <m:t>log</m:t>
-                            </m:r>
-                          </m:e>
-                          <m:sub>
-                            <m:r>
-                              <a:rPr lang="en-US" sz="3600" i="1">
-                                <a:latin typeface="Cambria Math" panose="02040503050406030204" pitchFamily="18" charset="0"/>
-                              </a:rPr>
-                              <m:t>2</m:t>
-                            </m:r>
-                          </m:sub>
-                        </m:sSub>
-                      </m:fName>
-                      <m:e>
-                        <m:sSup>
-                          <m:sSupPr>
-                            <m:ctrlPr>
-                              <a:rPr lang="en-US" sz="3600" i="1">
-                                <a:latin typeface="Cambria Math" panose="02040503050406030204" pitchFamily="18" charset="0"/>
-                              </a:rPr>
-                            </m:ctrlPr>
-                          </m:sSupPr>
-                          <m:e>
-                            <m:r>
-                              <a:rPr lang="en-US" sz="3600" i="1">
-                                <a:latin typeface="Cambria Math" panose="02040503050406030204" pitchFamily="18" charset="0"/>
-                              </a:rPr>
-                              <m:t>2</m:t>
-                            </m:r>
-                          </m:e>
-                          <m:sup>
-                            <m:r>
-                              <a:rPr lang="en-US" sz="3600" i="1">
-                                <a:latin typeface="Cambria Math" panose="02040503050406030204" pitchFamily="18" charset="0"/>
-                              </a:rPr>
-                              <m:t>𝑥</m:t>
-                            </m:r>
-                          </m:sup>
-                        </m:sSup>
-                        <m:r>
-                          <a:rPr lang="en-US" sz="3600" i="1">
-                            <a:latin typeface="Cambria Math" panose="02040503050406030204" pitchFamily="18" charset="0"/>
-                          </a:rPr>
-                          <m:t>=</m:t>
-                        </m:r>
-                        <m:func>
-                          <m:funcPr>
-                            <m:ctrlPr>
-                              <a:rPr lang="en-US" sz="3600" i="1">
-                                <a:latin typeface="Cambria Math" panose="02040503050406030204" pitchFamily="18" charset="0"/>
-                              </a:rPr>
-                            </m:ctrlPr>
-                          </m:funcPr>
-                          <m:fName>
-                            <m:sSub>
-                              <m:sSubPr>
-                                <m:ctrlPr>
-                                  <a:rPr lang="en-US" sz="3600" i="1">
-                                    <a:latin typeface="Cambria Math" panose="02040503050406030204" pitchFamily="18" charset="0"/>
-                                  </a:rPr>
-                                </m:ctrlPr>
-                              </m:sSubPr>
-                              <m:e>
-                                <m:r>
-                                  <m:rPr>
-                                    <m:sty m:val="p"/>
-                                  </m:rPr>
-                                  <a:rPr lang="en-US" sz="3600">
-                                    <a:latin typeface="Cambria Math" panose="02040503050406030204" pitchFamily="18" charset="0"/>
-                                  </a:rPr>
-                                  <m:t>log</m:t>
-                                </m:r>
-                              </m:e>
-                              <m:sub>
-                                <m:r>
-                                  <a:rPr lang="en-US" sz="3600" i="1">
-                                    <a:latin typeface="Cambria Math" panose="02040503050406030204" pitchFamily="18" charset="0"/>
-                                  </a:rPr>
-                                  <m:t>2</m:t>
-                                </m:r>
-                              </m:sub>
-                            </m:sSub>
-                          </m:fName>
-                          <m:e>
-                            <m:r>
-                              <a:rPr lang="en-US" sz="3600" i="1">
-                                <a:latin typeface="Cambria Math" panose="02040503050406030204" pitchFamily="18" charset="0"/>
-                              </a:rPr>
-                              <m:t>8</m:t>
-                            </m:r>
-                          </m:e>
-                        </m:func>
-                      </m:e>
-                    </m:func>
-                  </m:oMath>
-                </a14:m>
-                <a:r>
-                  <a:rPr lang="en-US" sz="3600" dirty="0"/>
-                  <a:t>	</a:t>
-                </a:r>
-                <a:r>
-                  <a:rPr lang="en-US" sz="3600" dirty="0" smtClean="0"/>
-                  <a:t>        x </a:t>
-                </a:r>
-                <a:r>
-                  <a:rPr lang="en-US" sz="3600" dirty="0"/>
-                  <a:t>= 3	</a:t>
-                </a:r>
-                <a:r>
-                  <a:rPr lang="en-US" sz="3600" dirty="0" smtClean="0"/>
-                  <a:t>      Inverse</a:t>
-                </a:r>
-                <a:endParaRPr lang="en-US" sz="3600" dirty="0"/>
-              </a:p>
-              <a:p>
-                <a:pPr marL="0" indent="0">
-                  <a:buNone/>
-                </a:pPr>
-                <a:r>
-                  <a:rPr lang="en-US" sz="3600" b="1" dirty="0"/>
-                  <a:t> </a:t>
-                </a:r>
-                <a:endParaRPr lang="en-US" sz="3600" dirty="0"/>
-              </a:p>
-              <a:p>
-                <a:pPr marL="0" indent="0">
-                  <a:buNone/>
-                </a:pPr>
-                <a:r>
-                  <a:rPr lang="en-US" sz="3600" dirty="0" smtClean="0"/>
-                  <a:t>4.) </a:t>
-                </a:r>
-                <a14:m>
-                  <m:oMath xmlns:m="http://schemas.openxmlformats.org/officeDocument/2006/math">
-                    <m:func>
-                      <m:funcPr>
-                        <m:ctrlPr>
-                          <a:rPr lang="en-US" sz="3600" i="1">
-                            <a:latin typeface="Cambria Math" panose="02040503050406030204" pitchFamily="18" charset="0"/>
-                          </a:rPr>
-                        </m:ctrlPr>
-                      </m:funcPr>
-                      <m:fName>
-                        <m:sSub>
-                          <m:sSubPr>
-                            <m:ctrlPr>
-                              <a:rPr lang="en-US" sz="3600" i="1">
-                                <a:latin typeface="Cambria Math" panose="02040503050406030204" pitchFamily="18" charset="0"/>
-                              </a:rPr>
-                            </m:ctrlPr>
-                          </m:sSubPr>
-                          <m:e>
-                            <m:r>
-                              <m:rPr>
-                                <m:sty m:val="p"/>
-                              </m:rPr>
-                              <a:rPr lang="en-US" sz="3600">
-                                <a:latin typeface="Cambria Math" panose="02040503050406030204" pitchFamily="18" charset="0"/>
-                              </a:rPr>
-                              <m:t>log</m:t>
-                            </m:r>
-                          </m:e>
-                          <m:sub>
-                            <m:r>
-                              <a:rPr lang="en-US" sz="3600" i="1">
-                                <a:latin typeface="Cambria Math" panose="02040503050406030204" pitchFamily="18" charset="0"/>
-                              </a:rPr>
-                              <m:t>6</m:t>
-                            </m:r>
-                          </m:sub>
-                        </m:sSub>
-                      </m:fName>
-                      <m:e>
-                        <m:r>
-                          <a:rPr lang="en-US" sz="3600" i="1">
-                            <a:latin typeface="Cambria Math" panose="02040503050406030204" pitchFamily="18" charset="0"/>
-                          </a:rPr>
-                          <m:t>2</m:t>
-                        </m:r>
-                        <m:r>
-                          <a:rPr lang="en-US" sz="3600" i="1">
-                            <a:latin typeface="Cambria Math" panose="02040503050406030204" pitchFamily="18" charset="0"/>
-                          </a:rPr>
-                          <m:t>𝑥</m:t>
-                        </m:r>
-                        <m:r>
-                          <a:rPr lang="en-US" sz="3600" i="1">
-                            <a:latin typeface="Cambria Math" panose="02040503050406030204" pitchFamily="18" charset="0"/>
-                          </a:rPr>
-                          <m:t>=4</m:t>
-                        </m:r>
-                      </m:e>
-                    </m:func>
-                  </m:oMath>
-                </a14:m>
-                <a:r>
-                  <a:rPr lang="en-US" sz="3600" dirty="0" smtClean="0"/>
-                  <a:t>	</a:t>
-                </a:r>
-                <a:r>
-                  <a:rPr lang="en-US" sz="3600" dirty="0"/>
-                  <a:t>	</a:t>
-                </a:r>
-                <a14:m>
-                  <m:oMath xmlns:m="http://schemas.openxmlformats.org/officeDocument/2006/math">
-                    <m:sSup>
-                      <m:sSupPr>
-                        <m:ctrlPr>
-                          <a:rPr lang="en-US" sz="3600" i="1">
-                            <a:latin typeface="Cambria Math" panose="02040503050406030204" pitchFamily="18" charset="0"/>
-                          </a:rPr>
-                        </m:ctrlPr>
-                      </m:sSupPr>
-                      <m:e>
-                        <m:r>
-                          <a:rPr lang="en-US" sz="3600" i="1">
-                            <a:latin typeface="Cambria Math" panose="02040503050406030204" pitchFamily="18" charset="0"/>
-                          </a:rPr>
-                          <m:t>6</m:t>
-                        </m:r>
-                      </m:e>
-                      <m:sup>
-                        <m:sSub>
-                          <m:sSubPr>
-                            <m:ctrlPr>
-                              <a:rPr lang="en-US" sz="3600" i="1">
-                                <a:latin typeface="Cambria Math" panose="02040503050406030204" pitchFamily="18" charset="0"/>
-                              </a:rPr>
-                            </m:ctrlPr>
-                          </m:sSubPr>
-                          <m:e>
-                            <m:r>
-                              <m:rPr>
-                                <m:sty m:val="p"/>
-                              </m:rPr>
-                              <a:rPr lang="en-US" sz="3600">
-                                <a:latin typeface="Cambria Math" panose="02040503050406030204" pitchFamily="18" charset="0"/>
-                              </a:rPr>
-                              <m:t>log</m:t>
-                            </m:r>
-                          </m:e>
-                          <m:sub>
-                            <m:r>
-                              <a:rPr lang="en-US" sz="3600" i="1">
-                                <a:latin typeface="Cambria Math" panose="02040503050406030204" pitchFamily="18" charset="0"/>
-                              </a:rPr>
-                              <m:t>6</m:t>
-                            </m:r>
-                          </m:sub>
-                        </m:sSub>
-                        <m:r>
-                          <a:rPr lang="en-US" sz="3600" i="1">
-                            <a:latin typeface="Cambria Math" panose="02040503050406030204" pitchFamily="18" charset="0"/>
-                          </a:rPr>
-                          <m:t>2</m:t>
-                        </m:r>
-                        <m:r>
-                          <a:rPr lang="en-US" sz="3600" i="1">
-                            <a:latin typeface="Cambria Math" panose="02040503050406030204" pitchFamily="18" charset="0"/>
-                          </a:rPr>
-                          <m:t>𝑥</m:t>
-                        </m:r>
-                      </m:sup>
-                    </m:sSup>
-                    <m:r>
-                      <a:rPr lang="en-US" sz="3600" i="1">
-                        <a:latin typeface="Cambria Math" panose="02040503050406030204" pitchFamily="18" charset="0"/>
-                      </a:rPr>
-                      <m:t>=</m:t>
-                    </m:r>
-                    <m:sSup>
-                      <m:sSupPr>
-                        <m:ctrlPr>
-                          <a:rPr lang="en-US" sz="3600" i="1">
-                            <a:latin typeface="Cambria Math" panose="02040503050406030204" pitchFamily="18" charset="0"/>
-                          </a:rPr>
-                        </m:ctrlPr>
-                      </m:sSupPr>
-                      <m:e>
-                        <m:r>
-                          <a:rPr lang="en-US" sz="3600" i="1">
-                            <a:latin typeface="Cambria Math" panose="02040503050406030204" pitchFamily="18" charset="0"/>
-                          </a:rPr>
-                          <m:t>6</m:t>
-                        </m:r>
-                      </m:e>
-                      <m:sup>
-                        <m:r>
-                          <a:rPr lang="en-US" sz="3600" i="1">
-                            <a:latin typeface="Cambria Math" panose="02040503050406030204" pitchFamily="18" charset="0"/>
-                          </a:rPr>
-                          <m:t>4</m:t>
-                        </m:r>
-                      </m:sup>
-                    </m:sSup>
-                  </m:oMath>
-                </a14:m>
-                <a:r>
-                  <a:rPr lang="en-US" sz="3600" dirty="0"/>
-                  <a:t>	</a:t>
-                </a:r>
-                <a:r>
-                  <a:rPr lang="en-US" sz="3600" dirty="0" smtClean="0"/>
-                  <a:t>2x </a:t>
-                </a:r>
-                <a:r>
-                  <a:rPr lang="en-US" sz="3600" dirty="0"/>
-                  <a:t>= 4	x = 2	</a:t>
-                </a:r>
-                <a:r>
-                  <a:rPr lang="en-US" sz="3600" dirty="0" smtClean="0"/>
-                  <a:t>      Inverse</a:t>
-                </a:r>
-                <a:endParaRPr lang="en-US" sz="3600" dirty="0"/>
-              </a:p>
-              <a:p>
-                <a:pPr marL="0" indent="0">
-                  <a:buNone/>
-                </a:pPr>
-                <a:r>
-                  <a:rPr lang="en-US" sz="3400" dirty="0" smtClean="0"/>
-                  <a:t>	</a:t>
-                </a:r>
-                <a:endParaRPr lang="en-US" sz="3400" dirty="0"/>
-              </a:p>
-            </p:txBody>
-          </p:sp>
-        </mc:Choice>
-        <mc:Fallback xmlns="">
-          <p:sp>
-            <p:nvSpPr>
-              <p:cNvPr id="3" name="Content Placeholder 2"/>
-              <p:cNvSpPr>
-                <a:spLocks noGrp="1" noRot="1" noChangeAspect="1" noMove="1" noResize="1" noEditPoints="1" noAdjustHandles="1" noChangeArrowheads="1" noChangeShapeType="1" noTextEdit="1"/>
-              </p:cNvSpPr>
-              <p:nvPr>
-                <p:ph idx="1"/>
-              </p:nvPr>
-            </p:nvSpPr>
-            <p:spPr>
-              <a:xfrm>
-                <a:off x="760165" y="1469037"/>
-                <a:ext cx="11270254" cy="5231566"/>
-              </a:xfrm>
-              <a:blipFill rotWithShape="0">
-                <a:blip r:embed="rId2"/>
-                <a:stretch>
-                  <a:fillRect l="-1461" t="-1399" r="-1136"/>
-                </a:stretch>
-              </a:blipFill>
-            </p:spPr>
-            <p:txBody>
-              <a:bodyPr/>
-              <a:lstStyle/>
-              <a:p>
-                <a:r>
-                  <a:rPr lang="en-US">
-                    <a:noFill/>
-                  </a:rPr>
-                  <a:t> </a:t>
-                </a:r>
-              </a:p>
-            </p:txBody>
-          </p:sp>
-        </mc:Fallback>
-      </mc:AlternateContent>
-    </p:spTree>
-    <p:extLst>
-      <p:ext uri="{BB962C8B-B14F-4D97-AF65-F5344CB8AC3E}">
-        <p14:creationId xmlns:p14="http://schemas.microsoft.com/office/powerpoint/2010/main" val="2254277263"/>
-      </p:ext>
-    </p:extLst>
-  </p:cSld>
-  <p:clrMapOvr>
-    <a:masterClrMapping/>
-  </p:clrMapOvr>
-</p:sld>
-</file>
-
-<file path=ppt/slides/slide7.xml><?xml version="1.0" encoding="utf-8"?>
-<p:sld xmlns:a="http://schemas.openxmlformats.org/drawingml/2006/main" xmlns:r="http://schemas.openxmlformats.org/officeDocument/2006/relationships" xmlns:p="http://schemas.openxmlformats.org/presentationml/2006/main">
-  <p:cSld>
-    <p:spTree>
-      <p:nvGrpSpPr>
-        <p:cNvPr id="1" name=""/>
-        <p:cNvGrpSpPr/>
-        <p:nvPr/>
-      </p:nvGrpSpPr>
-      <p:grpSpPr>
-        <a:xfrm>
-          <a:off x="0" y="0"/>
-          <a:ext cx="0" cy="0"/>
-          <a:chOff x="0" y="0"/>
-          <a:chExt cx="0" cy="0"/>
-        </a:xfrm>
-      </p:grpSpPr>
-      <p:sp>
-        <p:nvSpPr>
-          <p:cNvPr id="2" name="Title 1"/>
-          <p:cNvSpPr>
-            <a:spLocks noGrp="1"/>
-          </p:cNvSpPr>
-          <p:nvPr>
-            <p:ph type="title"/>
-          </p:nvPr>
-        </p:nvSpPr>
-        <p:spPr>
-          <a:xfrm>
-            <a:off x="771181" y="674784"/>
-            <a:ext cx="9601200" cy="823511"/>
-          </a:xfrm>
-        </p:spPr>
-        <p:txBody>
-          <a:bodyPr/>
-          <a:lstStyle/>
-          <a:p>
-            <a:r>
-              <a:rPr lang="en-US" dirty="0" smtClean="0"/>
-              <a:t>Additional Examples</a:t>
-            </a:r>
-            <a:endParaRPr lang="en-US" dirty="0"/>
-          </a:p>
-        </p:txBody>
-      </p:sp>
-      <mc:AlternateContent xmlns:mc="http://schemas.openxmlformats.org/markup-compatibility/2006" xmlns:a14="http://schemas.microsoft.com/office/drawing/2010/main">
-        <mc:Choice Requires="a14">
-          <p:sp>
-            <p:nvSpPr>
-              <p:cNvPr id="3" name="Content Placeholder 2"/>
-              <p:cNvSpPr>
-                <a:spLocks noGrp="1"/>
-              </p:cNvSpPr>
-              <p:nvPr>
-                <p:ph idx="1"/>
-              </p:nvPr>
-            </p:nvSpPr>
-            <p:spPr>
-              <a:xfrm>
-                <a:off x="771181" y="1399142"/>
-                <a:ext cx="11215171" cy="4468258"/>
-              </a:xfrm>
-            </p:spPr>
-            <p:txBody>
-              <a:bodyPr>
-                <a:normAutofit fontScale="25000" lnSpcReduction="20000"/>
-              </a:bodyPr>
-              <a:lstStyle/>
-              <a:p>
-                <a:pPr marL="0" indent="0">
-                  <a:buNone/>
-                </a:pPr>
-                <a:endParaRPr lang="en-US" sz="12000" i="1" dirty="0" smtClean="0"/>
-              </a:p>
-              <a:p>
-                <a:pPr marL="0" indent="0">
-                  <a:buNone/>
-                </a:pPr>
-                <a:r>
-                  <a:rPr lang="en-US" sz="12000" dirty="0" smtClean="0"/>
-                  <a:t>1.) </a:t>
-                </a:r>
-                <a14:m>
-                  <m:oMath xmlns:m="http://schemas.openxmlformats.org/officeDocument/2006/math">
-                    <m:sSup>
-                      <m:sSupPr>
-                        <m:ctrlPr>
-                          <a:rPr lang="en-US" sz="12000" i="1">
-                            <a:latin typeface="Cambria Math" panose="02040503050406030204" pitchFamily="18" charset="0"/>
-                          </a:rPr>
-                        </m:ctrlPr>
-                      </m:sSupPr>
-                      <m:e>
-                        <m:r>
-                          <a:rPr lang="en-US" sz="12000" i="1">
-                            <a:latin typeface="Cambria Math" panose="02040503050406030204" pitchFamily="18" charset="0"/>
-                          </a:rPr>
-                          <m:t>8(2)</m:t>
-                        </m:r>
-                      </m:e>
-                      <m:sup>
-                        <m:r>
-                          <a:rPr lang="en-US" sz="12000" i="1">
-                            <a:latin typeface="Cambria Math" panose="02040503050406030204" pitchFamily="18" charset="0"/>
-                          </a:rPr>
-                          <m:t>𝑥</m:t>
-                        </m:r>
-                      </m:sup>
-                    </m:sSup>
-                    <m:r>
-                      <a:rPr lang="en-US" sz="12000" i="1">
-                        <a:latin typeface="Cambria Math" panose="02040503050406030204" pitchFamily="18" charset="0"/>
-                      </a:rPr>
-                      <m:t>−10=70</m:t>
-                    </m:r>
-                  </m:oMath>
-                </a14:m>
-                <a:r>
-                  <a:rPr lang="en-US" sz="12000" i="1" dirty="0"/>
-                  <a:t> </a:t>
-                </a:r>
-                <a:r>
-                  <a:rPr lang="en-US" sz="12000" i="1" dirty="0" smtClean="0"/>
-                  <a:t>		</a:t>
-                </a:r>
-                <a:r>
-                  <a:rPr lang="en-US" sz="12000" dirty="0" smtClean="0"/>
-                  <a:t>5.) </a:t>
-                </a:r>
-                <a14:m>
-                  <m:oMath xmlns:m="http://schemas.openxmlformats.org/officeDocument/2006/math">
-                    <m:sSup>
-                      <m:sSupPr>
-                        <m:ctrlPr>
-                          <a:rPr lang="en-US" sz="12000" i="1">
-                            <a:latin typeface="Cambria Math" panose="02040503050406030204" pitchFamily="18" charset="0"/>
-                          </a:rPr>
-                        </m:ctrlPr>
-                      </m:sSupPr>
-                      <m:e>
-                        <m:r>
-                          <a:rPr lang="en-US" sz="12000" i="1">
-                            <a:latin typeface="Cambria Math" panose="02040503050406030204" pitchFamily="18" charset="0"/>
-                          </a:rPr>
-                          <m:t>3</m:t>
-                        </m:r>
-                      </m:e>
-                      <m:sup>
-                        <m:r>
-                          <a:rPr lang="en-US" sz="12000" i="1">
-                            <a:latin typeface="Cambria Math" panose="02040503050406030204" pitchFamily="18" charset="0"/>
-                          </a:rPr>
-                          <m:t>5</m:t>
-                        </m:r>
-                        <m:r>
-                          <a:rPr lang="en-US" sz="12000" i="1">
-                            <a:latin typeface="Cambria Math" panose="02040503050406030204" pitchFamily="18" charset="0"/>
-                          </a:rPr>
-                          <m:t>𝑥</m:t>
-                        </m:r>
-                      </m:sup>
-                    </m:sSup>
-                    <m:r>
-                      <a:rPr lang="en-US" sz="12000" i="1">
-                        <a:latin typeface="Cambria Math" panose="02040503050406030204" pitchFamily="18" charset="0"/>
-                      </a:rPr>
-                      <m:t>=</m:t>
-                    </m:r>
-                    <m:sSup>
-                      <m:sSupPr>
-                        <m:ctrlPr>
-                          <a:rPr lang="en-US" sz="12000" i="1">
-                            <a:latin typeface="Cambria Math" panose="02040503050406030204" pitchFamily="18" charset="0"/>
-                          </a:rPr>
-                        </m:ctrlPr>
-                      </m:sSupPr>
-                      <m:e>
-                        <m:r>
-                          <a:rPr lang="en-US" sz="12000" i="1">
-                            <a:latin typeface="Cambria Math" panose="02040503050406030204" pitchFamily="18" charset="0"/>
-                          </a:rPr>
-                          <m:t>3</m:t>
-                        </m:r>
-                      </m:e>
-                      <m:sup>
-                        <m:r>
-                          <a:rPr lang="en-US" sz="12000" i="1">
-                            <a:latin typeface="Cambria Math" panose="02040503050406030204" pitchFamily="18" charset="0"/>
-                          </a:rPr>
-                          <m:t>3</m:t>
-                        </m:r>
-                        <m:r>
-                          <a:rPr lang="en-US" sz="12000" i="1">
-                            <a:latin typeface="Cambria Math" panose="02040503050406030204" pitchFamily="18" charset="0"/>
-                          </a:rPr>
-                          <m:t>𝑥</m:t>
-                        </m:r>
-                        <m:r>
-                          <a:rPr lang="en-US" sz="12000" i="1">
-                            <a:latin typeface="Cambria Math" panose="02040503050406030204" pitchFamily="18" charset="0"/>
-                          </a:rPr>
-                          <m:t>−8</m:t>
-                        </m:r>
-                      </m:sup>
-                    </m:sSup>
-                  </m:oMath>
-                </a14:m>
-                <a:endParaRPr lang="en-US" sz="12000" i="1" dirty="0" smtClean="0"/>
-              </a:p>
-              <a:p>
-                <a:pPr marL="0" indent="0">
-                  <a:buNone/>
-                </a:pPr>
-                <a:endParaRPr lang="en-US" sz="12000" i="1" dirty="0" smtClean="0"/>
-              </a:p>
-              <a:p>
-                <a:pPr marL="0" indent="0">
-                  <a:buNone/>
-                </a:pPr>
-                <a14:m>
-                  <m:oMath xmlns:m="http://schemas.openxmlformats.org/officeDocument/2006/math">
-                    <m:sSup>
-                      <m:sSupPr>
-                        <m:ctrlPr>
-                          <a:rPr lang="en-US" sz="12000" i="1">
-                            <a:latin typeface="Cambria Math" panose="02040503050406030204" pitchFamily="18" charset="0"/>
-                          </a:rPr>
-                        </m:ctrlPr>
-                      </m:sSupPr>
-                      <m:e>
-                        <m:r>
-                          <a:rPr lang="en-US" sz="12000" b="0" i="1" smtClean="0">
-                            <a:latin typeface="Cambria Math" panose="02040503050406030204" pitchFamily="18" charset="0"/>
-                          </a:rPr>
-                          <m:t>2.) </m:t>
-                        </m:r>
-                        <m:r>
-                          <a:rPr lang="en-US" sz="12000" i="1">
-                            <a:latin typeface="Cambria Math" panose="02040503050406030204" pitchFamily="18" charset="0"/>
-                          </a:rPr>
-                          <m:t>5(3)</m:t>
-                        </m:r>
-                      </m:e>
-                      <m:sup>
-                        <m:r>
-                          <a:rPr lang="en-US" sz="12000" i="1">
-                            <a:latin typeface="Cambria Math" panose="02040503050406030204" pitchFamily="18" charset="0"/>
-                          </a:rPr>
-                          <m:t>6</m:t>
-                        </m:r>
-                        <m:r>
-                          <a:rPr lang="en-US" sz="12000" i="1">
-                            <a:latin typeface="Cambria Math" panose="02040503050406030204" pitchFamily="18" charset="0"/>
-                          </a:rPr>
-                          <m:t>𝑥</m:t>
-                        </m:r>
-                        <m:r>
-                          <a:rPr lang="en-US" sz="12000" i="1">
-                            <a:latin typeface="Cambria Math" panose="02040503050406030204" pitchFamily="18" charset="0"/>
-                          </a:rPr>
-                          <m:t>−12</m:t>
-                        </m:r>
-                      </m:sup>
-                    </m:sSup>
-                    <m:r>
-                      <a:rPr lang="en-US" sz="12000" i="1">
-                        <a:latin typeface="Cambria Math" panose="02040503050406030204" pitchFamily="18" charset="0"/>
-                      </a:rPr>
-                      <m:t>+12=32</m:t>
-                    </m:r>
-                  </m:oMath>
-                </a14:m>
-                <a:r>
-                  <a:rPr lang="en-US" sz="12000" dirty="0"/>
-                  <a:t> </a:t>
-                </a:r>
-                <a14:m>
-                  <m:oMath xmlns:m="http://schemas.openxmlformats.org/officeDocument/2006/math">
-                    <m:r>
-                      <a:rPr lang="en-US" sz="12000" b="0" i="0" smtClean="0">
-                        <a:latin typeface="Cambria Math" panose="02040503050406030204" pitchFamily="18" charset="0"/>
-                      </a:rPr>
-                      <m:t>      </m:t>
-                    </m:r>
-                    <m:func>
-                      <m:funcPr>
-                        <m:ctrlPr>
-                          <a:rPr lang="en-US" sz="12000" i="1">
-                            <a:latin typeface="Cambria Math" panose="02040503050406030204" pitchFamily="18" charset="0"/>
-                          </a:rPr>
-                        </m:ctrlPr>
-                      </m:funcPr>
-                      <m:fName>
-                        <m:sSub>
-                          <m:sSubPr>
-                            <m:ctrlPr>
-                              <a:rPr lang="en-US" sz="12000" i="1">
-                                <a:latin typeface="Cambria Math" panose="02040503050406030204" pitchFamily="18" charset="0"/>
-                              </a:rPr>
-                            </m:ctrlPr>
-                          </m:sSubPr>
-                          <m:e>
-                            <m:r>
-                              <a:rPr lang="en-US" sz="12000" b="0" i="0" smtClean="0">
-                                <a:latin typeface="Cambria Math" panose="02040503050406030204" pitchFamily="18" charset="0"/>
-                              </a:rPr>
-                              <m:t>6.) </m:t>
-                            </m:r>
-                            <m:r>
-                              <m:rPr>
-                                <m:sty m:val="p"/>
-                              </m:rPr>
-                              <a:rPr lang="en-US" sz="12000">
-                                <a:latin typeface="Cambria Math" panose="02040503050406030204" pitchFamily="18" charset="0"/>
-                              </a:rPr>
-                              <m:t>log</m:t>
-                            </m:r>
-                          </m:e>
-                          <m:sub>
-                            <m:r>
-                              <a:rPr lang="en-US" sz="12000" i="1">
-                                <a:latin typeface="Cambria Math" panose="02040503050406030204" pitchFamily="18" charset="0"/>
-                              </a:rPr>
-                              <m:t>7</m:t>
-                            </m:r>
-                          </m:sub>
-                        </m:sSub>
-                      </m:fName>
-                      <m:e>
-                        <m:r>
-                          <a:rPr lang="en-US" sz="12000" i="1">
-                            <a:latin typeface="Cambria Math" panose="02040503050406030204" pitchFamily="18" charset="0"/>
-                          </a:rPr>
-                          <m:t>(4</m:t>
-                        </m:r>
-                        <m:r>
-                          <a:rPr lang="en-US" sz="12000" i="1">
-                            <a:latin typeface="Cambria Math" panose="02040503050406030204" pitchFamily="18" charset="0"/>
-                          </a:rPr>
-                          <m:t>𝑥</m:t>
-                        </m:r>
-                        <m:r>
-                          <a:rPr lang="en-US" sz="12000" i="1">
-                            <a:latin typeface="Cambria Math" panose="02040503050406030204" pitchFamily="18" charset="0"/>
-                          </a:rPr>
-                          <m:t>−7)=</m:t>
-                        </m:r>
-                        <m:func>
-                          <m:funcPr>
-                            <m:ctrlPr>
-                              <a:rPr lang="en-US" sz="12000" i="1">
-                                <a:latin typeface="Cambria Math" panose="02040503050406030204" pitchFamily="18" charset="0"/>
-                              </a:rPr>
-                            </m:ctrlPr>
-                          </m:funcPr>
-                          <m:fName>
-                            <m:sSub>
-                              <m:sSubPr>
-                                <m:ctrlPr>
-                                  <a:rPr lang="en-US" sz="12000" i="1">
-                                    <a:latin typeface="Cambria Math" panose="02040503050406030204" pitchFamily="18" charset="0"/>
-                                  </a:rPr>
-                                </m:ctrlPr>
-                              </m:sSubPr>
-                              <m:e>
-                                <m:r>
-                                  <m:rPr>
-                                    <m:sty m:val="p"/>
-                                  </m:rPr>
-                                  <a:rPr lang="en-US" sz="12000">
-                                    <a:latin typeface="Cambria Math" panose="02040503050406030204" pitchFamily="18" charset="0"/>
-                                  </a:rPr>
-                                  <m:t>log</m:t>
-                                </m:r>
-                              </m:e>
-                              <m:sub>
-                                <m:r>
-                                  <a:rPr lang="en-US" sz="12000" i="1">
-                                    <a:latin typeface="Cambria Math" panose="02040503050406030204" pitchFamily="18" charset="0"/>
-                                  </a:rPr>
-                                  <m:t>7</m:t>
-                                </m:r>
-                              </m:sub>
-                            </m:sSub>
-                          </m:fName>
-                          <m:e>
-                            <m:r>
-                              <a:rPr lang="en-US" sz="12000" i="1">
-                                <a:latin typeface="Cambria Math" panose="02040503050406030204" pitchFamily="18" charset="0"/>
-                              </a:rPr>
-                              <m:t>(</m:t>
-                            </m:r>
-                            <m:r>
-                              <a:rPr lang="en-US" sz="12000" i="1">
-                                <a:latin typeface="Cambria Math" panose="02040503050406030204" pitchFamily="18" charset="0"/>
-                              </a:rPr>
-                              <m:t>𝑥</m:t>
-                            </m:r>
-                            <m:r>
-                              <a:rPr lang="en-US" sz="12000" i="1">
-                                <a:latin typeface="Cambria Math" panose="02040503050406030204" pitchFamily="18" charset="0"/>
-                              </a:rPr>
-                              <m:t>+8)</m:t>
-                            </m:r>
-                          </m:e>
-                        </m:func>
-                      </m:e>
-                    </m:func>
-                  </m:oMath>
-                </a14:m>
-                <a:endParaRPr lang="en-US" sz="12000" dirty="0" smtClean="0"/>
-              </a:p>
-              <a:p>
-                <a:pPr marL="0" indent="0">
-                  <a:buNone/>
-                </a:pPr>
-                <a:r>
-                  <a:rPr lang="en-US" sz="12000" dirty="0"/>
-                  <a:t> </a:t>
-                </a:r>
-              </a:p>
-              <a:p>
-                <a:pPr marL="0" indent="0">
-                  <a:buNone/>
-                </a:pPr>
-                <a14:m>
-                  <m:oMath xmlns:m="http://schemas.openxmlformats.org/officeDocument/2006/math">
-                    <m:sSup>
-                      <m:sSupPr>
-                        <m:ctrlPr>
-                          <a:rPr lang="en-US" sz="12000" i="1">
-                            <a:latin typeface="Cambria Math" panose="02040503050406030204" pitchFamily="18" charset="0"/>
-                          </a:rPr>
-                        </m:ctrlPr>
-                      </m:sSupPr>
-                      <m:e>
-                        <m:r>
-                          <a:rPr lang="en-US" sz="12000" b="0" i="1" smtClean="0">
-                            <a:latin typeface="Cambria Math" panose="02040503050406030204" pitchFamily="18" charset="0"/>
-                          </a:rPr>
-                          <m:t>3.) </m:t>
-                        </m:r>
-                        <m:r>
-                          <a:rPr lang="en-US" sz="12000" i="1">
-                            <a:latin typeface="Cambria Math" panose="02040503050406030204" pitchFamily="18" charset="0"/>
-                          </a:rPr>
-                          <m:t>4</m:t>
-                        </m:r>
-                        <m:r>
-                          <a:rPr lang="en-US" sz="12000" i="1">
-                            <a:latin typeface="Cambria Math" panose="02040503050406030204" pitchFamily="18" charset="0"/>
-                          </a:rPr>
-                          <m:t>𝑒</m:t>
-                        </m:r>
-                      </m:e>
-                      <m:sup>
-                        <m:r>
-                          <a:rPr lang="en-US" sz="12000" i="1">
-                            <a:latin typeface="Cambria Math" panose="02040503050406030204" pitchFamily="18" charset="0"/>
-                          </a:rPr>
-                          <m:t>𝑥</m:t>
-                        </m:r>
-                        <m:r>
-                          <a:rPr lang="en-US" sz="12000" i="1">
-                            <a:latin typeface="Cambria Math" panose="02040503050406030204" pitchFamily="18" charset="0"/>
-                          </a:rPr>
-                          <m:t>+1</m:t>
-                        </m:r>
-                      </m:sup>
-                    </m:sSup>
-                    <m:r>
-                      <a:rPr lang="en-US" sz="12000" i="1">
-                        <a:latin typeface="Cambria Math" panose="02040503050406030204" pitchFamily="18" charset="0"/>
-                      </a:rPr>
-                      <m:t>=12</m:t>
-                    </m:r>
-                  </m:oMath>
-                </a14:m>
-                <a:r>
-                  <a:rPr lang="en-US" sz="12000" dirty="0" smtClean="0"/>
-                  <a:t>			7.)  ln </a:t>
-                </a:r>
-                <a:r>
-                  <a:rPr lang="en-US" sz="12000" dirty="0"/>
-                  <a:t>(6x – 1) = 3</a:t>
-                </a:r>
-              </a:p>
-              <a:p>
-                <a:pPr marL="0" indent="0">
-                  <a:buNone/>
-                </a:pPr>
-                <a:r>
-                  <a:rPr lang="en-US" sz="12000" dirty="0"/>
-                  <a:t> </a:t>
-                </a:r>
-              </a:p>
-              <a:p>
-                <a:pPr marL="0" indent="0">
-                  <a:buNone/>
-                </a:pPr>
-                <a14:m>
-                  <m:oMath xmlns:m="http://schemas.openxmlformats.org/officeDocument/2006/math">
-                    <m:func>
-                      <m:funcPr>
-                        <m:ctrlPr>
-                          <a:rPr lang="en-US" sz="12000" i="1">
-                            <a:latin typeface="Cambria Math" panose="02040503050406030204" pitchFamily="18" charset="0"/>
-                          </a:rPr>
-                        </m:ctrlPr>
-                      </m:funcPr>
-                      <m:fName>
-                        <m:sSub>
-                          <m:sSubPr>
-                            <m:ctrlPr>
-                              <a:rPr lang="en-US" sz="12000" i="1" smtClean="0">
-                                <a:latin typeface="Cambria Math" panose="02040503050406030204" pitchFamily="18" charset="0"/>
-                              </a:rPr>
-                            </m:ctrlPr>
-                          </m:sSubPr>
-                          <m:e>
-                            <m:r>
-                              <a:rPr lang="en-US" sz="12000" b="0" i="0" smtClean="0">
-                                <a:latin typeface="Cambria Math" panose="02040503050406030204" pitchFamily="18" charset="0"/>
-                              </a:rPr>
-                              <m:t>4.) </m:t>
-                            </m:r>
-                            <m:r>
-                              <a:rPr lang="en-US" sz="12000">
-                                <a:latin typeface="Cambria Math" panose="02040503050406030204" pitchFamily="18" charset="0"/>
-                              </a:rPr>
-                              <m:t>4</m:t>
-                            </m:r>
-                            <m:r>
-                              <m:rPr>
-                                <m:sty m:val="p"/>
-                              </m:rPr>
-                              <a:rPr lang="en-US" sz="12000">
-                                <a:latin typeface="Cambria Math" panose="02040503050406030204" pitchFamily="18" charset="0"/>
-                              </a:rPr>
-                              <m:t>log</m:t>
-                            </m:r>
-                          </m:e>
-                          <m:sub>
-                            <m:r>
-                              <a:rPr lang="en-US" sz="12000" i="1">
-                                <a:latin typeface="Cambria Math" panose="02040503050406030204" pitchFamily="18" charset="0"/>
-                              </a:rPr>
-                              <m:t>2</m:t>
-                            </m:r>
-                          </m:sub>
-                        </m:sSub>
-                      </m:fName>
-                      <m:e>
-                        <m:d>
-                          <m:dPr>
-                            <m:ctrlPr>
-                              <a:rPr lang="en-US" sz="12000" i="1">
-                                <a:latin typeface="Cambria Math" panose="02040503050406030204" pitchFamily="18" charset="0"/>
-                              </a:rPr>
-                            </m:ctrlPr>
-                          </m:dPr>
-                          <m:e>
-                            <m:r>
-                              <a:rPr lang="en-US" sz="12000" i="1">
-                                <a:latin typeface="Cambria Math" panose="02040503050406030204" pitchFamily="18" charset="0"/>
-                              </a:rPr>
-                              <m:t>2</m:t>
-                            </m:r>
-                            <m:r>
-                              <a:rPr lang="en-US" sz="12000" i="1">
-                                <a:latin typeface="Cambria Math" panose="02040503050406030204" pitchFamily="18" charset="0"/>
-                              </a:rPr>
-                              <m:t>𝑥</m:t>
-                            </m:r>
-                            <m:r>
-                              <a:rPr lang="en-US" sz="12000" i="1">
-                                <a:latin typeface="Cambria Math" panose="02040503050406030204" pitchFamily="18" charset="0"/>
-                              </a:rPr>
-                              <m:t>+9</m:t>
-                            </m:r>
-                          </m:e>
-                        </m:d>
-                        <m:r>
-                          <a:rPr lang="en-US" sz="12000" i="1">
-                            <a:latin typeface="Cambria Math" panose="02040503050406030204" pitchFamily="18" charset="0"/>
-                          </a:rPr>
-                          <m:t>−21=3</m:t>
-                        </m:r>
-                      </m:e>
-                    </m:func>
-                  </m:oMath>
-                </a14:m>
-                <a:r>
-                  <a:rPr lang="en-US" sz="12000" dirty="0"/>
-                  <a:t> </a:t>
-                </a:r>
-                <a:endParaRPr lang="en-US" sz="12000" dirty="0" smtClean="0"/>
-              </a:p>
-              <a:p>
-                <a:pPr marL="0" indent="0">
-                  <a:buNone/>
-                </a:pPr>
-                <a:endParaRPr lang="en-US" dirty="0"/>
-              </a:p>
-            </p:txBody>
-          </p:sp>
-        </mc:Choice>
-        <mc:Fallback xmlns="">
-          <p:sp>
-            <p:nvSpPr>
-              <p:cNvPr id="3" name="Content Placeholder 2"/>
-              <p:cNvSpPr>
-                <a:spLocks noGrp="1" noRot="1" noChangeAspect="1" noMove="1" noResize="1" noEditPoints="1" noAdjustHandles="1" noChangeArrowheads="1" noChangeShapeType="1" noTextEdit="1"/>
-              </p:cNvSpPr>
-              <p:nvPr>
-                <p:ph idx="1"/>
-              </p:nvPr>
-            </p:nvSpPr>
-            <p:spPr>
-              <a:xfrm>
-                <a:off x="771181" y="1399142"/>
-                <a:ext cx="11215171" cy="4468258"/>
-              </a:xfrm>
-              <a:blipFill rotWithShape="0">
-                <a:blip r:embed="rId2"/>
-                <a:stretch>
-                  <a:fillRect l="-1305"/>
-                </a:stretch>
-              </a:blipFill>
-            </p:spPr>
-            <p:txBody>
-              <a:bodyPr/>
-              <a:lstStyle/>
-              <a:p>
-                <a:r>
-                  <a:rPr lang="en-US">
-                    <a:noFill/>
-                  </a:rPr>
-                  <a:t> </a:t>
-                </a:r>
-              </a:p>
-            </p:txBody>
-          </p:sp>
-        </mc:Fallback>
-      </mc:AlternateContent>
-    </p:spTree>
-    <p:extLst>
-      <p:ext uri="{BB962C8B-B14F-4D97-AF65-F5344CB8AC3E}">
-        <p14:creationId xmlns:p14="http://schemas.microsoft.com/office/powerpoint/2010/main" val="2167202703"/>
-      </p:ext>
-    </p:extLst>
-  </p:cSld>
-  <p:clrMapOvr>
-    <a:masterClrMapping/>
-  </p:clrMapOvr>
-</p:sld>
-</file>
-
-<file path=ppt/slides/slide8.xml><?xml version="1.0" encoding="utf-8"?>
-<p:sld xmlns:a="http://schemas.openxmlformats.org/drawingml/2006/main" xmlns:r="http://schemas.openxmlformats.org/officeDocument/2006/relationships" xmlns:p="http://schemas.openxmlformats.org/presentationml/2006/main">
-  <p:cSld>
-    <p:spTree>
-      <p:nvGrpSpPr>
-        <p:cNvPr id="1" name=""/>
-        <p:cNvGrpSpPr/>
-        <p:nvPr/>
-      </p:nvGrpSpPr>
-      <p:grpSpPr>
-        <a:xfrm>
-          <a:off x="0" y="0"/>
-          <a:ext cx="0" cy="0"/>
-          <a:chOff x="0" y="0"/>
-          <a:chExt cx="0" cy="0"/>
-        </a:xfrm>
-      </p:grpSpPr>
-      <p:sp>
-        <p:nvSpPr>
-          <p:cNvPr id="2" name="Title 1"/>
-          <p:cNvSpPr>
-            <a:spLocks noGrp="1"/>
-          </p:cNvSpPr>
-          <p:nvPr>
-            <p:ph type="title"/>
-          </p:nvPr>
-        </p:nvSpPr>
-        <p:spPr/>
-        <p:txBody>
-          <a:bodyPr/>
-          <a:lstStyle/>
-          <a:p>
-            <a:r>
-              <a:rPr lang="en-US" dirty="0" smtClean="0"/>
-              <a:t>Answer the following.</a:t>
-            </a:r>
-            <a:endParaRPr lang="en-US" dirty="0"/>
-          </a:p>
-        </p:txBody>
-      </p:sp>
-      <mc:AlternateContent xmlns:mc="http://schemas.openxmlformats.org/markup-compatibility/2006" xmlns:a14="http://schemas.microsoft.com/office/drawing/2010/main">
-        <mc:Choice Requires="a14">
-          <p:sp>
-            <p:nvSpPr>
-              <p:cNvPr id="3" name="Content Placeholder 2"/>
-              <p:cNvSpPr>
-                <a:spLocks noGrp="1"/>
-              </p:cNvSpPr>
-              <p:nvPr>
-                <p:ph idx="1"/>
-              </p:nvPr>
-            </p:nvSpPr>
-            <p:spPr/>
-            <p:txBody>
-              <a:bodyPr/>
-              <a:lstStyle/>
-              <a:p>
-                <a:pPr marL="0" indent="0">
-                  <a:buNone/>
-                </a:pPr>
-                <a:r>
-                  <a:rPr lang="en-US" sz="3400" dirty="0"/>
-                  <a:t>You have deposited $600 in an account that pays 7.5% interest compounded continuously. Use the </a:t>
-                </a:r>
-                <a14:m>
-                  <m:oMath xmlns:m="http://schemas.openxmlformats.org/officeDocument/2006/math">
-                    <m:sSup>
-                      <m:sSupPr>
-                        <m:ctrlPr>
-                          <a:rPr lang="en-US" sz="3400" i="1">
-                            <a:latin typeface="Cambria Math" panose="02040503050406030204" pitchFamily="18" charset="0"/>
-                          </a:rPr>
-                        </m:ctrlPr>
-                      </m:sSupPr>
-                      <m:e>
-                        <m:r>
-                          <a:rPr lang="en-US" sz="3400" i="1">
-                            <a:latin typeface="Cambria Math" panose="02040503050406030204" pitchFamily="18" charset="0"/>
-                          </a:rPr>
-                          <m:t>𝐴</m:t>
-                        </m:r>
-                        <m:r>
-                          <a:rPr lang="en-US" sz="3400" i="1">
-                            <a:latin typeface="Cambria Math" panose="02040503050406030204" pitchFamily="18" charset="0"/>
-                          </a:rPr>
-                          <m:t>=</m:t>
-                        </m:r>
-                        <m:r>
-                          <a:rPr lang="en-US" sz="3400" i="1">
-                            <a:latin typeface="Cambria Math" panose="02040503050406030204" pitchFamily="18" charset="0"/>
-                          </a:rPr>
-                          <m:t>𝑃𝑒</m:t>
-                        </m:r>
-                      </m:e>
-                      <m:sup>
-                        <m:r>
-                          <a:rPr lang="en-US" sz="3400" i="1">
-                            <a:latin typeface="Cambria Math" panose="02040503050406030204" pitchFamily="18" charset="0"/>
-                          </a:rPr>
-                          <m:t>𝑟𝑡</m:t>
-                        </m:r>
-                      </m:sup>
-                    </m:sSup>
-                  </m:oMath>
-                </a14:m>
-                <a:r>
-                  <a:rPr lang="en-US" sz="3400" dirty="0"/>
-                  <a:t> , where P is in initial deposit r is the percent (written as decimal) and t is the time in years.  How long will it take to double your money? Triple?</a:t>
-                </a:r>
-              </a:p>
-              <a:p>
-                <a:endParaRPr lang="en-US" dirty="0"/>
-              </a:p>
-            </p:txBody>
-          </p:sp>
-        </mc:Choice>
-        <mc:Fallback xmlns="">
-          <p:sp>
-            <p:nvSpPr>
-              <p:cNvPr id="3" name="Content Placeholder 2"/>
-              <p:cNvSpPr>
-                <a:spLocks noGrp="1" noRot="1" noChangeAspect="1" noMove="1" noResize="1" noEditPoints="1" noAdjustHandles="1" noChangeArrowheads="1" noChangeShapeType="1" noTextEdit="1"/>
-              </p:cNvSpPr>
-              <p:nvPr>
-                <p:ph idx="1"/>
-              </p:nvPr>
-            </p:nvSpPr>
-            <p:spPr>
-              <a:blipFill rotWithShape="0">
-                <a:blip r:embed="rId2"/>
-                <a:stretch>
-                  <a:fillRect l="-1778" t="-3231"/>
-                </a:stretch>
-              </a:blipFill>
-            </p:spPr>
-            <p:txBody>
-              <a:bodyPr/>
-              <a:lstStyle/>
-              <a:p>
-                <a:r>
-                  <a:rPr lang="en-US">
-                    <a:noFill/>
-                  </a:rPr>
-                  <a:t> </a:t>
-                </a:r>
-              </a:p>
-            </p:txBody>
-          </p:sp>
-        </mc:Fallback>
-      </mc:AlternateContent>
-    </p:spTree>
-    <p:extLst>
-      <p:ext uri="{BB962C8B-B14F-4D97-AF65-F5344CB8AC3E}">
-        <p14:creationId xmlns:p14="http://schemas.microsoft.com/office/powerpoint/2010/main" val="1022715476"/>
-      </p:ext>
-    </p:extLst>
-  </p:cSld>
-  <p:clrMapOvr>
-    <a:masterClrMapping/>
-  </p:clrMapOvr>
-</p:sld>
-</file>
-
-<file path=ppt/slides/slide9.xml><?xml version="1.0" encoding="utf-8"?>
-<p:sld xmlns:a="http://schemas.openxmlformats.org/drawingml/2006/main" xmlns:r="http://schemas.openxmlformats.org/officeDocument/2006/relationships" xmlns:p="http://schemas.openxmlformats.org/presentationml/2006/main">
-  <p:cSld>
-    <p:spTree>
-      <p:nvGrpSpPr>
-        <p:cNvPr id="1" name=""/>
-        <p:cNvGrpSpPr/>
-        <p:nvPr/>
-      </p:nvGrpSpPr>
-      <p:grpSpPr>
-        <a:xfrm>
-          <a:off x="0" y="0"/>
-          <a:ext cx="0" cy="0"/>
-          <a:chOff x="0" y="0"/>
-          <a:chExt cx="0" cy="0"/>
-        </a:xfrm>
-      </p:grpSpPr>
-      <p:sp>
-        <p:nvSpPr>
-          <p:cNvPr id="2" name="Title 1"/>
-          <p:cNvSpPr>
-            <a:spLocks noGrp="1"/>
-          </p:cNvSpPr>
-          <p:nvPr>
-            <p:ph type="title"/>
-          </p:nvPr>
-        </p:nvSpPr>
-        <p:spPr/>
-        <p:txBody>
-          <a:bodyPr/>
-          <a:lstStyle/>
-          <a:p>
-            <a:r>
-              <a:rPr lang="en-US" dirty="0" smtClean="0"/>
               <a:t>Set Up Solution</a:t>
             </a:r>
             <a:endParaRPr lang="en-US" dirty="0"/>
@@ -6532,6 +4212,2673 @@
     <p:extLst>
       <p:ext uri="{BB962C8B-B14F-4D97-AF65-F5344CB8AC3E}">
         <p14:creationId xmlns:p14="http://schemas.microsoft.com/office/powerpoint/2010/main" val="2233083058"/>
+      </p:ext>
+    </p:extLst>
+  </p:cSld>
+  <p:clrMapOvr>
+    <a:masterClrMapping/>
+  </p:clrMapOvr>
+</p:sld>
+</file>
+
+<file path=ppt/slides/slide11.xml><?xml version="1.0" encoding="utf-8"?>
+<p:sld xmlns:a="http://schemas.openxmlformats.org/drawingml/2006/main" xmlns:r="http://schemas.openxmlformats.org/officeDocument/2006/relationships" xmlns:p="http://schemas.openxmlformats.org/presentationml/2006/main">
+  <p:cSld>
+    <p:spTree>
+      <p:nvGrpSpPr>
+        <p:cNvPr id="1" name=""/>
+        <p:cNvGrpSpPr/>
+        <p:nvPr/>
+      </p:nvGrpSpPr>
+      <p:grpSpPr>
+        <a:xfrm>
+          <a:off x="0" y="0"/>
+          <a:ext cx="0" cy="0"/>
+          <a:chOff x="0" y="0"/>
+          <a:chExt cx="0" cy="0"/>
+        </a:xfrm>
+      </p:grpSpPr>
+      <p:sp>
+        <p:nvSpPr>
+          <p:cNvPr id="2" name="Title 1"/>
+          <p:cNvSpPr>
+            <a:spLocks noGrp="1"/>
+          </p:cNvSpPr>
+          <p:nvPr>
+            <p:ph type="title"/>
+          </p:nvPr>
+        </p:nvSpPr>
+        <p:spPr/>
+        <p:txBody>
+          <a:bodyPr/>
+          <a:lstStyle/>
+          <a:p>
+            <a:r>
+              <a:rPr lang="en-US" dirty="0" smtClean="0"/>
+              <a:t>For Next </a:t>
+            </a:r>
+            <a:r>
+              <a:rPr lang="en-US" dirty="0" smtClean="0"/>
+              <a:t>Time… </a:t>
+            </a:r>
+            <a:endParaRPr lang="en-US" dirty="0"/>
+          </a:p>
+        </p:txBody>
+      </p:sp>
+      <p:sp>
+        <p:nvSpPr>
+          <p:cNvPr id="3" name="Content Placeholder 2"/>
+          <p:cNvSpPr>
+            <a:spLocks noGrp="1"/>
+          </p:cNvSpPr>
+          <p:nvPr>
+            <p:ph idx="1"/>
+          </p:nvPr>
+        </p:nvSpPr>
+        <p:spPr>
+          <a:xfrm>
+            <a:off x="1371600" y="2286000"/>
+            <a:ext cx="10005934" cy="3581400"/>
+          </a:xfrm>
+        </p:spPr>
+        <p:txBody>
+          <a:bodyPr>
+            <a:normAutofit/>
+          </a:bodyPr>
+          <a:lstStyle/>
+          <a:p>
+            <a:pPr marL="0" indent="0">
+              <a:buNone/>
+            </a:pPr>
+            <a:r>
+              <a:rPr lang="en-US" sz="3400" dirty="0"/>
+              <a:t>Page </a:t>
+            </a:r>
+            <a:r>
+              <a:rPr lang="en-US" sz="3400"/>
+              <a:t>473 </a:t>
+            </a:r>
+            <a:r>
+              <a:rPr lang="en-US" sz="3400" smtClean="0"/>
+              <a:t>#10-14 (even), 18, 31–41 </a:t>
+            </a:r>
+            <a:r>
+              <a:rPr lang="en-US" sz="3400" dirty="0"/>
+              <a:t>(</a:t>
+            </a:r>
+            <a:r>
+              <a:rPr lang="en-US" sz="3400"/>
+              <a:t>odd</a:t>
+            </a:r>
+            <a:r>
+              <a:rPr lang="en-US" sz="3400" smtClean="0"/>
+              <a:t>), 49</a:t>
+            </a:r>
+            <a:endParaRPr lang="en-US" sz="3400" dirty="0"/>
+          </a:p>
+        </p:txBody>
+      </p:sp>
+    </p:spTree>
+    <p:extLst>
+      <p:ext uri="{BB962C8B-B14F-4D97-AF65-F5344CB8AC3E}">
+        <p14:creationId xmlns:p14="http://schemas.microsoft.com/office/powerpoint/2010/main" val="1691929216"/>
+      </p:ext>
+    </p:extLst>
+  </p:cSld>
+  <p:clrMapOvr>
+    <a:masterClrMapping/>
+  </p:clrMapOvr>
+  <p:timing>
+    <p:tnLst>
+      <p:par>
+        <p:cTn id="1" dur="indefinite" restart="never" nodeType="tmRoot"/>
+      </p:par>
+    </p:tnLst>
+  </p:timing>
+</p:sld>
+</file>
+
+<file path=ppt/slides/slide2.xml><?xml version="1.0" encoding="utf-8"?>
+<p:sld xmlns:a="http://schemas.openxmlformats.org/drawingml/2006/main" xmlns:r="http://schemas.openxmlformats.org/officeDocument/2006/relationships" xmlns:p="http://schemas.openxmlformats.org/presentationml/2006/main">
+  <p:cSld>
+    <p:spTree>
+      <p:nvGrpSpPr>
+        <p:cNvPr id="1" name=""/>
+        <p:cNvGrpSpPr/>
+        <p:nvPr/>
+      </p:nvGrpSpPr>
+      <p:grpSpPr>
+        <a:xfrm>
+          <a:off x="0" y="0"/>
+          <a:ext cx="0" cy="0"/>
+          <a:chOff x="0" y="0"/>
+          <a:chExt cx="0" cy="0"/>
+        </a:xfrm>
+      </p:grpSpPr>
+      <p:sp>
+        <p:nvSpPr>
+          <p:cNvPr id="2" name="Title 1"/>
+          <p:cNvSpPr>
+            <a:spLocks noGrp="1"/>
+          </p:cNvSpPr>
+          <p:nvPr>
+            <p:ph type="title"/>
+          </p:nvPr>
+        </p:nvSpPr>
+        <p:spPr/>
+        <p:txBody>
+          <a:bodyPr/>
+          <a:lstStyle/>
+          <a:p>
+            <a:r>
+              <a:rPr lang="en-US" dirty="0" smtClean="0"/>
+              <a:t>Bell Work</a:t>
+            </a:r>
+            <a:endParaRPr lang="en-US" dirty="0"/>
+          </a:p>
+        </p:txBody>
+      </p:sp>
+      <mc:AlternateContent xmlns:mc="http://schemas.openxmlformats.org/markup-compatibility/2006">
+        <mc:Choice xmlns:a14="http://schemas.microsoft.com/office/drawing/2010/main" Requires="a14">
+          <p:sp>
+            <p:nvSpPr>
+              <p:cNvPr id="3" name="Content Placeholder 2"/>
+              <p:cNvSpPr>
+                <a:spLocks noGrp="1"/>
+              </p:cNvSpPr>
+              <p:nvPr>
+                <p:ph idx="1"/>
+              </p:nvPr>
+            </p:nvSpPr>
+            <p:spPr>
+              <a:xfrm>
+                <a:off x="1371600" y="1712686"/>
+                <a:ext cx="9601200" cy="3581400"/>
+              </a:xfrm>
+            </p:spPr>
+            <p:txBody>
+              <a:bodyPr>
+                <a:normAutofit/>
+              </a:bodyPr>
+              <a:lstStyle/>
+              <a:p>
+                <a:pPr marL="0" indent="0">
+                  <a:buNone/>
+                </a:pPr>
+                <a:r>
+                  <a:rPr lang="en-US" sz="4000" i="1" dirty="0" smtClean="0">
+                    <a:latin typeface="Cambria Math" panose="02040503050406030204" pitchFamily="18" charset="0"/>
+                  </a:rPr>
+                  <a:t>Solve: </a:t>
+                </a:r>
+              </a:p>
+              <a:p>
+                <a:pPr marL="0" indent="0">
+                  <a:buNone/>
+                </a:pPr>
+                <a:endParaRPr lang="en-US" sz="4000" i="1" dirty="0" smtClean="0">
+                  <a:latin typeface="Cambria Math" panose="02040503050406030204" pitchFamily="18" charset="0"/>
+                </a:endParaRPr>
+              </a:p>
+              <a:p>
+                <a:pPr marL="0" indent="0">
+                  <a:buNone/>
+                </a:pPr>
+                <a14:m>
+                  <m:oMathPara xmlns:m="http://schemas.openxmlformats.org/officeDocument/2006/math">
+                    <m:oMathParaPr>
+                      <m:jc m:val="left"/>
+                    </m:oMathParaPr>
+                    <m:oMath xmlns:m="http://schemas.openxmlformats.org/officeDocument/2006/math">
+                      <m:func>
+                        <m:funcPr>
+                          <m:ctrlPr>
+                            <a:rPr lang="en-US" sz="4000" i="1" smtClean="0">
+                              <a:latin typeface="Cambria Math" panose="02040503050406030204" pitchFamily="18" charset="0"/>
+                            </a:rPr>
+                          </m:ctrlPr>
+                        </m:funcPr>
+                        <m:fName>
+                          <m:sSub>
+                            <m:sSubPr>
+                              <m:ctrlPr>
+                                <a:rPr lang="en-US" sz="4000" i="1">
+                                  <a:latin typeface="Cambria Math" panose="02040503050406030204" pitchFamily="18" charset="0"/>
+                                </a:rPr>
+                              </m:ctrlPr>
+                            </m:sSubPr>
+                            <m:e>
+                              <m:r>
+                                <a:rPr lang="en-US" sz="4000" b="0" i="0" smtClean="0">
+                                  <a:latin typeface="Cambria Math" panose="02040503050406030204" pitchFamily="18" charset="0"/>
+                                </a:rPr>
+                                <m:t>1</m:t>
+                              </m:r>
+                              <m:r>
+                                <a:rPr lang="en-US" sz="4000">
+                                  <a:latin typeface="Cambria Math" panose="02040503050406030204" pitchFamily="18" charset="0"/>
+                                </a:rPr>
+                                <m:t>.) </m:t>
+                              </m:r>
+                              <m:r>
+                                <a:rPr lang="en-US" sz="4000" b="0" i="0" smtClean="0">
+                                  <a:latin typeface="Cambria Math" panose="02040503050406030204" pitchFamily="18" charset="0"/>
+                                </a:rPr>
+                                <m:t>3</m:t>
+                              </m:r>
+                              <m:r>
+                                <m:rPr>
+                                  <m:sty m:val="p"/>
+                                </m:rPr>
+                                <a:rPr lang="en-US" sz="4000">
+                                  <a:latin typeface="Cambria Math" panose="02040503050406030204" pitchFamily="18" charset="0"/>
+                                </a:rPr>
+                                <m:t>log</m:t>
+                              </m:r>
+                            </m:e>
+                            <m:sub>
+                              <m:r>
+                                <a:rPr lang="en-US" sz="4000" b="0" i="1" smtClean="0">
+                                  <a:latin typeface="Cambria Math" panose="02040503050406030204" pitchFamily="18" charset="0"/>
+                                </a:rPr>
+                                <m:t>2</m:t>
+                              </m:r>
+                            </m:sub>
+                          </m:sSub>
+                        </m:fName>
+                        <m:e>
+                          <m:r>
+                            <a:rPr lang="en-US" sz="4000" b="0" i="1" smtClean="0">
+                              <a:latin typeface="Cambria Math" panose="02040503050406030204" pitchFamily="18" charset="0"/>
+                            </a:rPr>
+                            <m:t>(3</m:t>
+                          </m:r>
+                          <m:r>
+                            <a:rPr lang="en-US" sz="4000" i="1">
+                              <a:latin typeface="Cambria Math" panose="02040503050406030204" pitchFamily="18" charset="0"/>
+                            </a:rPr>
+                            <m:t>𝑥</m:t>
+                          </m:r>
+                          <m:r>
+                            <a:rPr lang="en-US" sz="4000" b="0" i="1" smtClean="0">
+                              <a:latin typeface="Cambria Math" panose="02040503050406030204" pitchFamily="18" charset="0"/>
+                            </a:rPr>
+                            <m:t>+1)</m:t>
+                          </m:r>
+                          <m:r>
+                            <a:rPr lang="en-US" sz="4000" i="1">
+                              <a:latin typeface="Cambria Math" panose="02040503050406030204" pitchFamily="18" charset="0"/>
+                            </a:rPr>
+                            <m:t>=</m:t>
+                          </m:r>
+                          <m:r>
+                            <a:rPr lang="en-US" sz="4000" b="0" i="1" smtClean="0">
+                              <a:latin typeface="Cambria Math" panose="02040503050406030204" pitchFamily="18" charset="0"/>
+                            </a:rPr>
+                            <m:t>21</m:t>
+                          </m:r>
+                        </m:e>
+                      </m:func>
+                    </m:oMath>
+                  </m:oMathPara>
+                </a14:m>
+                <a:endParaRPr lang="en-US" sz="4000" dirty="0" smtClean="0">
+                  <a:latin typeface="Times New Roman" panose="02020603050405020304" pitchFamily="18" charset="0"/>
+                  <a:cs typeface="Times New Roman" panose="02020603050405020304" pitchFamily="18" charset="0"/>
+                </a:endParaRPr>
+              </a:p>
+              <a:p>
+                <a:endParaRPr lang="en-US" sz="4000" dirty="0">
+                  <a:latin typeface="Times New Roman" panose="02020603050405020304" pitchFamily="18" charset="0"/>
+                  <a:cs typeface="Times New Roman" panose="02020603050405020304" pitchFamily="18" charset="0"/>
+                </a:endParaRPr>
+              </a:p>
+              <a:p>
+                <a:pPr marL="0" indent="0">
+                  <a:buNone/>
+                </a:pPr>
+                <a14:m>
+                  <m:oMathPara xmlns:m="http://schemas.openxmlformats.org/officeDocument/2006/math">
+                    <m:oMathParaPr>
+                      <m:jc m:val="left"/>
+                    </m:oMathParaPr>
+                    <m:oMath xmlns:m="http://schemas.openxmlformats.org/officeDocument/2006/math">
+                      <m:sSup>
+                        <m:sSupPr>
+                          <m:ctrlPr>
+                            <a:rPr lang="en-US" sz="4000" i="1">
+                              <a:latin typeface="Cambria Math" panose="02040503050406030204" pitchFamily="18" charset="0"/>
+                            </a:rPr>
+                          </m:ctrlPr>
+                        </m:sSupPr>
+                        <m:e>
+                          <m:r>
+                            <a:rPr lang="en-US" sz="4000" b="0" i="1" smtClean="0">
+                              <a:latin typeface="Cambria Math" panose="02040503050406030204" pitchFamily="18" charset="0"/>
+                            </a:rPr>
+                            <m:t>2</m:t>
+                          </m:r>
+                          <m:r>
+                            <a:rPr lang="en-US" sz="4000" i="1">
+                              <a:latin typeface="Cambria Math" panose="02040503050406030204" pitchFamily="18" charset="0"/>
+                            </a:rPr>
+                            <m:t>.) </m:t>
+                          </m:r>
+                          <m:r>
+                            <a:rPr lang="en-US" sz="4000" b="0" i="1" smtClean="0">
+                              <a:latin typeface="Cambria Math" panose="02040503050406030204" pitchFamily="18" charset="0"/>
+                            </a:rPr>
+                            <m:t>3</m:t>
+                          </m:r>
+                        </m:e>
+                        <m:sup>
+                          <m:r>
+                            <a:rPr lang="en-US" sz="4000" b="0" i="1" smtClean="0">
+                              <a:latin typeface="Cambria Math" panose="02040503050406030204" pitchFamily="18" charset="0"/>
+                            </a:rPr>
+                            <m:t>2</m:t>
+                          </m:r>
+                          <m:r>
+                            <a:rPr lang="en-US" sz="4000" i="1">
+                              <a:latin typeface="Cambria Math" panose="02040503050406030204" pitchFamily="18" charset="0"/>
+                            </a:rPr>
+                            <m:t>𝑥</m:t>
+                          </m:r>
+                          <m:r>
+                            <a:rPr lang="en-US" sz="4000" b="0" i="1" smtClean="0">
+                              <a:latin typeface="Cambria Math" panose="02040503050406030204" pitchFamily="18" charset="0"/>
+                            </a:rPr>
+                            <m:t>−4</m:t>
+                          </m:r>
+                        </m:sup>
+                      </m:sSup>
+                      <m:r>
+                        <a:rPr lang="en-US" sz="4000" b="0" i="1" smtClean="0">
+                          <a:latin typeface="Cambria Math" panose="02040503050406030204" pitchFamily="18" charset="0"/>
+                        </a:rPr>
+                        <m:t>−48</m:t>
+                      </m:r>
+                      <m:r>
+                        <a:rPr lang="en-US" sz="4000" i="1">
+                          <a:latin typeface="Cambria Math" panose="02040503050406030204" pitchFamily="18" charset="0"/>
+                        </a:rPr>
+                        <m:t>=8</m:t>
+                      </m:r>
+                    </m:oMath>
+                  </m:oMathPara>
+                </a14:m>
+                <a:endParaRPr lang="en-US" sz="4000" dirty="0">
+                  <a:latin typeface="Times New Roman" panose="02020603050405020304" pitchFamily="18" charset="0"/>
+                  <a:cs typeface="Times New Roman" panose="02020603050405020304" pitchFamily="18" charset="0"/>
+                </a:endParaRPr>
+              </a:p>
+            </p:txBody>
+          </p:sp>
+        </mc:Choice>
+        <mc:Fallback>
+          <p:sp>
+            <p:nvSpPr>
+              <p:cNvPr id="3" name="Content Placeholder 2"/>
+              <p:cNvSpPr>
+                <a:spLocks noGrp="1" noRot="1" noChangeAspect="1" noMove="1" noResize="1" noEditPoints="1" noAdjustHandles="1" noChangeArrowheads="1" noChangeShapeType="1" noTextEdit="1"/>
+              </p:cNvSpPr>
+              <p:nvPr>
+                <p:ph idx="1"/>
+              </p:nvPr>
+            </p:nvSpPr>
+            <p:spPr>
+              <a:xfrm>
+                <a:off x="1371600" y="1712686"/>
+                <a:ext cx="9601200" cy="3581400"/>
+              </a:xfrm>
+              <a:blipFill rotWithShape="0">
+                <a:blip r:embed="rId2"/>
+                <a:stretch>
+                  <a:fillRect l="-2222" t="-4089"/>
+                </a:stretch>
+              </a:blipFill>
+            </p:spPr>
+            <p:txBody>
+              <a:bodyPr/>
+              <a:lstStyle/>
+              <a:p>
+                <a:r>
+                  <a:rPr lang="en-US">
+                    <a:noFill/>
+                  </a:rPr>
+                  <a:t> </a:t>
+                </a:r>
+              </a:p>
+            </p:txBody>
+          </p:sp>
+        </mc:Fallback>
+      </mc:AlternateContent>
+    </p:spTree>
+    <p:extLst>
+      <p:ext uri="{BB962C8B-B14F-4D97-AF65-F5344CB8AC3E}">
+        <p14:creationId xmlns:p14="http://schemas.microsoft.com/office/powerpoint/2010/main" val="1999325132"/>
+      </p:ext>
+    </p:extLst>
+  </p:cSld>
+  <p:clrMapOvr>
+    <a:masterClrMapping/>
+  </p:clrMapOvr>
+  <p:timing>
+    <p:tnLst>
+      <p:par>
+        <p:cTn id="1" dur="indefinite" restart="never" nodeType="tmRoot"/>
+      </p:par>
+    </p:tnLst>
+  </p:timing>
+</p:sld>
+</file>
+
+<file path=ppt/slides/slide3.xml><?xml version="1.0" encoding="utf-8"?>
+<p:sld xmlns:a="http://schemas.openxmlformats.org/drawingml/2006/main" xmlns:r="http://schemas.openxmlformats.org/officeDocument/2006/relationships" xmlns:p="http://schemas.openxmlformats.org/presentationml/2006/main">
+  <p:cSld>
+    <p:spTree>
+      <p:nvGrpSpPr>
+        <p:cNvPr id="1" name=""/>
+        <p:cNvGrpSpPr/>
+        <p:nvPr/>
+      </p:nvGrpSpPr>
+      <p:grpSpPr>
+        <a:xfrm>
+          <a:off x="0" y="0"/>
+          <a:ext cx="0" cy="0"/>
+          <a:chOff x="0" y="0"/>
+          <a:chExt cx="0" cy="0"/>
+        </a:xfrm>
+      </p:grpSpPr>
+      <p:sp>
+        <p:nvSpPr>
+          <p:cNvPr id="2" name="Title 1"/>
+          <p:cNvSpPr>
+            <a:spLocks noGrp="1"/>
+          </p:cNvSpPr>
+          <p:nvPr>
+            <p:ph type="title"/>
+          </p:nvPr>
+        </p:nvSpPr>
+        <p:spPr/>
+        <p:txBody>
+          <a:bodyPr/>
+          <a:lstStyle/>
+          <a:p>
+            <a:r>
+              <a:rPr lang="en-US" dirty="0" smtClean="0"/>
+              <a:t>From Last </a:t>
+            </a:r>
+            <a:r>
+              <a:rPr lang="en-US" dirty="0" smtClean="0"/>
+              <a:t>Time</a:t>
+            </a:r>
+            <a:endParaRPr lang="en-US" dirty="0"/>
+          </a:p>
+        </p:txBody>
+      </p:sp>
+      <p:sp>
+        <p:nvSpPr>
+          <p:cNvPr id="3" name="Content Placeholder 2"/>
+          <p:cNvSpPr>
+            <a:spLocks noGrp="1"/>
+          </p:cNvSpPr>
+          <p:nvPr>
+            <p:ph idx="1"/>
+          </p:nvPr>
+        </p:nvSpPr>
+        <p:spPr/>
+        <p:txBody>
+          <a:bodyPr>
+            <a:normAutofit/>
+          </a:bodyPr>
+          <a:lstStyle/>
+          <a:p>
+            <a:pPr marL="0" indent="0">
+              <a:buNone/>
+            </a:pPr>
+            <a:r>
+              <a:rPr lang="en-US" sz="3400" dirty="0" smtClean="0"/>
+              <a:t>Page 473 #1–5,  7–23 (odd</a:t>
+            </a:r>
+            <a:r>
+              <a:rPr lang="en-US" sz="3400" dirty="0" smtClean="0"/>
+              <a:t>)</a:t>
+            </a:r>
+            <a:endParaRPr lang="en-US" sz="3400" dirty="0"/>
+          </a:p>
+        </p:txBody>
+      </p:sp>
+    </p:spTree>
+    <p:extLst>
+      <p:ext uri="{BB962C8B-B14F-4D97-AF65-F5344CB8AC3E}">
+        <p14:creationId xmlns:p14="http://schemas.microsoft.com/office/powerpoint/2010/main" val="1909507285"/>
+      </p:ext>
+    </p:extLst>
+  </p:cSld>
+  <p:clrMapOvr>
+    <a:masterClrMapping/>
+  </p:clrMapOvr>
+</p:sld>
+</file>
+
+<file path=ppt/slides/slide4.xml><?xml version="1.0" encoding="utf-8"?>
+<p:sld xmlns:a="http://schemas.openxmlformats.org/drawingml/2006/main" xmlns:r="http://schemas.openxmlformats.org/officeDocument/2006/relationships" xmlns:p="http://schemas.openxmlformats.org/presentationml/2006/main">
+  <p:cSld>
+    <p:spTree>
+      <p:nvGrpSpPr>
+        <p:cNvPr id="1" name=""/>
+        <p:cNvGrpSpPr/>
+        <p:nvPr/>
+      </p:nvGrpSpPr>
+      <p:grpSpPr>
+        <a:xfrm>
+          <a:off x="0" y="0"/>
+          <a:ext cx="0" cy="0"/>
+          <a:chOff x="0" y="0"/>
+          <a:chExt cx="0" cy="0"/>
+        </a:xfrm>
+      </p:grpSpPr>
+      <p:sp>
+        <p:nvSpPr>
+          <p:cNvPr id="2" name="Title 1"/>
+          <p:cNvSpPr>
+            <a:spLocks noGrp="1"/>
+          </p:cNvSpPr>
+          <p:nvPr>
+            <p:ph type="title"/>
+          </p:nvPr>
+        </p:nvSpPr>
+        <p:spPr>
+          <a:xfrm>
+            <a:off x="1371599" y="407624"/>
+            <a:ext cx="10152043" cy="1764076"/>
+          </a:xfrm>
+        </p:spPr>
+        <p:txBody>
+          <a:bodyPr>
+            <a:normAutofit/>
+          </a:bodyPr>
+          <a:lstStyle/>
+          <a:p>
+            <a:r>
+              <a:rPr lang="en-US" sz="3600" b="1" u="sng" dirty="0" smtClean="0"/>
+              <a:t>7.5 Exponential and Log Equations</a:t>
+            </a:r>
+            <a:r>
+              <a:rPr lang="en-US" sz="3600" dirty="0"/>
+              <a:t/>
+            </a:r>
+            <a:br>
+              <a:rPr lang="en-US" sz="3600" dirty="0"/>
+            </a:br>
+            <a:r>
+              <a:rPr lang="en-US" sz="3400" dirty="0" smtClean="0"/>
+              <a:t> </a:t>
+            </a:r>
+            <a:endParaRPr lang="en-US" dirty="0"/>
+          </a:p>
+        </p:txBody>
+      </p:sp>
+      <p:sp>
+        <p:nvSpPr>
+          <p:cNvPr id="3" name="Content Placeholder 2"/>
+          <p:cNvSpPr>
+            <a:spLocks noGrp="1"/>
+          </p:cNvSpPr>
+          <p:nvPr>
+            <p:ph idx="1"/>
+          </p:nvPr>
+        </p:nvSpPr>
+        <p:spPr>
+          <a:xfrm>
+            <a:off x="1371599" y="1289662"/>
+            <a:ext cx="10425659" cy="4225741"/>
+          </a:xfrm>
+        </p:spPr>
+        <p:txBody>
+          <a:bodyPr>
+            <a:noAutofit/>
+          </a:bodyPr>
+          <a:lstStyle/>
+          <a:p>
+            <a:r>
+              <a:rPr lang="en-US" sz="3200" b="1" dirty="0"/>
+              <a:t>Objective: </a:t>
+            </a:r>
+            <a:endParaRPr lang="en-US" sz="3200" b="1" dirty="0" smtClean="0"/>
+          </a:p>
+          <a:p>
+            <a:pPr marL="0" indent="0">
+              <a:buNone/>
+            </a:pPr>
+            <a:r>
+              <a:rPr lang="en-US" sz="3400" b="1" dirty="0" smtClean="0"/>
+              <a:t>Solve </a:t>
+            </a:r>
+            <a:r>
+              <a:rPr lang="en-US" sz="3400" b="1" dirty="0"/>
+              <a:t>exponential and log equations</a:t>
+            </a:r>
+            <a:endParaRPr lang="en-US" sz="3400" dirty="0"/>
+          </a:p>
+        </p:txBody>
+      </p:sp>
+    </p:spTree>
+    <p:extLst>
+      <p:ext uri="{BB962C8B-B14F-4D97-AF65-F5344CB8AC3E}">
+        <p14:creationId xmlns:p14="http://schemas.microsoft.com/office/powerpoint/2010/main" val="4076360578"/>
+      </p:ext>
+    </p:extLst>
+  </p:cSld>
+  <p:clrMapOvr>
+    <a:masterClrMapping/>
+  </p:clrMapOvr>
+</p:sld>
+</file>
+
+<file path=ppt/slides/slide5.xml><?xml version="1.0" encoding="utf-8"?>
+<p:sld xmlns:a="http://schemas.openxmlformats.org/drawingml/2006/main" xmlns:r="http://schemas.openxmlformats.org/officeDocument/2006/relationships" xmlns:p="http://schemas.openxmlformats.org/presentationml/2006/main">
+  <p:cSld>
+    <p:spTree>
+      <p:nvGrpSpPr>
+        <p:cNvPr id="1" name=""/>
+        <p:cNvGrpSpPr/>
+        <p:nvPr/>
+      </p:nvGrpSpPr>
+      <p:grpSpPr>
+        <a:xfrm>
+          <a:off x="0" y="0"/>
+          <a:ext cx="0" cy="0"/>
+          <a:chOff x="0" y="0"/>
+          <a:chExt cx="0" cy="0"/>
+        </a:xfrm>
+      </p:grpSpPr>
+      <p:sp>
+        <p:nvSpPr>
+          <p:cNvPr id="2" name="Title 1"/>
+          <p:cNvSpPr>
+            <a:spLocks noGrp="1"/>
+          </p:cNvSpPr>
+          <p:nvPr>
+            <p:ph type="title"/>
+          </p:nvPr>
+        </p:nvSpPr>
+        <p:spPr>
+          <a:xfrm>
+            <a:off x="818002" y="685800"/>
+            <a:ext cx="9601200" cy="1485900"/>
+          </a:xfrm>
+        </p:spPr>
+        <p:txBody>
+          <a:bodyPr/>
+          <a:lstStyle/>
+          <a:p>
+            <a:r>
+              <a:rPr lang="en-US" b="1" u="sng" dirty="0"/>
+              <a:t>Strategies to Solve:</a:t>
+            </a:r>
+            <a:r>
+              <a:rPr lang="en-US" dirty="0"/>
+              <a:t/>
+            </a:r>
+            <a:br>
+              <a:rPr lang="en-US" dirty="0"/>
+            </a:br>
+            <a:endParaRPr lang="en-US" dirty="0"/>
+          </a:p>
+        </p:txBody>
+      </p:sp>
+      <p:sp>
+        <p:nvSpPr>
+          <p:cNvPr id="3" name="Content Placeholder 2"/>
+          <p:cNvSpPr>
+            <a:spLocks noGrp="1"/>
+          </p:cNvSpPr>
+          <p:nvPr>
+            <p:ph idx="1"/>
+          </p:nvPr>
+        </p:nvSpPr>
+        <p:spPr>
+          <a:xfrm>
+            <a:off x="818002" y="1636005"/>
+            <a:ext cx="10708395" cy="3581400"/>
+          </a:xfrm>
+        </p:spPr>
+        <p:txBody>
+          <a:bodyPr/>
+          <a:lstStyle/>
+          <a:p>
+            <a:pPr marL="0" lvl="0" indent="0">
+              <a:buNone/>
+            </a:pPr>
+            <a:r>
+              <a:rPr lang="en-US" sz="3000" dirty="0" smtClean="0"/>
+              <a:t>1.) One </a:t>
+            </a:r>
+            <a:r>
+              <a:rPr lang="en-US" sz="3000" dirty="0"/>
+              <a:t>to One: rewrite so the bases are the same and </a:t>
+            </a:r>
+            <a:r>
+              <a:rPr lang="en-US" sz="3000" dirty="0" smtClean="0"/>
+              <a:t>compare</a:t>
+            </a:r>
+          </a:p>
+          <a:p>
+            <a:pPr marL="0" lvl="0" indent="0">
+              <a:buNone/>
+            </a:pPr>
+            <a:endParaRPr lang="en-US" sz="3000" dirty="0"/>
+          </a:p>
+          <a:p>
+            <a:pPr marL="0" lvl="0" indent="0">
+              <a:buNone/>
+            </a:pPr>
+            <a:r>
+              <a:rPr lang="en-US" sz="3000" dirty="0" smtClean="0"/>
+              <a:t>2.) Rewrite </a:t>
+            </a:r>
+            <a:r>
+              <a:rPr lang="en-US" sz="3000" dirty="0"/>
+              <a:t>exponential in log form and apply the Inverse </a:t>
+            </a:r>
+            <a:r>
+              <a:rPr lang="en-US" sz="3000" dirty="0" smtClean="0"/>
+              <a:t>Property</a:t>
+            </a:r>
+          </a:p>
+          <a:p>
+            <a:pPr marL="0" lvl="0" indent="0">
+              <a:buNone/>
+            </a:pPr>
+            <a:endParaRPr lang="en-US" sz="3000" dirty="0" smtClean="0"/>
+          </a:p>
+          <a:p>
+            <a:pPr marL="0" lvl="0" indent="0">
+              <a:buNone/>
+            </a:pPr>
+            <a:r>
+              <a:rPr lang="en-US" sz="3000" dirty="0" smtClean="0"/>
+              <a:t>3.) Rewrite </a:t>
+            </a:r>
+            <a:r>
+              <a:rPr lang="en-US" sz="3000" dirty="0"/>
+              <a:t>log in exponential form and apply the Inverse Property</a:t>
+            </a:r>
+          </a:p>
+          <a:p>
+            <a:endParaRPr lang="en-US" dirty="0"/>
+          </a:p>
+        </p:txBody>
+      </p:sp>
+    </p:spTree>
+    <p:extLst>
+      <p:ext uri="{BB962C8B-B14F-4D97-AF65-F5344CB8AC3E}">
+        <p14:creationId xmlns:p14="http://schemas.microsoft.com/office/powerpoint/2010/main" val="1755549212"/>
+      </p:ext>
+    </p:extLst>
+  </p:cSld>
+  <p:clrMapOvr>
+    <a:masterClrMapping/>
+  </p:clrMapOvr>
+</p:sld>
+</file>
+
+<file path=ppt/slides/slide6.xml><?xml version="1.0" encoding="utf-8"?>
+<p:sld xmlns:a="http://schemas.openxmlformats.org/drawingml/2006/main" xmlns:r="http://schemas.openxmlformats.org/officeDocument/2006/relationships" xmlns:p="http://schemas.openxmlformats.org/presentationml/2006/main">
+  <p:cSld>
+    <p:spTree>
+      <p:nvGrpSpPr>
+        <p:cNvPr id="1" name=""/>
+        <p:cNvGrpSpPr/>
+        <p:nvPr/>
+      </p:nvGrpSpPr>
+      <p:grpSpPr>
+        <a:xfrm>
+          <a:off x="0" y="0"/>
+          <a:ext cx="0" cy="0"/>
+          <a:chOff x="0" y="0"/>
+          <a:chExt cx="0" cy="0"/>
+        </a:xfrm>
+      </p:grpSpPr>
+      <p:sp>
+        <p:nvSpPr>
+          <p:cNvPr id="2" name="Title 1"/>
+          <p:cNvSpPr>
+            <a:spLocks noGrp="1"/>
+          </p:cNvSpPr>
+          <p:nvPr>
+            <p:ph type="title"/>
+          </p:nvPr>
+        </p:nvSpPr>
+        <p:spPr/>
+        <p:txBody>
+          <a:bodyPr/>
+          <a:lstStyle/>
+          <a:p>
+            <a:r>
+              <a:rPr lang="en-US" dirty="0" smtClean="0"/>
+              <a:t>Examples: Solve</a:t>
+            </a:r>
+            <a:endParaRPr lang="en-US" dirty="0"/>
+          </a:p>
+        </p:txBody>
+      </p:sp>
+      <mc:AlternateContent xmlns:mc="http://schemas.openxmlformats.org/markup-compatibility/2006" xmlns:a14="http://schemas.microsoft.com/office/drawing/2010/main">
+        <mc:Choice Requires="a14">
+          <p:sp>
+            <p:nvSpPr>
+              <p:cNvPr id="3" name="Content Placeholder 2"/>
+              <p:cNvSpPr>
+                <a:spLocks noGrp="1"/>
+              </p:cNvSpPr>
+              <p:nvPr>
+                <p:ph idx="1"/>
+              </p:nvPr>
+            </p:nvSpPr>
+            <p:spPr>
+              <a:xfrm>
+                <a:off x="1371599" y="1469037"/>
+                <a:ext cx="10658819" cy="5231566"/>
+              </a:xfrm>
+            </p:spPr>
+            <p:txBody>
+              <a:bodyPr>
+                <a:normAutofit/>
+              </a:bodyPr>
+              <a:lstStyle/>
+              <a:p>
+                <a:pPr marL="0" indent="0">
+                  <a:buNone/>
+                </a:pPr>
+                <a14:m>
+                  <m:oMath xmlns:m="http://schemas.openxmlformats.org/officeDocument/2006/math">
+                    <m:sSup>
+                      <m:sSupPr>
+                        <m:ctrlPr>
+                          <a:rPr lang="en-US" sz="3600" i="1" smtClean="0">
+                            <a:latin typeface="Cambria Math" panose="02040503050406030204" pitchFamily="18" charset="0"/>
+                          </a:rPr>
+                        </m:ctrlPr>
+                      </m:sSupPr>
+                      <m:e>
+                        <m:r>
+                          <a:rPr lang="en-US" sz="3600" b="0" i="1" smtClean="0">
+                            <a:latin typeface="Cambria Math" panose="02040503050406030204" pitchFamily="18" charset="0"/>
+                          </a:rPr>
+                          <m:t>1.) </m:t>
+                        </m:r>
+                        <m:r>
+                          <a:rPr lang="en-US" sz="3600" i="1">
+                            <a:latin typeface="Cambria Math" panose="02040503050406030204" pitchFamily="18" charset="0"/>
+                          </a:rPr>
+                          <m:t>3</m:t>
+                        </m:r>
+                      </m:e>
+                      <m:sup>
+                        <m:r>
+                          <a:rPr lang="en-US" sz="3600" i="1">
+                            <a:latin typeface="Cambria Math" panose="02040503050406030204" pitchFamily="18" charset="0"/>
+                          </a:rPr>
+                          <m:t>𝑥</m:t>
+                        </m:r>
+                      </m:sup>
+                    </m:sSup>
+                    <m:r>
+                      <a:rPr lang="en-US" sz="3600" i="1">
+                        <a:latin typeface="Cambria Math" panose="02040503050406030204" pitchFamily="18" charset="0"/>
+                      </a:rPr>
+                      <m:t>=81</m:t>
+                    </m:r>
+                  </m:oMath>
+                </a14:m>
+                <a:r>
+                  <a:rPr lang="en-US" sz="3600" dirty="0"/>
+                  <a:t>	</a:t>
+                </a:r>
+                <a:endParaRPr lang="en-US" sz="3600" dirty="0" smtClean="0"/>
+              </a:p>
+              <a:p>
+                <a:pPr marL="0" indent="0">
+                  <a:buNone/>
+                </a:pPr>
+                <a:r>
+                  <a:rPr lang="en-US" sz="3600" dirty="0"/>
+                  <a:t>	 </a:t>
+                </a:r>
+              </a:p>
+              <a:p>
+                <a:pPr marL="0" indent="0">
+                  <a:buNone/>
+                </a:pPr>
+                <a:r>
+                  <a:rPr lang="en-US" sz="3600" dirty="0" smtClean="0"/>
+                  <a:t>2.) ln x–ln 2 = </a:t>
+                </a:r>
+                <a:r>
+                  <a:rPr lang="en-US" sz="3600" dirty="0"/>
+                  <a:t>0	</a:t>
+                </a:r>
+                <a:endParaRPr lang="en-US" sz="3600" dirty="0" smtClean="0"/>
+              </a:p>
+              <a:p>
+                <a:pPr marL="0" indent="0">
+                  <a:buNone/>
+                </a:pPr>
+                <a:r>
+                  <a:rPr lang="en-US" sz="3600" dirty="0"/>
+                  <a:t> </a:t>
+                </a:r>
+              </a:p>
+              <a:p>
+                <a:pPr marL="0" indent="0">
+                  <a:buNone/>
+                </a:pPr>
+                <a14:m>
+                  <m:oMath xmlns:m="http://schemas.openxmlformats.org/officeDocument/2006/math">
+                    <m:sSup>
+                      <m:sSupPr>
+                        <m:ctrlPr>
+                          <a:rPr lang="en-US" sz="3600" i="1">
+                            <a:latin typeface="Cambria Math" panose="02040503050406030204" pitchFamily="18" charset="0"/>
+                          </a:rPr>
+                        </m:ctrlPr>
+                      </m:sSupPr>
+                      <m:e>
+                        <m:r>
+                          <a:rPr lang="en-US" sz="3600" b="0" i="1" smtClean="0">
+                            <a:latin typeface="Cambria Math" panose="02040503050406030204" pitchFamily="18" charset="0"/>
+                          </a:rPr>
+                          <m:t>3.) </m:t>
+                        </m:r>
+                        <m:r>
+                          <a:rPr lang="en-US" sz="3600" i="1">
+                            <a:latin typeface="Cambria Math" panose="02040503050406030204" pitchFamily="18" charset="0"/>
+                          </a:rPr>
+                          <m:t>2</m:t>
+                        </m:r>
+                      </m:e>
+                      <m:sup>
+                        <m:r>
+                          <a:rPr lang="en-US" sz="3600" i="1">
+                            <a:latin typeface="Cambria Math" panose="02040503050406030204" pitchFamily="18" charset="0"/>
+                          </a:rPr>
+                          <m:t>𝑥</m:t>
+                        </m:r>
+                      </m:sup>
+                    </m:sSup>
+                    <m:r>
+                      <a:rPr lang="en-US" sz="3600" i="1">
+                        <a:latin typeface="Cambria Math" panose="02040503050406030204" pitchFamily="18" charset="0"/>
+                      </a:rPr>
+                      <m:t>=8</m:t>
+                    </m:r>
+                  </m:oMath>
+                </a14:m>
+                <a:r>
+                  <a:rPr lang="en-US" sz="3600" dirty="0"/>
+                  <a:t>	</a:t>
+                </a:r>
+              </a:p>
+              <a:p>
+                <a:pPr marL="0" indent="0">
+                  <a:buNone/>
+                </a:pPr>
+                <a:r>
+                  <a:rPr lang="en-US" sz="3600" b="1" dirty="0"/>
+                  <a:t> </a:t>
+                </a:r>
+                <a:endParaRPr lang="en-US" sz="3600" dirty="0"/>
+              </a:p>
+              <a:p>
+                <a:pPr marL="0" indent="0">
+                  <a:buNone/>
+                </a:pPr>
+                <a14:m>
+                  <m:oMath xmlns:m="http://schemas.openxmlformats.org/officeDocument/2006/math">
+                    <m:func>
+                      <m:funcPr>
+                        <m:ctrlPr>
+                          <a:rPr lang="en-US" sz="3600" i="1">
+                            <a:latin typeface="Cambria Math" panose="02040503050406030204" pitchFamily="18" charset="0"/>
+                          </a:rPr>
+                        </m:ctrlPr>
+                      </m:funcPr>
+                      <m:fName>
+                        <m:sSub>
+                          <m:sSubPr>
+                            <m:ctrlPr>
+                              <a:rPr lang="en-US" sz="3600" i="1">
+                                <a:latin typeface="Cambria Math" panose="02040503050406030204" pitchFamily="18" charset="0"/>
+                              </a:rPr>
+                            </m:ctrlPr>
+                          </m:sSubPr>
+                          <m:e>
+                            <m:r>
+                              <a:rPr lang="en-US" sz="3600" b="0" i="0" smtClean="0">
+                                <a:latin typeface="Cambria Math" panose="02040503050406030204" pitchFamily="18" charset="0"/>
+                              </a:rPr>
+                              <m:t>4.) </m:t>
+                            </m:r>
+                            <m:r>
+                              <m:rPr>
+                                <m:sty m:val="p"/>
+                              </m:rPr>
+                              <a:rPr lang="en-US" sz="3600">
+                                <a:latin typeface="Cambria Math" panose="02040503050406030204" pitchFamily="18" charset="0"/>
+                              </a:rPr>
+                              <m:t>log</m:t>
+                            </m:r>
+                          </m:e>
+                          <m:sub>
+                            <m:r>
+                              <a:rPr lang="en-US" sz="3600" i="1">
+                                <a:latin typeface="Cambria Math" panose="02040503050406030204" pitchFamily="18" charset="0"/>
+                              </a:rPr>
+                              <m:t>6</m:t>
+                            </m:r>
+                          </m:sub>
+                        </m:sSub>
+                      </m:fName>
+                      <m:e>
+                        <m:r>
+                          <a:rPr lang="en-US" sz="3600" i="1">
+                            <a:latin typeface="Cambria Math" panose="02040503050406030204" pitchFamily="18" charset="0"/>
+                          </a:rPr>
+                          <m:t>2</m:t>
+                        </m:r>
+                        <m:r>
+                          <a:rPr lang="en-US" sz="3600" i="1">
+                            <a:latin typeface="Cambria Math" panose="02040503050406030204" pitchFamily="18" charset="0"/>
+                          </a:rPr>
+                          <m:t>𝑥</m:t>
+                        </m:r>
+                        <m:r>
+                          <a:rPr lang="en-US" sz="3600" i="1">
+                            <a:latin typeface="Cambria Math" panose="02040503050406030204" pitchFamily="18" charset="0"/>
+                          </a:rPr>
+                          <m:t>=4</m:t>
+                        </m:r>
+                      </m:e>
+                    </m:func>
+                  </m:oMath>
+                </a14:m>
+                <a:r>
+                  <a:rPr lang="en-US" sz="3600" dirty="0"/>
+                  <a:t>	</a:t>
+                </a:r>
+                <a:r>
+                  <a:rPr lang="en-US" sz="3400" dirty="0" smtClean="0"/>
+                  <a:t>	</a:t>
+                </a:r>
+                <a:endParaRPr lang="en-US" sz="3400" dirty="0"/>
+              </a:p>
+            </p:txBody>
+          </p:sp>
+        </mc:Choice>
+        <mc:Fallback xmlns="">
+          <p:sp>
+            <p:nvSpPr>
+              <p:cNvPr id="3" name="Content Placeholder 2"/>
+              <p:cNvSpPr>
+                <a:spLocks noGrp="1" noRot="1" noChangeAspect="1" noMove="1" noResize="1" noEditPoints="1" noAdjustHandles="1" noChangeArrowheads="1" noChangeShapeType="1" noTextEdit="1"/>
+              </p:cNvSpPr>
+              <p:nvPr>
+                <p:ph idx="1"/>
+              </p:nvPr>
+            </p:nvSpPr>
+            <p:spPr>
+              <a:xfrm>
+                <a:off x="1371599" y="1469037"/>
+                <a:ext cx="10658819" cy="5231566"/>
+              </a:xfrm>
+              <a:blipFill rotWithShape="0">
+                <a:blip r:embed="rId2"/>
+                <a:stretch>
+                  <a:fillRect l="-1716"/>
+                </a:stretch>
+              </a:blipFill>
+            </p:spPr>
+            <p:txBody>
+              <a:bodyPr/>
+              <a:lstStyle/>
+              <a:p>
+                <a:r>
+                  <a:rPr lang="en-US">
+                    <a:noFill/>
+                  </a:rPr>
+                  <a:t> </a:t>
+                </a:r>
+              </a:p>
+            </p:txBody>
+          </p:sp>
+        </mc:Fallback>
+      </mc:AlternateContent>
+    </p:spTree>
+    <p:extLst>
+      <p:ext uri="{BB962C8B-B14F-4D97-AF65-F5344CB8AC3E}">
+        <p14:creationId xmlns:p14="http://schemas.microsoft.com/office/powerpoint/2010/main" val="568872886"/>
+      </p:ext>
+    </p:extLst>
+  </p:cSld>
+  <p:clrMapOvr>
+    <a:masterClrMapping/>
+  </p:clrMapOvr>
+</p:sld>
+</file>
+
+<file path=ppt/slides/slide7.xml><?xml version="1.0" encoding="utf-8"?>
+<p:sld xmlns:a="http://schemas.openxmlformats.org/drawingml/2006/main" xmlns:r="http://schemas.openxmlformats.org/officeDocument/2006/relationships" xmlns:p="http://schemas.openxmlformats.org/presentationml/2006/main">
+  <p:cSld>
+    <p:spTree>
+      <p:nvGrpSpPr>
+        <p:cNvPr id="1" name=""/>
+        <p:cNvGrpSpPr/>
+        <p:nvPr/>
+      </p:nvGrpSpPr>
+      <p:grpSpPr>
+        <a:xfrm>
+          <a:off x="0" y="0"/>
+          <a:ext cx="0" cy="0"/>
+          <a:chOff x="0" y="0"/>
+          <a:chExt cx="0" cy="0"/>
+        </a:xfrm>
+      </p:grpSpPr>
+      <p:sp>
+        <p:nvSpPr>
+          <p:cNvPr id="2" name="Title 1"/>
+          <p:cNvSpPr>
+            <a:spLocks noGrp="1"/>
+          </p:cNvSpPr>
+          <p:nvPr>
+            <p:ph type="title"/>
+          </p:nvPr>
+        </p:nvSpPr>
+        <p:spPr/>
+        <p:txBody>
+          <a:bodyPr/>
+          <a:lstStyle/>
+          <a:p>
+            <a:r>
+              <a:rPr lang="en-US" dirty="0" smtClean="0"/>
+              <a:t>Examples</a:t>
+            </a:r>
+            <a:endParaRPr lang="en-US" dirty="0"/>
+          </a:p>
+        </p:txBody>
+      </p:sp>
+      <mc:AlternateContent xmlns:mc="http://schemas.openxmlformats.org/markup-compatibility/2006" xmlns:a14="http://schemas.microsoft.com/office/drawing/2010/main">
+        <mc:Choice Requires="a14">
+          <p:sp>
+            <p:nvSpPr>
+              <p:cNvPr id="3" name="Content Placeholder 2"/>
+              <p:cNvSpPr>
+                <a:spLocks noGrp="1"/>
+              </p:cNvSpPr>
+              <p:nvPr>
+                <p:ph idx="1"/>
+              </p:nvPr>
+            </p:nvSpPr>
+            <p:spPr>
+              <a:xfrm>
+                <a:off x="760165" y="1469037"/>
+                <a:ext cx="11270254" cy="5231566"/>
+              </a:xfrm>
+            </p:spPr>
+            <p:txBody>
+              <a:bodyPr>
+                <a:normAutofit fontScale="92500"/>
+              </a:bodyPr>
+              <a:lstStyle/>
+              <a:p>
+                <a:pPr marL="0" indent="0">
+                  <a:buNone/>
+                </a:pPr>
+                <a14:m>
+                  <m:oMath xmlns:m="http://schemas.openxmlformats.org/officeDocument/2006/math">
+                    <m:sSup>
+                      <m:sSupPr>
+                        <m:ctrlPr>
+                          <a:rPr lang="en-US" sz="3600" i="1" smtClean="0">
+                            <a:latin typeface="Cambria Math" panose="02040503050406030204" pitchFamily="18" charset="0"/>
+                          </a:rPr>
+                        </m:ctrlPr>
+                      </m:sSupPr>
+                      <m:e>
+                        <m:r>
+                          <a:rPr lang="en-US" sz="3600" b="0" i="1" smtClean="0">
+                            <a:latin typeface="Cambria Math" panose="02040503050406030204" pitchFamily="18" charset="0"/>
+                          </a:rPr>
+                          <m:t>1.) </m:t>
+                        </m:r>
+                        <m:r>
+                          <a:rPr lang="en-US" sz="3600" i="1">
+                            <a:latin typeface="Cambria Math" panose="02040503050406030204" pitchFamily="18" charset="0"/>
+                          </a:rPr>
+                          <m:t>3</m:t>
+                        </m:r>
+                      </m:e>
+                      <m:sup>
+                        <m:r>
+                          <a:rPr lang="en-US" sz="3600" i="1">
+                            <a:latin typeface="Cambria Math" panose="02040503050406030204" pitchFamily="18" charset="0"/>
+                          </a:rPr>
+                          <m:t>𝑥</m:t>
+                        </m:r>
+                      </m:sup>
+                    </m:sSup>
+                    <m:r>
+                      <a:rPr lang="en-US" sz="3600" i="1">
+                        <a:latin typeface="Cambria Math" panose="02040503050406030204" pitchFamily="18" charset="0"/>
+                      </a:rPr>
+                      <m:t>=81</m:t>
+                    </m:r>
+                  </m:oMath>
+                </a14:m>
+                <a:r>
+                  <a:rPr lang="en-US" sz="3600" dirty="0"/>
+                  <a:t>		</a:t>
+                </a:r>
+                <a14:m>
+                  <m:oMath xmlns:m="http://schemas.openxmlformats.org/officeDocument/2006/math">
+                    <m:sSup>
+                      <m:sSupPr>
+                        <m:ctrlPr>
+                          <a:rPr lang="en-US" sz="3600" i="1">
+                            <a:latin typeface="Cambria Math" panose="02040503050406030204" pitchFamily="18" charset="0"/>
+                          </a:rPr>
+                        </m:ctrlPr>
+                      </m:sSupPr>
+                      <m:e>
+                        <m:r>
+                          <a:rPr lang="en-US" sz="3600" i="1">
+                            <a:latin typeface="Cambria Math" panose="02040503050406030204" pitchFamily="18" charset="0"/>
+                          </a:rPr>
+                          <m:t>3</m:t>
+                        </m:r>
+                      </m:e>
+                      <m:sup>
+                        <m:r>
+                          <a:rPr lang="en-US" sz="3600" i="1">
+                            <a:latin typeface="Cambria Math" panose="02040503050406030204" pitchFamily="18" charset="0"/>
+                          </a:rPr>
+                          <m:t>𝑥</m:t>
+                        </m:r>
+                      </m:sup>
+                    </m:sSup>
+                    <m:r>
+                      <a:rPr lang="en-US" sz="3600" i="1">
+                        <a:latin typeface="Cambria Math" panose="02040503050406030204" pitchFamily="18" charset="0"/>
+                      </a:rPr>
+                      <m:t>=</m:t>
+                    </m:r>
+                    <m:sSup>
+                      <m:sSupPr>
+                        <m:ctrlPr>
+                          <a:rPr lang="en-US" sz="3600" i="1">
+                            <a:latin typeface="Cambria Math" panose="02040503050406030204" pitchFamily="18" charset="0"/>
+                          </a:rPr>
+                        </m:ctrlPr>
+                      </m:sSupPr>
+                      <m:e>
+                        <m:r>
+                          <a:rPr lang="en-US" sz="3600" i="1">
+                            <a:latin typeface="Cambria Math" panose="02040503050406030204" pitchFamily="18" charset="0"/>
+                          </a:rPr>
+                          <m:t>3</m:t>
+                        </m:r>
+                      </m:e>
+                      <m:sup>
+                        <m:r>
+                          <a:rPr lang="en-US" sz="3600" i="1">
+                            <a:latin typeface="Cambria Math" panose="02040503050406030204" pitchFamily="18" charset="0"/>
+                          </a:rPr>
+                          <m:t>4</m:t>
+                        </m:r>
+                      </m:sup>
+                    </m:sSup>
+                  </m:oMath>
+                </a14:m>
+                <a:r>
+                  <a:rPr lang="en-US" sz="3600" dirty="0"/>
+                  <a:t>		</a:t>
+                </a:r>
+                <a:r>
+                  <a:rPr lang="en-US" sz="3600" dirty="0" smtClean="0"/>
+                  <a:t>	x </a:t>
+                </a:r>
+                <a:r>
+                  <a:rPr lang="en-US" sz="3600" dirty="0"/>
+                  <a:t>= 4	 </a:t>
+                </a:r>
+                <a:r>
+                  <a:rPr lang="en-US" sz="3600" dirty="0" smtClean="0"/>
+                  <a:t>       One </a:t>
+                </a:r>
+                <a:r>
+                  <a:rPr lang="en-US" sz="3600" dirty="0"/>
+                  <a:t>to One</a:t>
+                </a:r>
+              </a:p>
+              <a:p>
+                <a:pPr marL="0" indent="0">
+                  <a:buNone/>
+                </a:pPr>
+                <a:r>
+                  <a:rPr lang="en-US" sz="3600" dirty="0"/>
+                  <a:t> </a:t>
+                </a:r>
+              </a:p>
+              <a:p>
+                <a:pPr marL="0" indent="0">
+                  <a:buNone/>
+                </a:pPr>
+                <a:r>
+                  <a:rPr lang="en-US" sz="3600" dirty="0" smtClean="0"/>
+                  <a:t>2.) ln x–ln 2 = </a:t>
+                </a:r>
+                <a:r>
+                  <a:rPr lang="en-US" sz="3600" dirty="0"/>
+                  <a:t>0	ln x = ln 2		</a:t>
+                </a:r>
+                <a:r>
+                  <a:rPr lang="en-US" sz="3600" dirty="0" smtClean="0"/>
+                  <a:t>	x </a:t>
+                </a:r>
+                <a:r>
+                  <a:rPr lang="en-US" sz="3600" dirty="0"/>
+                  <a:t>= 2	</a:t>
+                </a:r>
+                <a:r>
+                  <a:rPr lang="en-US" sz="3600" dirty="0" smtClean="0"/>
+                  <a:t>        One </a:t>
+                </a:r>
+                <a:r>
+                  <a:rPr lang="en-US" sz="3600" dirty="0"/>
+                  <a:t>to One</a:t>
+                </a:r>
+              </a:p>
+              <a:p>
+                <a:pPr marL="0" indent="0">
+                  <a:buNone/>
+                </a:pPr>
+                <a:r>
+                  <a:rPr lang="en-US" sz="3600" dirty="0"/>
+                  <a:t> </a:t>
+                </a:r>
+              </a:p>
+              <a:p>
+                <a:pPr marL="0" indent="0">
+                  <a:buNone/>
+                </a:pPr>
+                <a14:m>
+                  <m:oMath xmlns:m="http://schemas.openxmlformats.org/officeDocument/2006/math">
+                    <m:sSup>
+                      <m:sSupPr>
+                        <m:ctrlPr>
+                          <a:rPr lang="en-US" sz="3600" i="1">
+                            <a:latin typeface="Cambria Math" panose="02040503050406030204" pitchFamily="18" charset="0"/>
+                          </a:rPr>
+                        </m:ctrlPr>
+                      </m:sSupPr>
+                      <m:e>
+                        <m:r>
+                          <a:rPr lang="en-US" sz="3600" b="0" i="1" smtClean="0">
+                            <a:latin typeface="Cambria Math" panose="02040503050406030204" pitchFamily="18" charset="0"/>
+                          </a:rPr>
+                          <m:t>3.) </m:t>
+                        </m:r>
+                        <m:r>
+                          <a:rPr lang="en-US" sz="3600" i="1">
+                            <a:latin typeface="Cambria Math" panose="02040503050406030204" pitchFamily="18" charset="0"/>
+                          </a:rPr>
+                          <m:t>2</m:t>
+                        </m:r>
+                      </m:e>
+                      <m:sup>
+                        <m:r>
+                          <a:rPr lang="en-US" sz="3600" i="1">
+                            <a:latin typeface="Cambria Math" panose="02040503050406030204" pitchFamily="18" charset="0"/>
+                          </a:rPr>
+                          <m:t>𝑥</m:t>
+                        </m:r>
+                      </m:sup>
+                    </m:sSup>
+                    <m:r>
+                      <a:rPr lang="en-US" sz="3600" i="1">
+                        <a:latin typeface="Cambria Math" panose="02040503050406030204" pitchFamily="18" charset="0"/>
+                      </a:rPr>
+                      <m:t>=8</m:t>
+                    </m:r>
+                  </m:oMath>
+                </a14:m>
+                <a:r>
+                  <a:rPr lang="en-US" sz="3600" dirty="0"/>
+                  <a:t>	</a:t>
+                </a:r>
+                <a:r>
+                  <a:rPr lang="en-US" sz="3600" dirty="0" smtClean="0"/>
+                  <a:t>	</a:t>
+                </a:r>
+                <a14:m>
+                  <m:oMath xmlns:m="http://schemas.openxmlformats.org/officeDocument/2006/math">
+                    <m:func>
+                      <m:funcPr>
+                        <m:ctrlPr>
+                          <a:rPr lang="en-US" sz="3600" i="1">
+                            <a:latin typeface="Cambria Math" panose="02040503050406030204" pitchFamily="18" charset="0"/>
+                          </a:rPr>
+                        </m:ctrlPr>
+                      </m:funcPr>
+                      <m:fName>
+                        <m:sSub>
+                          <m:sSubPr>
+                            <m:ctrlPr>
+                              <a:rPr lang="en-US" sz="3600" i="1">
+                                <a:latin typeface="Cambria Math" panose="02040503050406030204" pitchFamily="18" charset="0"/>
+                              </a:rPr>
+                            </m:ctrlPr>
+                          </m:sSubPr>
+                          <m:e>
+                            <m:r>
+                              <m:rPr>
+                                <m:sty m:val="p"/>
+                              </m:rPr>
+                              <a:rPr lang="en-US" sz="3600">
+                                <a:latin typeface="Cambria Math" panose="02040503050406030204" pitchFamily="18" charset="0"/>
+                              </a:rPr>
+                              <m:t>log</m:t>
+                            </m:r>
+                          </m:e>
+                          <m:sub>
+                            <m:r>
+                              <a:rPr lang="en-US" sz="3600" i="1">
+                                <a:latin typeface="Cambria Math" panose="02040503050406030204" pitchFamily="18" charset="0"/>
+                              </a:rPr>
+                              <m:t>2</m:t>
+                            </m:r>
+                          </m:sub>
+                        </m:sSub>
+                      </m:fName>
+                      <m:e>
+                        <m:sSup>
+                          <m:sSupPr>
+                            <m:ctrlPr>
+                              <a:rPr lang="en-US" sz="3600" i="1">
+                                <a:latin typeface="Cambria Math" panose="02040503050406030204" pitchFamily="18" charset="0"/>
+                              </a:rPr>
+                            </m:ctrlPr>
+                          </m:sSupPr>
+                          <m:e>
+                            <m:r>
+                              <a:rPr lang="en-US" sz="3600" i="1">
+                                <a:latin typeface="Cambria Math" panose="02040503050406030204" pitchFamily="18" charset="0"/>
+                              </a:rPr>
+                              <m:t>2</m:t>
+                            </m:r>
+                          </m:e>
+                          <m:sup>
+                            <m:r>
+                              <a:rPr lang="en-US" sz="3600" i="1">
+                                <a:latin typeface="Cambria Math" panose="02040503050406030204" pitchFamily="18" charset="0"/>
+                              </a:rPr>
+                              <m:t>𝑥</m:t>
+                            </m:r>
+                          </m:sup>
+                        </m:sSup>
+                        <m:r>
+                          <a:rPr lang="en-US" sz="3600" i="1">
+                            <a:latin typeface="Cambria Math" panose="02040503050406030204" pitchFamily="18" charset="0"/>
+                          </a:rPr>
+                          <m:t>=</m:t>
+                        </m:r>
+                        <m:func>
+                          <m:funcPr>
+                            <m:ctrlPr>
+                              <a:rPr lang="en-US" sz="3600" i="1">
+                                <a:latin typeface="Cambria Math" panose="02040503050406030204" pitchFamily="18" charset="0"/>
+                              </a:rPr>
+                            </m:ctrlPr>
+                          </m:funcPr>
+                          <m:fName>
+                            <m:sSub>
+                              <m:sSubPr>
+                                <m:ctrlPr>
+                                  <a:rPr lang="en-US" sz="3600" i="1">
+                                    <a:latin typeface="Cambria Math" panose="02040503050406030204" pitchFamily="18" charset="0"/>
+                                  </a:rPr>
+                                </m:ctrlPr>
+                              </m:sSubPr>
+                              <m:e>
+                                <m:r>
+                                  <m:rPr>
+                                    <m:sty m:val="p"/>
+                                  </m:rPr>
+                                  <a:rPr lang="en-US" sz="3600">
+                                    <a:latin typeface="Cambria Math" panose="02040503050406030204" pitchFamily="18" charset="0"/>
+                                  </a:rPr>
+                                  <m:t>log</m:t>
+                                </m:r>
+                              </m:e>
+                              <m:sub>
+                                <m:r>
+                                  <a:rPr lang="en-US" sz="3600" i="1">
+                                    <a:latin typeface="Cambria Math" panose="02040503050406030204" pitchFamily="18" charset="0"/>
+                                  </a:rPr>
+                                  <m:t>2</m:t>
+                                </m:r>
+                              </m:sub>
+                            </m:sSub>
+                          </m:fName>
+                          <m:e>
+                            <m:r>
+                              <a:rPr lang="en-US" sz="3600" i="1">
+                                <a:latin typeface="Cambria Math" panose="02040503050406030204" pitchFamily="18" charset="0"/>
+                              </a:rPr>
+                              <m:t>8</m:t>
+                            </m:r>
+                          </m:e>
+                        </m:func>
+                      </m:e>
+                    </m:func>
+                  </m:oMath>
+                </a14:m>
+                <a:r>
+                  <a:rPr lang="en-US" sz="3600" dirty="0"/>
+                  <a:t>	</a:t>
+                </a:r>
+                <a:r>
+                  <a:rPr lang="en-US" sz="3600" dirty="0" smtClean="0"/>
+                  <a:t>        x </a:t>
+                </a:r>
+                <a:r>
+                  <a:rPr lang="en-US" sz="3600" dirty="0"/>
+                  <a:t>= 3	</a:t>
+                </a:r>
+                <a:r>
+                  <a:rPr lang="en-US" sz="3600" dirty="0" smtClean="0"/>
+                  <a:t>      Inverse</a:t>
+                </a:r>
+                <a:endParaRPr lang="en-US" sz="3600" dirty="0"/>
+              </a:p>
+              <a:p>
+                <a:pPr marL="0" indent="0">
+                  <a:buNone/>
+                </a:pPr>
+                <a:r>
+                  <a:rPr lang="en-US" sz="3600" b="1" dirty="0"/>
+                  <a:t> </a:t>
+                </a:r>
+                <a:endParaRPr lang="en-US" sz="3600" dirty="0"/>
+              </a:p>
+              <a:p>
+                <a:pPr marL="0" indent="0">
+                  <a:buNone/>
+                </a:pPr>
+                <a:r>
+                  <a:rPr lang="en-US" sz="3600" dirty="0" smtClean="0"/>
+                  <a:t>4.) </a:t>
+                </a:r>
+                <a14:m>
+                  <m:oMath xmlns:m="http://schemas.openxmlformats.org/officeDocument/2006/math">
+                    <m:func>
+                      <m:funcPr>
+                        <m:ctrlPr>
+                          <a:rPr lang="en-US" sz="3600" i="1">
+                            <a:latin typeface="Cambria Math" panose="02040503050406030204" pitchFamily="18" charset="0"/>
+                          </a:rPr>
+                        </m:ctrlPr>
+                      </m:funcPr>
+                      <m:fName>
+                        <m:sSub>
+                          <m:sSubPr>
+                            <m:ctrlPr>
+                              <a:rPr lang="en-US" sz="3600" i="1">
+                                <a:latin typeface="Cambria Math" panose="02040503050406030204" pitchFamily="18" charset="0"/>
+                              </a:rPr>
+                            </m:ctrlPr>
+                          </m:sSubPr>
+                          <m:e>
+                            <m:r>
+                              <m:rPr>
+                                <m:sty m:val="p"/>
+                              </m:rPr>
+                              <a:rPr lang="en-US" sz="3600">
+                                <a:latin typeface="Cambria Math" panose="02040503050406030204" pitchFamily="18" charset="0"/>
+                              </a:rPr>
+                              <m:t>log</m:t>
+                            </m:r>
+                          </m:e>
+                          <m:sub>
+                            <m:r>
+                              <a:rPr lang="en-US" sz="3600" i="1">
+                                <a:latin typeface="Cambria Math" panose="02040503050406030204" pitchFamily="18" charset="0"/>
+                              </a:rPr>
+                              <m:t>6</m:t>
+                            </m:r>
+                          </m:sub>
+                        </m:sSub>
+                      </m:fName>
+                      <m:e>
+                        <m:r>
+                          <a:rPr lang="en-US" sz="3600" i="1">
+                            <a:latin typeface="Cambria Math" panose="02040503050406030204" pitchFamily="18" charset="0"/>
+                          </a:rPr>
+                          <m:t>2</m:t>
+                        </m:r>
+                        <m:r>
+                          <a:rPr lang="en-US" sz="3600" i="1">
+                            <a:latin typeface="Cambria Math" panose="02040503050406030204" pitchFamily="18" charset="0"/>
+                          </a:rPr>
+                          <m:t>𝑥</m:t>
+                        </m:r>
+                        <m:r>
+                          <a:rPr lang="en-US" sz="3600" i="1">
+                            <a:latin typeface="Cambria Math" panose="02040503050406030204" pitchFamily="18" charset="0"/>
+                          </a:rPr>
+                          <m:t>=4</m:t>
+                        </m:r>
+                      </m:e>
+                    </m:func>
+                  </m:oMath>
+                </a14:m>
+                <a:r>
+                  <a:rPr lang="en-US" sz="3600" dirty="0" smtClean="0"/>
+                  <a:t>	</a:t>
+                </a:r>
+                <a:r>
+                  <a:rPr lang="en-US" sz="3600" dirty="0"/>
+                  <a:t>	</a:t>
+                </a:r>
+                <a14:m>
+                  <m:oMath xmlns:m="http://schemas.openxmlformats.org/officeDocument/2006/math">
+                    <m:sSup>
+                      <m:sSupPr>
+                        <m:ctrlPr>
+                          <a:rPr lang="en-US" sz="3600" i="1">
+                            <a:latin typeface="Cambria Math" panose="02040503050406030204" pitchFamily="18" charset="0"/>
+                          </a:rPr>
+                        </m:ctrlPr>
+                      </m:sSupPr>
+                      <m:e>
+                        <m:r>
+                          <a:rPr lang="en-US" sz="3600" i="1">
+                            <a:latin typeface="Cambria Math" panose="02040503050406030204" pitchFamily="18" charset="0"/>
+                          </a:rPr>
+                          <m:t>6</m:t>
+                        </m:r>
+                      </m:e>
+                      <m:sup>
+                        <m:sSub>
+                          <m:sSubPr>
+                            <m:ctrlPr>
+                              <a:rPr lang="en-US" sz="3600" i="1">
+                                <a:latin typeface="Cambria Math" panose="02040503050406030204" pitchFamily="18" charset="0"/>
+                              </a:rPr>
+                            </m:ctrlPr>
+                          </m:sSubPr>
+                          <m:e>
+                            <m:r>
+                              <m:rPr>
+                                <m:sty m:val="p"/>
+                              </m:rPr>
+                              <a:rPr lang="en-US" sz="3600">
+                                <a:latin typeface="Cambria Math" panose="02040503050406030204" pitchFamily="18" charset="0"/>
+                              </a:rPr>
+                              <m:t>log</m:t>
+                            </m:r>
+                          </m:e>
+                          <m:sub>
+                            <m:r>
+                              <a:rPr lang="en-US" sz="3600" i="1">
+                                <a:latin typeface="Cambria Math" panose="02040503050406030204" pitchFamily="18" charset="0"/>
+                              </a:rPr>
+                              <m:t>6</m:t>
+                            </m:r>
+                          </m:sub>
+                        </m:sSub>
+                        <m:r>
+                          <a:rPr lang="en-US" sz="3600" i="1">
+                            <a:latin typeface="Cambria Math" panose="02040503050406030204" pitchFamily="18" charset="0"/>
+                          </a:rPr>
+                          <m:t>2</m:t>
+                        </m:r>
+                        <m:r>
+                          <a:rPr lang="en-US" sz="3600" i="1">
+                            <a:latin typeface="Cambria Math" panose="02040503050406030204" pitchFamily="18" charset="0"/>
+                          </a:rPr>
+                          <m:t>𝑥</m:t>
+                        </m:r>
+                      </m:sup>
+                    </m:sSup>
+                    <m:r>
+                      <a:rPr lang="en-US" sz="3600" i="1">
+                        <a:latin typeface="Cambria Math" panose="02040503050406030204" pitchFamily="18" charset="0"/>
+                      </a:rPr>
+                      <m:t>=</m:t>
+                    </m:r>
+                    <m:sSup>
+                      <m:sSupPr>
+                        <m:ctrlPr>
+                          <a:rPr lang="en-US" sz="3600" i="1">
+                            <a:latin typeface="Cambria Math" panose="02040503050406030204" pitchFamily="18" charset="0"/>
+                          </a:rPr>
+                        </m:ctrlPr>
+                      </m:sSupPr>
+                      <m:e>
+                        <m:r>
+                          <a:rPr lang="en-US" sz="3600" i="1">
+                            <a:latin typeface="Cambria Math" panose="02040503050406030204" pitchFamily="18" charset="0"/>
+                          </a:rPr>
+                          <m:t>6</m:t>
+                        </m:r>
+                      </m:e>
+                      <m:sup>
+                        <m:r>
+                          <a:rPr lang="en-US" sz="3600" i="1">
+                            <a:latin typeface="Cambria Math" panose="02040503050406030204" pitchFamily="18" charset="0"/>
+                          </a:rPr>
+                          <m:t>4</m:t>
+                        </m:r>
+                      </m:sup>
+                    </m:sSup>
+                  </m:oMath>
+                </a14:m>
+                <a:r>
+                  <a:rPr lang="en-US" sz="3600" dirty="0"/>
+                  <a:t>	</a:t>
+                </a:r>
+                <a:r>
+                  <a:rPr lang="en-US" sz="3600" dirty="0" smtClean="0"/>
+                  <a:t>2x </a:t>
+                </a:r>
+                <a:r>
+                  <a:rPr lang="en-US" sz="3600" dirty="0"/>
+                  <a:t>= 4	x = 2	</a:t>
+                </a:r>
+                <a:r>
+                  <a:rPr lang="en-US" sz="3600" dirty="0" smtClean="0"/>
+                  <a:t>      Inverse</a:t>
+                </a:r>
+                <a:endParaRPr lang="en-US" sz="3600" dirty="0"/>
+              </a:p>
+              <a:p>
+                <a:pPr marL="0" indent="0">
+                  <a:buNone/>
+                </a:pPr>
+                <a:r>
+                  <a:rPr lang="en-US" sz="3400" dirty="0" smtClean="0"/>
+                  <a:t>	</a:t>
+                </a:r>
+                <a:endParaRPr lang="en-US" sz="3400" dirty="0"/>
+              </a:p>
+            </p:txBody>
+          </p:sp>
+        </mc:Choice>
+        <mc:Fallback xmlns="">
+          <p:sp>
+            <p:nvSpPr>
+              <p:cNvPr id="3" name="Content Placeholder 2"/>
+              <p:cNvSpPr>
+                <a:spLocks noGrp="1" noRot="1" noChangeAspect="1" noMove="1" noResize="1" noEditPoints="1" noAdjustHandles="1" noChangeArrowheads="1" noChangeShapeType="1" noTextEdit="1"/>
+              </p:cNvSpPr>
+              <p:nvPr>
+                <p:ph idx="1"/>
+              </p:nvPr>
+            </p:nvSpPr>
+            <p:spPr>
+              <a:xfrm>
+                <a:off x="760165" y="1469037"/>
+                <a:ext cx="11270254" cy="5231566"/>
+              </a:xfrm>
+              <a:blipFill rotWithShape="0">
+                <a:blip r:embed="rId2"/>
+                <a:stretch>
+                  <a:fillRect l="-1461" t="-1399" r="-1136"/>
+                </a:stretch>
+              </a:blipFill>
+            </p:spPr>
+            <p:txBody>
+              <a:bodyPr/>
+              <a:lstStyle/>
+              <a:p>
+                <a:r>
+                  <a:rPr lang="en-US">
+                    <a:noFill/>
+                  </a:rPr>
+                  <a:t> </a:t>
+                </a:r>
+              </a:p>
+            </p:txBody>
+          </p:sp>
+        </mc:Fallback>
+      </mc:AlternateContent>
+    </p:spTree>
+    <p:extLst>
+      <p:ext uri="{BB962C8B-B14F-4D97-AF65-F5344CB8AC3E}">
+        <p14:creationId xmlns:p14="http://schemas.microsoft.com/office/powerpoint/2010/main" val="2254277263"/>
+      </p:ext>
+    </p:extLst>
+  </p:cSld>
+  <p:clrMapOvr>
+    <a:masterClrMapping/>
+  </p:clrMapOvr>
+</p:sld>
+</file>
+
+<file path=ppt/slides/slide8.xml><?xml version="1.0" encoding="utf-8"?>
+<p:sld xmlns:a="http://schemas.openxmlformats.org/drawingml/2006/main" xmlns:r="http://schemas.openxmlformats.org/officeDocument/2006/relationships" xmlns:p="http://schemas.openxmlformats.org/presentationml/2006/main">
+  <p:cSld>
+    <p:spTree>
+      <p:nvGrpSpPr>
+        <p:cNvPr id="1" name=""/>
+        <p:cNvGrpSpPr/>
+        <p:nvPr/>
+      </p:nvGrpSpPr>
+      <p:grpSpPr>
+        <a:xfrm>
+          <a:off x="0" y="0"/>
+          <a:ext cx="0" cy="0"/>
+          <a:chOff x="0" y="0"/>
+          <a:chExt cx="0" cy="0"/>
+        </a:xfrm>
+      </p:grpSpPr>
+      <p:sp>
+        <p:nvSpPr>
+          <p:cNvPr id="2" name="Title 1"/>
+          <p:cNvSpPr>
+            <a:spLocks noGrp="1"/>
+          </p:cNvSpPr>
+          <p:nvPr>
+            <p:ph type="title"/>
+          </p:nvPr>
+        </p:nvSpPr>
+        <p:spPr>
+          <a:xfrm>
+            <a:off x="771181" y="674784"/>
+            <a:ext cx="9601200" cy="823511"/>
+          </a:xfrm>
+        </p:spPr>
+        <p:txBody>
+          <a:bodyPr/>
+          <a:lstStyle/>
+          <a:p>
+            <a:r>
+              <a:rPr lang="en-US" dirty="0" smtClean="0"/>
+              <a:t>Additional Examples</a:t>
+            </a:r>
+            <a:endParaRPr lang="en-US" dirty="0"/>
+          </a:p>
+        </p:txBody>
+      </p:sp>
+      <mc:AlternateContent xmlns:mc="http://schemas.openxmlformats.org/markup-compatibility/2006" xmlns:a14="http://schemas.microsoft.com/office/drawing/2010/main">
+        <mc:Choice Requires="a14">
+          <p:sp>
+            <p:nvSpPr>
+              <p:cNvPr id="3" name="Content Placeholder 2"/>
+              <p:cNvSpPr>
+                <a:spLocks noGrp="1"/>
+              </p:cNvSpPr>
+              <p:nvPr>
+                <p:ph idx="1"/>
+              </p:nvPr>
+            </p:nvSpPr>
+            <p:spPr>
+              <a:xfrm>
+                <a:off x="771181" y="1399142"/>
+                <a:ext cx="11215171" cy="4468258"/>
+              </a:xfrm>
+            </p:spPr>
+            <p:txBody>
+              <a:bodyPr>
+                <a:normAutofit fontScale="25000" lnSpcReduction="20000"/>
+              </a:bodyPr>
+              <a:lstStyle/>
+              <a:p>
+                <a:pPr marL="0" indent="0">
+                  <a:buNone/>
+                </a:pPr>
+                <a:endParaRPr lang="en-US" sz="12000" i="1" dirty="0" smtClean="0"/>
+              </a:p>
+              <a:p>
+                <a:pPr marL="0" indent="0">
+                  <a:buNone/>
+                </a:pPr>
+                <a:r>
+                  <a:rPr lang="en-US" sz="12000" dirty="0" smtClean="0"/>
+                  <a:t>1.) </a:t>
+                </a:r>
+                <a14:m>
+                  <m:oMath xmlns:m="http://schemas.openxmlformats.org/officeDocument/2006/math">
+                    <m:sSup>
+                      <m:sSupPr>
+                        <m:ctrlPr>
+                          <a:rPr lang="en-US" sz="12000" i="1">
+                            <a:latin typeface="Cambria Math" panose="02040503050406030204" pitchFamily="18" charset="0"/>
+                          </a:rPr>
+                        </m:ctrlPr>
+                      </m:sSupPr>
+                      <m:e>
+                        <m:r>
+                          <a:rPr lang="en-US" sz="12000" i="1">
+                            <a:latin typeface="Cambria Math" panose="02040503050406030204" pitchFamily="18" charset="0"/>
+                          </a:rPr>
+                          <m:t>8(2)</m:t>
+                        </m:r>
+                      </m:e>
+                      <m:sup>
+                        <m:r>
+                          <a:rPr lang="en-US" sz="12000" i="1">
+                            <a:latin typeface="Cambria Math" panose="02040503050406030204" pitchFamily="18" charset="0"/>
+                          </a:rPr>
+                          <m:t>𝑥</m:t>
+                        </m:r>
+                      </m:sup>
+                    </m:sSup>
+                    <m:r>
+                      <a:rPr lang="en-US" sz="12000" i="1">
+                        <a:latin typeface="Cambria Math" panose="02040503050406030204" pitchFamily="18" charset="0"/>
+                      </a:rPr>
+                      <m:t>−10=70</m:t>
+                    </m:r>
+                  </m:oMath>
+                </a14:m>
+                <a:r>
+                  <a:rPr lang="en-US" sz="12000" i="1" dirty="0"/>
+                  <a:t> </a:t>
+                </a:r>
+                <a:r>
+                  <a:rPr lang="en-US" sz="12000" i="1" dirty="0" smtClean="0"/>
+                  <a:t>		</a:t>
+                </a:r>
+                <a:r>
+                  <a:rPr lang="en-US" sz="12000" dirty="0" smtClean="0"/>
+                  <a:t>5.) </a:t>
+                </a:r>
+                <a14:m>
+                  <m:oMath xmlns:m="http://schemas.openxmlformats.org/officeDocument/2006/math">
+                    <m:sSup>
+                      <m:sSupPr>
+                        <m:ctrlPr>
+                          <a:rPr lang="en-US" sz="12000" i="1">
+                            <a:latin typeface="Cambria Math" panose="02040503050406030204" pitchFamily="18" charset="0"/>
+                          </a:rPr>
+                        </m:ctrlPr>
+                      </m:sSupPr>
+                      <m:e>
+                        <m:r>
+                          <a:rPr lang="en-US" sz="12000" i="1">
+                            <a:latin typeface="Cambria Math" panose="02040503050406030204" pitchFamily="18" charset="0"/>
+                          </a:rPr>
+                          <m:t>3</m:t>
+                        </m:r>
+                      </m:e>
+                      <m:sup>
+                        <m:r>
+                          <a:rPr lang="en-US" sz="12000" i="1">
+                            <a:latin typeface="Cambria Math" panose="02040503050406030204" pitchFamily="18" charset="0"/>
+                          </a:rPr>
+                          <m:t>5</m:t>
+                        </m:r>
+                        <m:r>
+                          <a:rPr lang="en-US" sz="12000" i="1">
+                            <a:latin typeface="Cambria Math" panose="02040503050406030204" pitchFamily="18" charset="0"/>
+                          </a:rPr>
+                          <m:t>𝑥</m:t>
+                        </m:r>
+                      </m:sup>
+                    </m:sSup>
+                    <m:r>
+                      <a:rPr lang="en-US" sz="12000" i="1">
+                        <a:latin typeface="Cambria Math" panose="02040503050406030204" pitchFamily="18" charset="0"/>
+                      </a:rPr>
+                      <m:t>=</m:t>
+                    </m:r>
+                    <m:sSup>
+                      <m:sSupPr>
+                        <m:ctrlPr>
+                          <a:rPr lang="en-US" sz="12000" i="1">
+                            <a:latin typeface="Cambria Math" panose="02040503050406030204" pitchFamily="18" charset="0"/>
+                          </a:rPr>
+                        </m:ctrlPr>
+                      </m:sSupPr>
+                      <m:e>
+                        <m:r>
+                          <a:rPr lang="en-US" sz="12000" i="1">
+                            <a:latin typeface="Cambria Math" panose="02040503050406030204" pitchFamily="18" charset="0"/>
+                          </a:rPr>
+                          <m:t>3</m:t>
+                        </m:r>
+                      </m:e>
+                      <m:sup>
+                        <m:r>
+                          <a:rPr lang="en-US" sz="12000" i="1">
+                            <a:latin typeface="Cambria Math" panose="02040503050406030204" pitchFamily="18" charset="0"/>
+                          </a:rPr>
+                          <m:t>3</m:t>
+                        </m:r>
+                        <m:r>
+                          <a:rPr lang="en-US" sz="12000" i="1">
+                            <a:latin typeface="Cambria Math" panose="02040503050406030204" pitchFamily="18" charset="0"/>
+                          </a:rPr>
+                          <m:t>𝑥</m:t>
+                        </m:r>
+                        <m:r>
+                          <a:rPr lang="en-US" sz="12000" i="1">
+                            <a:latin typeface="Cambria Math" panose="02040503050406030204" pitchFamily="18" charset="0"/>
+                          </a:rPr>
+                          <m:t>−8</m:t>
+                        </m:r>
+                      </m:sup>
+                    </m:sSup>
+                  </m:oMath>
+                </a14:m>
+                <a:endParaRPr lang="en-US" sz="12000" i="1" dirty="0" smtClean="0"/>
+              </a:p>
+              <a:p>
+                <a:pPr marL="0" indent="0">
+                  <a:buNone/>
+                </a:pPr>
+                <a:endParaRPr lang="en-US" sz="12000" i="1" dirty="0" smtClean="0"/>
+              </a:p>
+              <a:p>
+                <a:pPr marL="0" indent="0">
+                  <a:buNone/>
+                </a:pPr>
+                <a14:m>
+                  <m:oMath xmlns:m="http://schemas.openxmlformats.org/officeDocument/2006/math">
+                    <m:sSup>
+                      <m:sSupPr>
+                        <m:ctrlPr>
+                          <a:rPr lang="en-US" sz="12000" i="1">
+                            <a:latin typeface="Cambria Math" panose="02040503050406030204" pitchFamily="18" charset="0"/>
+                          </a:rPr>
+                        </m:ctrlPr>
+                      </m:sSupPr>
+                      <m:e>
+                        <m:r>
+                          <a:rPr lang="en-US" sz="12000" b="0" i="1" smtClean="0">
+                            <a:latin typeface="Cambria Math" panose="02040503050406030204" pitchFamily="18" charset="0"/>
+                          </a:rPr>
+                          <m:t>2.) </m:t>
+                        </m:r>
+                        <m:r>
+                          <a:rPr lang="en-US" sz="12000" i="1">
+                            <a:latin typeface="Cambria Math" panose="02040503050406030204" pitchFamily="18" charset="0"/>
+                          </a:rPr>
+                          <m:t>5(3)</m:t>
+                        </m:r>
+                      </m:e>
+                      <m:sup>
+                        <m:r>
+                          <a:rPr lang="en-US" sz="12000" i="1">
+                            <a:latin typeface="Cambria Math" panose="02040503050406030204" pitchFamily="18" charset="0"/>
+                          </a:rPr>
+                          <m:t>6</m:t>
+                        </m:r>
+                        <m:r>
+                          <a:rPr lang="en-US" sz="12000" i="1">
+                            <a:latin typeface="Cambria Math" panose="02040503050406030204" pitchFamily="18" charset="0"/>
+                          </a:rPr>
+                          <m:t>𝑥</m:t>
+                        </m:r>
+                        <m:r>
+                          <a:rPr lang="en-US" sz="12000" i="1">
+                            <a:latin typeface="Cambria Math" panose="02040503050406030204" pitchFamily="18" charset="0"/>
+                          </a:rPr>
+                          <m:t>−12</m:t>
+                        </m:r>
+                      </m:sup>
+                    </m:sSup>
+                    <m:r>
+                      <a:rPr lang="en-US" sz="12000" i="1">
+                        <a:latin typeface="Cambria Math" panose="02040503050406030204" pitchFamily="18" charset="0"/>
+                      </a:rPr>
+                      <m:t>+12=32</m:t>
+                    </m:r>
+                  </m:oMath>
+                </a14:m>
+                <a:r>
+                  <a:rPr lang="en-US" sz="12000" dirty="0"/>
+                  <a:t> </a:t>
+                </a:r>
+                <a14:m>
+                  <m:oMath xmlns:m="http://schemas.openxmlformats.org/officeDocument/2006/math">
+                    <m:r>
+                      <a:rPr lang="en-US" sz="12000" b="0" i="0" smtClean="0">
+                        <a:latin typeface="Cambria Math" panose="02040503050406030204" pitchFamily="18" charset="0"/>
+                      </a:rPr>
+                      <m:t>      </m:t>
+                    </m:r>
+                    <m:func>
+                      <m:funcPr>
+                        <m:ctrlPr>
+                          <a:rPr lang="en-US" sz="12000" i="1">
+                            <a:latin typeface="Cambria Math" panose="02040503050406030204" pitchFamily="18" charset="0"/>
+                          </a:rPr>
+                        </m:ctrlPr>
+                      </m:funcPr>
+                      <m:fName>
+                        <m:sSub>
+                          <m:sSubPr>
+                            <m:ctrlPr>
+                              <a:rPr lang="en-US" sz="12000" i="1">
+                                <a:latin typeface="Cambria Math" panose="02040503050406030204" pitchFamily="18" charset="0"/>
+                              </a:rPr>
+                            </m:ctrlPr>
+                          </m:sSubPr>
+                          <m:e>
+                            <m:r>
+                              <a:rPr lang="en-US" sz="12000" b="0" i="0" smtClean="0">
+                                <a:latin typeface="Cambria Math" panose="02040503050406030204" pitchFamily="18" charset="0"/>
+                              </a:rPr>
+                              <m:t>6.) </m:t>
+                            </m:r>
+                            <m:r>
+                              <m:rPr>
+                                <m:sty m:val="p"/>
+                              </m:rPr>
+                              <a:rPr lang="en-US" sz="12000">
+                                <a:latin typeface="Cambria Math" panose="02040503050406030204" pitchFamily="18" charset="0"/>
+                              </a:rPr>
+                              <m:t>log</m:t>
+                            </m:r>
+                          </m:e>
+                          <m:sub>
+                            <m:r>
+                              <a:rPr lang="en-US" sz="12000" i="1">
+                                <a:latin typeface="Cambria Math" panose="02040503050406030204" pitchFamily="18" charset="0"/>
+                              </a:rPr>
+                              <m:t>7</m:t>
+                            </m:r>
+                          </m:sub>
+                        </m:sSub>
+                      </m:fName>
+                      <m:e>
+                        <m:r>
+                          <a:rPr lang="en-US" sz="12000" i="1">
+                            <a:latin typeface="Cambria Math" panose="02040503050406030204" pitchFamily="18" charset="0"/>
+                          </a:rPr>
+                          <m:t>(4</m:t>
+                        </m:r>
+                        <m:r>
+                          <a:rPr lang="en-US" sz="12000" i="1">
+                            <a:latin typeface="Cambria Math" panose="02040503050406030204" pitchFamily="18" charset="0"/>
+                          </a:rPr>
+                          <m:t>𝑥</m:t>
+                        </m:r>
+                        <m:r>
+                          <a:rPr lang="en-US" sz="12000" i="1">
+                            <a:latin typeface="Cambria Math" panose="02040503050406030204" pitchFamily="18" charset="0"/>
+                          </a:rPr>
+                          <m:t>−7)=</m:t>
+                        </m:r>
+                        <m:func>
+                          <m:funcPr>
+                            <m:ctrlPr>
+                              <a:rPr lang="en-US" sz="12000" i="1">
+                                <a:latin typeface="Cambria Math" panose="02040503050406030204" pitchFamily="18" charset="0"/>
+                              </a:rPr>
+                            </m:ctrlPr>
+                          </m:funcPr>
+                          <m:fName>
+                            <m:sSub>
+                              <m:sSubPr>
+                                <m:ctrlPr>
+                                  <a:rPr lang="en-US" sz="12000" i="1">
+                                    <a:latin typeface="Cambria Math" panose="02040503050406030204" pitchFamily="18" charset="0"/>
+                                  </a:rPr>
+                                </m:ctrlPr>
+                              </m:sSubPr>
+                              <m:e>
+                                <m:r>
+                                  <m:rPr>
+                                    <m:sty m:val="p"/>
+                                  </m:rPr>
+                                  <a:rPr lang="en-US" sz="12000">
+                                    <a:latin typeface="Cambria Math" panose="02040503050406030204" pitchFamily="18" charset="0"/>
+                                  </a:rPr>
+                                  <m:t>log</m:t>
+                                </m:r>
+                              </m:e>
+                              <m:sub>
+                                <m:r>
+                                  <a:rPr lang="en-US" sz="12000" i="1">
+                                    <a:latin typeface="Cambria Math" panose="02040503050406030204" pitchFamily="18" charset="0"/>
+                                  </a:rPr>
+                                  <m:t>7</m:t>
+                                </m:r>
+                              </m:sub>
+                            </m:sSub>
+                          </m:fName>
+                          <m:e>
+                            <m:r>
+                              <a:rPr lang="en-US" sz="12000" i="1">
+                                <a:latin typeface="Cambria Math" panose="02040503050406030204" pitchFamily="18" charset="0"/>
+                              </a:rPr>
+                              <m:t>(</m:t>
+                            </m:r>
+                            <m:r>
+                              <a:rPr lang="en-US" sz="12000" i="1">
+                                <a:latin typeface="Cambria Math" panose="02040503050406030204" pitchFamily="18" charset="0"/>
+                              </a:rPr>
+                              <m:t>𝑥</m:t>
+                            </m:r>
+                            <m:r>
+                              <a:rPr lang="en-US" sz="12000" i="1">
+                                <a:latin typeface="Cambria Math" panose="02040503050406030204" pitchFamily="18" charset="0"/>
+                              </a:rPr>
+                              <m:t>+8)</m:t>
+                            </m:r>
+                          </m:e>
+                        </m:func>
+                      </m:e>
+                    </m:func>
+                  </m:oMath>
+                </a14:m>
+                <a:endParaRPr lang="en-US" sz="12000" dirty="0" smtClean="0"/>
+              </a:p>
+              <a:p>
+                <a:pPr marL="0" indent="0">
+                  <a:buNone/>
+                </a:pPr>
+                <a:r>
+                  <a:rPr lang="en-US" sz="12000" dirty="0"/>
+                  <a:t> </a:t>
+                </a:r>
+              </a:p>
+              <a:p>
+                <a:pPr marL="0" indent="0">
+                  <a:buNone/>
+                </a:pPr>
+                <a14:m>
+                  <m:oMath xmlns:m="http://schemas.openxmlformats.org/officeDocument/2006/math">
+                    <m:sSup>
+                      <m:sSupPr>
+                        <m:ctrlPr>
+                          <a:rPr lang="en-US" sz="12000" i="1">
+                            <a:latin typeface="Cambria Math" panose="02040503050406030204" pitchFamily="18" charset="0"/>
+                          </a:rPr>
+                        </m:ctrlPr>
+                      </m:sSupPr>
+                      <m:e>
+                        <m:r>
+                          <a:rPr lang="en-US" sz="12000" b="0" i="1" smtClean="0">
+                            <a:latin typeface="Cambria Math" panose="02040503050406030204" pitchFamily="18" charset="0"/>
+                          </a:rPr>
+                          <m:t>3.) </m:t>
+                        </m:r>
+                        <m:r>
+                          <a:rPr lang="en-US" sz="12000" i="1">
+                            <a:latin typeface="Cambria Math" panose="02040503050406030204" pitchFamily="18" charset="0"/>
+                          </a:rPr>
+                          <m:t>4</m:t>
+                        </m:r>
+                        <m:r>
+                          <a:rPr lang="en-US" sz="12000" i="1">
+                            <a:latin typeface="Cambria Math" panose="02040503050406030204" pitchFamily="18" charset="0"/>
+                          </a:rPr>
+                          <m:t>𝑒</m:t>
+                        </m:r>
+                      </m:e>
+                      <m:sup>
+                        <m:r>
+                          <a:rPr lang="en-US" sz="12000" i="1">
+                            <a:latin typeface="Cambria Math" panose="02040503050406030204" pitchFamily="18" charset="0"/>
+                          </a:rPr>
+                          <m:t>𝑥</m:t>
+                        </m:r>
+                        <m:r>
+                          <a:rPr lang="en-US" sz="12000" i="1">
+                            <a:latin typeface="Cambria Math" panose="02040503050406030204" pitchFamily="18" charset="0"/>
+                          </a:rPr>
+                          <m:t>+1</m:t>
+                        </m:r>
+                      </m:sup>
+                    </m:sSup>
+                    <m:r>
+                      <a:rPr lang="en-US" sz="12000" i="1">
+                        <a:latin typeface="Cambria Math" panose="02040503050406030204" pitchFamily="18" charset="0"/>
+                      </a:rPr>
+                      <m:t>=12</m:t>
+                    </m:r>
+                  </m:oMath>
+                </a14:m>
+                <a:r>
+                  <a:rPr lang="en-US" sz="12000" dirty="0" smtClean="0"/>
+                  <a:t>			7.)  ln </a:t>
+                </a:r>
+                <a:r>
+                  <a:rPr lang="en-US" sz="12000" dirty="0"/>
+                  <a:t>(6x – 1) = 3</a:t>
+                </a:r>
+              </a:p>
+              <a:p>
+                <a:pPr marL="0" indent="0">
+                  <a:buNone/>
+                </a:pPr>
+                <a:r>
+                  <a:rPr lang="en-US" sz="12000" dirty="0"/>
+                  <a:t> </a:t>
+                </a:r>
+              </a:p>
+              <a:p>
+                <a:pPr marL="0" indent="0">
+                  <a:buNone/>
+                </a:pPr>
+                <a14:m>
+                  <m:oMath xmlns:m="http://schemas.openxmlformats.org/officeDocument/2006/math">
+                    <m:func>
+                      <m:funcPr>
+                        <m:ctrlPr>
+                          <a:rPr lang="en-US" sz="12000" i="1">
+                            <a:latin typeface="Cambria Math" panose="02040503050406030204" pitchFamily="18" charset="0"/>
+                          </a:rPr>
+                        </m:ctrlPr>
+                      </m:funcPr>
+                      <m:fName>
+                        <m:sSub>
+                          <m:sSubPr>
+                            <m:ctrlPr>
+                              <a:rPr lang="en-US" sz="12000" i="1" smtClean="0">
+                                <a:latin typeface="Cambria Math" panose="02040503050406030204" pitchFamily="18" charset="0"/>
+                              </a:rPr>
+                            </m:ctrlPr>
+                          </m:sSubPr>
+                          <m:e>
+                            <m:r>
+                              <a:rPr lang="en-US" sz="12000" b="0" i="0" smtClean="0">
+                                <a:latin typeface="Cambria Math" panose="02040503050406030204" pitchFamily="18" charset="0"/>
+                              </a:rPr>
+                              <m:t>4.) </m:t>
+                            </m:r>
+                            <m:r>
+                              <a:rPr lang="en-US" sz="12000">
+                                <a:latin typeface="Cambria Math" panose="02040503050406030204" pitchFamily="18" charset="0"/>
+                              </a:rPr>
+                              <m:t>4</m:t>
+                            </m:r>
+                            <m:r>
+                              <m:rPr>
+                                <m:sty m:val="p"/>
+                              </m:rPr>
+                              <a:rPr lang="en-US" sz="12000">
+                                <a:latin typeface="Cambria Math" panose="02040503050406030204" pitchFamily="18" charset="0"/>
+                              </a:rPr>
+                              <m:t>log</m:t>
+                            </m:r>
+                          </m:e>
+                          <m:sub>
+                            <m:r>
+                              <a:rPr lang="en-US" sz="12000" i="1">
+                                <a:latin typeface="Cambria Math" panose="02040503050406030204" pitchFamily="18" charset="0"/>
+                              </a:rPr>
+                              <m:t>2</m:t>
+                            </m:r>
+                          </m:sub>
+                        </m:sSub>
+                      </m:fName>
+                      <m:e>
+                        <m:d>
+                          <m:dPr>
+                            <m:ctrlPr>
+                              <a:rPr lang="en-US" sz="12000" i="1">
+                                <a:latin typeface="Cambria Math" panose="02040503050406030204" pitchFamily="18" charset="0"/>
+                              </a:rPr>
+                            </m:ctrlPr>
+                          </m:dPr>
+                          <m:e>
+                            <m:r>
+                              <a:rPr lang="en-US" sz="12000" i="1">
+                                <a:latin typeface="Cambria Math" panose="02040503050406030204" pitchFamily="18" charset="0"/>
+                              </a:rPr>
+                              <m:t>2</m:t>
+                            </m:r>
+                            <m:r>
+                              <a:rPr lang="en-US" sz="12000" i="1">
+                                <a:latin typeface="Cambria Math" panose="02040503050406030204" pitchFamily="18" charset="0"/>
+                              </a:rPr>
+                              <m:t>𝑥</m:t>
+                            </m:r>
+                            <m:r>
+                              <a:rPr lang="en-US" sz="12000" i="1">
+                                <a:latin typeface="Cambria Math" panose="02040503050406030204" pitchFamily="18" charset="0"/>
+                              </a:rPr>
+                              <m:t>+9</m:t>
+                            </m:r>
+                          </m:e>
+                        </m:d>
+                        <m:r>
+                          <a:rPr lang="en-US" sz="12000" i="1">
+                            <a:latin typeface="Cambria Math" panose="02040503050406030204" pitchFamily="18" charset="0"/>
+                          </a:rPr>
+                          <m:t>−21=3</m:t>
+                        </m:r>
+                      </m:e>
+                    </m:func>
+                  </m:oMath>
+                </a14:m>
+                <a:r>
+                  <a:rPr lang="en-US" sz="12000" dirty="0"/>
+                  <a:t> </a:t>
+                </a:r>
+                <a:endParaRPr lang="en-US" sz="12000" dirty="0" smtClean="0"/>
+              </a:p>
+              <a:p>
+                <a:pPr marL="0" indent="0">
+                  <a:buNone/>
+                </a:pPr>
+                <a:endParaRPr lang="en-US" dirty="0"/>
+              </a:p>
+            </p:txBody>
+          </p:sp>
+        </mc:Choice>
+        <mc:Fallback xmlns="">
+          <p:sp>
+            <p:nvSpPr>
+              <p:cNvPr id="3" name="Content Placeholder 2"/>
+              <p:cNvSpPr>
+                <a:spLocks noGrp="1" noRot="1" noChangeAspect="1" noMove="1" noResize="1" noEditPoints="1" noAdjustHandles="1" noChangeArrowheads="1" noChangeShapeType="1" noTextEdit="1"/>
+              </p:cNvSpPr>
+              <p:nvPr>
+                <p:ph idx="1"/>
+              </p:nvPr>
+            </p:nvSpPr>
+            <p:spPr>
+              <a:xfrm>
+                <a:off x="771181" y="1399142"/>
+                <a:ext cx="11215171" cy="4468258"/>
+              </a:xfrm>
+              <a:blipFill rotWithShape="0">
+                <a:blip r:embed="rId2"/>
+                <a:stretch>
+                  <a:fillRect l="-1305"/>
+                </a:stretch>
+              </a:blipFill>
+            </p:spPr>
+            <p:txBody>
+              <a:bodyPr/>
+              <a:lstStyle/>
+              <a:p>
+                <a:r>
+                  <a:rPr lang="en-US">
+                    <a:noFill/>
+                  </a:rPr>
+                  <a:t> </a:t>
+                </a:r>
+              </a:p>
+            </p:txBody>
+          </p:sp>
+        </mc:Fallback>
+      </mc:AlternateContent>
+    </p:spTree>
+    <p:extLst>
+      <p:ext uri="{BB962C8B-B14F-4D97-AF65-F5344CB8AC3E}">
+        <p14:creationId xmlns:p14="http://schemas.microsoft.com/office/powerpoint/2010/main" val="2167202703"/>
+      </p:ext>
+    </p:extLst>
+  </p:cSld>
+  <p:clrMapOvr>
+    <a:masterClrMapping/>
+  </p:clrMapOvr>
+</p:sld>
+</file>
+
+<file path=ppt/slides/slide9.xml><?xml version="1.0" encoding="utf-8"?>
+<p:sld xmlns:a="http://schemas.openxmlformats.org/drawingml/2006/main" xmlns:r="http://schemas.openxmlformats.org/officeDocument/2006/relationships" xmlns:p="http://schemas.openxmlformats.org/presentationml/2006/main">
+  <p:cSld>
+    <p:spTree>
+      <p:nvGrpSpPr>
+        <p:cNvPr id="1" name=""/>
+        <p:cNvGrpSpPr/>
+        <p:nvPr/>
+      </p:nvGrpSpPr>
+      <p:grpSpPr>
+        <a:xfrm>
+          <a:off x="0" y="0"/>
+          <a:ext cx="0" cy="0"/>
+          <a:chOff x="0" y="0"/>
+          <a:chExt cx="0" cy="0"/>
+        </a:xfrm>
+      </p:grpSpPr>
+      <p:sp>
+        <p:nvSpPr>
+          <p:cNvPr id="2" name="Title 1"/>
+          <p:cNvSpPr>
+            <a:spLocks noGrp="1"/>
+          </p:cNvSpPr>
+          <p:nvPr>
+            <p:ph type="title"/>
+          </p:nvPr>
+        </p:nvSpPr>
+        <p:spPr/>
+        <p:txBody>
+          <a:bodyPr/>
+          <a:lstStyle/>
+          <a:p>
+            <a:r>
+              <a:rPr lang="en-US" dirty="0" smtClean="0"/>
+              <a:t>Answer the following.</a:t>
+            </a:r>
+            <a:endParaRPr lang="en-US" dirty="0"/>
+          </a:p>
+        </p:txBody>
+      </p:sp>
+      <mc:AlternateContent xmlns:mc="http://schemas.openxmlformats.org/markup-compatibility/2006" xmlns:a14="http://schemas.microsoft.com/office/drawing/2010/main">
+        <mc:Choice Requires="a14">
+          <p:sp>
+            <p:nvSpPr>
+              <p:cNvPr id="3" name="Content Placeholder 2"/>
+              <p:cNvSpPr>
+                <a:spLocks noGrp="1"/>
+              </p:cNvSpPr>
+              <p:nvPr>
+                <p:ph idx="1"/>
+              </p:nvPr>
+            </p:nvSpPr>
+            <p:spPr/>
+            <p:txBody>
+              <a:bodyPr/>
+              <a:lstStyle/>
+              <a:p>
+                <a:pPr marL="0" indent="0">
+                  <a:buNone/>
+                </a:pPr>
+                <a:r>
+                  <a:rPr lang="en-US" sz="3400" dirty="0"/>
+                  <a:t>You have deposited $600 in an account that pays 7.5% interest compounded continuously. Use the </a:t>
+                </a:r>
+                <a14:m>
+                  <m:oMath xmlns:m="http://schemas.openxmlformats.org/officeDocument/2006/math">
+                    <m:sSup>
+                      <m:sSupPr>
+                        <m:ctrlPr>
+                          <a:rPr lang="en-US" sz="3400" i="1">
+                            <a:latin typeface="Cambria Math" panose="02040503050406030204" pitchFamily="18" charset="0"/>
+                          </a:rPr>
+                        </m:ctrlPr>
+                      </m:sSupPr>
+                      <m:e>
+                        <m:r>
+                          <a:rPr lang="en-US" sz="3400" i="1">
+                            <a:latin typeface="Cambria Math" panose="02040503050406030204" pitchFamily="18" charset="0"/>
+                          </a:rPr>
+                          <m:t>𝐴</m:t>
+                        </m:r>
+                        <m:r>
+                          <a:rPr lang="en-US" sz="3400" i="1">
+                            <a:latin typeface="Cambria Math" panose="02040503050406030204" pitchFamily="18" charset="0"/>
+                          </a:rPr>
+                          <m:t>=</m:t>
+                        </m:r>
+                        <m:r>
+                          <a:rPr lang="en-US" sz="3400" i="1">
+                            <a:latin typeface="Cambria Math" panose="02040503050406030204" pitchFamily="18" charset="0"/>
+                          </a:rPr>
+                          <m:t>𝑃𝑒</m:t>
+                        </m:r>
+                      </m:e>
+                      <m:sup>
+                        <m:r>
+                          <a:rPr lang="en-US" sz="3400" i="1">
+                            <a:latin typeface="Cambria Math" panose="02040503050406030204" pitchFamily="18" charset="0"/>
+                          </a:rPr>
+                          <m:t>𝑟𝑡</m:t>
+                        </m:r>
+                      </m:sup>
+                    </m:sSup>
+                  </m:oMath>
+                </a14:m>
+                <a:r>
+                  <a:rPr lang="en-US" sz="3400" dirty="0"/>
+                  <a:t> , where P is in initial deposit r is the percent (written as decimal) and t is the time in years.  How long will it take to double your money? Triple?</a:t>
+                </a:r>
+              </a:p>
+              <a:p>
+                <a:endParaRPr lang="en-US" dirty="0"/>
+              </a:p>
+            </p:txBody>
+          </p:sp>
+        </mc:Choice>
+        <mc:Fallback xmlns="">
+          <p:sp>
+            <p:nvSpPr>
+              <p:cNvPr id="3" name="Content Placeholder 2"/>
+              <p:cNvSpPr>
+                <a:spLocks noGrp="1" noRot="1" noChangeAspect="1" noMove="1" noResize="1" noEditPoints="1" noAdjustHandles="1" noChangeArrowheads="1" noChangeShapeType="1" noTextEdit="1"/>
+              </p:cNvSpPr>
+              <p:nvPr>
+                <p:ph idx="1"/>
+              </p:nvPr>
+            </p:nvSpPr>
+            <p:spPr>
+              <a:blipFill rotWithShape="0">
+                <a:blip r:embed="rId2"/>
+                <a:stretch>
+                  <a:fillRect l="-1778" t="-3231"/>
+                </a:stretch>
+              </a:blipFill>
+            </p:spPr>
+            <p:txBody>
+              <a:bodyPr/>
+              <a:lstStyle/>
+              <a:p>
+                <a:r>
+                  <a:rPr lang="en-US">
+                    <a:noFill/>
+                  </a:rPr>
+                  <a:t> </a:t>
+                </a:r>
+              </a:p>
+            </p:txBody>
+          </p:sp>
+        </mc:Fallback>
+      </mc:AlternateContent>
+    </p:spTree>
+    <p:extLst>
+      <p:ext uri="{BB962C8B-B14F-4D97-AF65-F5344CB8AC3E}">
+        <p14:creationId xmlns:p14="http://schemas.microsoft.com/office/powerpoint/2010/main" val="1022715476"/>
       </p:ext>
     </p:extLst>
   </p:cSld>
